--- a/Day2/NNintro2.pptx
+++ b/Day2/NNintro2.pptx
@@ -9,8 +9,9 @@
     <p:sldId id="257" r:id="rId3"/>
     <p:sldId id="258" r:id="rId4"/>
     <p:sldId id="263" r:id="rId5"/>
-    <p:sldId id="261" r:id="rId6"/>
-    <p:sldId id="262" r:id="rId7"/>
+    <p:sldId id="262" r:id="rId6"/>
+    <p:sldId id="265" r:id="rId7"/>
+    <p:sldId id="264" r:id="rId8"/>
   </p:sldIdLst>
   <p:sldSz cx="12192000" cy="6858000"/>
   <p:notesSz cx="6858000" cy="9144000"/>
@@ -109,6 +110,11 @@
       </a:defRPr>
     </a:lvl9pPr>
   </p:defaultTextStyle>
+  <p:extLst>
+    <p:ext uri="{EFAFB233-063F-42B5-8137-9DF3F51BA10A}">
+      <p15:sldGuideLst xmlns:p15="http://schemas.microsoft.com/office/powerpoint/2012/main"/>
+    </p:ext>
+  </p:extLst>
 </p:presentation>
 </file>
 
@@ -259,7 +265,7 @@
           <a:p>
             <a:fld id="{0AFAC7B3-FB35-CC49-995E-4491EDAB2BEA}" type="datetimeFigureOut">
               <a:rPr lang="en-GB" smtClean="0"/>
-              <a:t>15/05/2022</a:t>
+              <a:t>18/05/2022</a:t>
             </a:fld>
             <a:endParaRPr lang="en-GB"/>
           </a:p>
@@ -457,7 +463,7 @@
           <a:p>
             <a:fld id="{0AFAC7B3-FB35-CC49-995E-4491EDAB2BEA}" type="datetimeFigureOut">
               <a:rPr lang="en-GB" smtClean="0"/>
-              <a:t>15/05/2022</a:t>
+              <a:t>18/05/2022</a:t>
             </a:fld>
             <a:endParaRPr lang="en-GB"/>
           </a:p>
@@ -665,7 +671,7 @@
           <a:p>
             <a:fld id="{0AFAC7B3-FB35-CC49-995E-4491EDAB2BEA}" type="datetimeFigureOut">
               <a:rPr lang="en-GB" smtClean="0"/>
-              <a:t>15/05/2022</a:t>
+              <a:t>18/05/2022</a:t>
             </a:fld>
             <a:endParaRPr lang="en-GB"/>
           </a:p>
@@ -863,7 +869,7 @@
           <a:p>
             <a:fld id="{0AFAC7B3-FB35-CC49-995E-4491EDAB2BEA}" type="datetimeFigureOut">
               <a:rPr lang="en-GB" smtClean="0"/>
-              <a:t>15/05/2022</a:t>
+              <a:t>18/05/2022</a:t>
             </a:fld>
             <a:endParaRPr lang="en-GB"/>
           </a:p>
@@ -1138,7 +1144,7 @@
           <a:p>
             <a:fld id="{0AFAC7B3-FB35-CC49-995E-4491EDAB2BEA}" type="datetimeFigureOut">
               <a:rPr lang="en-GB" smtClean="0"/>
-              <a:t>15/05/2022</a:t>
+              <a:t>18/05/2022</a:t>
             </a:fld>
             <a:endParaRPr lang="en-GB"/>
           </a:p>
@@ -1403,7 +1409,7 @@
           <a:p>
             <a:fld id="{0AFAC7B3-FB35-CC49-995E-4491EDAB2BEA}" type="datetimeFigureOut">
               <a:rPr lang="en-GB" smtClean="0"/>
-              <a:t>15/05/2022</a:t>
+              <a:t>18/05/2022</a:t>
             </a:fld>
             <a:endParaRPr lang="en-GB"/>
           </a:p>
@@ -1815,7 +1821,7 @@
           <a:p>
             <a:fld id="{0AFAC7B3-FB35-CC49-995E-4491EDAB2BEA}" type="datetimeFigureOut">
               <a:rPr lang="en-GB" smtClean="0"/>
-              <a:t>15/05/2022</a:t>
+              <a:t>18/05/2022</a:t>
             </a:fld>
             <a:endParaRPr lang="en-GB"/>
           </a:p>
@@ -1956,7 +1962,7 @@
           <a:p>
             <a:fld id="{0AFAC7B3-FB35-CC49-995E-4491EDAB2BEA}" type="datetimeFigureOut">
               <a:rPr lang="en-GB" smtClean="0"/>
-              <a:t>15/05/2022</a:t>
+              <a:t>18/05/2022</a:t>
             </a:fld>
             <a:endParaRPr lang="en-GB"/>
           </a:p>
@@ -2069,7 +2075,7 @@
           <a:p>
             <a:fld id="{0AFAC7B3-FB35-CC49-995E-4491EDAB2BEA}" type="datetimeFigureOut">
               <a:rPr lang="en-GB" smtClean="0"/>
-              <a:t>15/05/2022</a:t>
+              <a:t>18/05/2022</a:t>
             </a:fld>
             <a:endParaRPr lang="en-GB"/>
           </a:p>
@@ -2380,7 +2386,7 @@
           <a:p>
             <a:fld id="{0AFAC7B3-FB35-CC49-995E-4491EDAB2BEA}" type="datetimeFigureOut">
               <a:rPr lang="en-GB" smtClean="0"/>
-              <a:t>15/05/2022</a:t>
+              <a:t>18/05/2022</a:t>
             </a:fld>
             <a:endParaRPr lang="en-GB"/>
           </a:p>
@@ -2668,7 +2674,7 @@
           <a:p>
             <a:fld id="{0AFAC7B3-FB35-CC49-995E-4491EDAB2BEA}" type="datetimeFigureOut">
               <a:rPr lang="en-GB" smtClean="0"/>
-              <a:t>15/05/2022</a:t>
+              <a:t>18/05/2022</a:t>
             </a:fld>
             <a:endParaRPr lang="en-GB"/>
           </a:p>
@@ -2909,7 +2915,7 @@
           <a:p>
             <a:fld id="{0AFAC7B3-FB35-CC49-995E-4491EDAB2BEA}" type="datetimeFigureOut">
               <a:rPr lang="en-GB" smtClean="0"/>
-              <a:t>15/05/2022</a:t>
+              <a:t>18/05/2022</a:t>
             </a:fld>
             <a:endParaRPr lang="en-GB"/>
           </a:p>
@@ -3905,7 +3911,7 @@
         <p:spPr>
           <a:xfrm>
             <a:off x="6375557" y="4794902"/>
-            <a:ext cx="1457194" cy="400110"/>
+            <a:ext cx="1339406" cy="400110"/>
           </a:xfrm>
           <a:prstGeom prst="rect">
             <a:avLst/>
@@ -3920,7 +3926,7 @@
           <a:p>
             <a:r>
               <a:rPr lang="en-GB" sz="2000" dirty="0"/>
-              <a:t>over-fitting”</a:t>
+              <a:t>over-fitting</a:t>
             </a:r>
           </a:p>
         </p:txBody>
@@ -4388,8 +4394,8 @@
           </a:p>
         </p:txBody>
       </p:sp>
-      <mc:AlternateContent xmlns:mc="http://schemas.openxmlformats.org/markup-compatibility/2006">
-        <mc:Choice xmlns:a14="http://schemas.microsoft.com/office/drawing/2010/main" Requires="a14">
+      <mc:AlternateContent xmlns:mc="http://schemas.openxmlformats.org/markup-compatibility/2006" xmlns:a14="http://schemas.microsoft.com/office/drawing/2010/main">
+        <mc:Choice Requires="a14">
           <p:sp>
             <p:nvSpPr>
               <p:cNvPr id="8" name="TextBox 7">
@@ -4498,7 +4504,7 @@
             </p:txBody>
           </p:sp>
         </mc:Choice>
-        <mc:Fallback>
+        <mc:Fallback xmlns="">
           <p:sp>
             <p:nvSpPr>
               <p:cNvPr id="8" name="TextBox 7">
@@ -4698,8 +4704,8 @@
           </a:prstGeom>
         </p:spPr>
       </p:pic>
-      <mc:AlternateContent xmlns:mc="http://schemas.openxmlformats.org/markup-compatibility/2006">
-        <mc:Choice xmlns:a14="http://schemas.microsoft.com/office/drawing/2010/main" Requires="a14">
+      <mc:AlternateContent xmlns:mc="http://schemas.openxmlformats.org/markup-compatibility/2006" xmlns:a14="http://schemas.microsoft.com/office/drawing/2010/main">
+        <mc:Choice Requires="a14">
           <p:sp>
             <p:nvSpPr>
               <p:cNvPr id="7" name="TextBox 6">
@@ -4818,7 +4824,7 @@
             </p:txBody>
           </p:sp>
         </mc:Choice>
-        <mc:Fallback>
+        <mc:Fallback xmlns="">
           <p:sp>
             <p:nvSpPr>
               <p:cNvPr id="7" name="TextBox 6">
@@ -4959,8 +4965,8 @@
           </a:p>
         </p:txBody>
       </p:sp>
-      <mc:AlternateContent xmlns:mc="http://schemas.openxmlformats.org/markup-compatibility/2006">
-        <mc:Choice xmlns:a14="http://schemas.microsoft.com/office/drawing/2010/main" Requires="a14">
+      <mc:AlternateContent xmlns:mc="http://schemas.openxmlformats.org/markup-compatibility/2006" xmlns:a14="http://schemas.microsoft.com/office/drawing/2010/main">
+        <mc:Choice Requires="a14">
           <p:sp>
             <p:nvSpPr>
               <p:cNvPr id="12" name="TextBox 11">
@@ -5116,7 +5122,7 @@
             </p:txBody>
           </p:sp>
         </mc:Choice>
-        <mc:Fallback>
+        <mc:Fallback xmlns="">
           <p:sp>
             <p:nvSpPr>
               <p:cNvPr id="12" name="TextBox 11">
@@ -5243,7 +5249,7 @@
           <p:cNvPr id="2" name="Title 1">
             <a:extLst>
               <a:ext uri="{FF2B5EF4-FFF2-40B4-BE49-F238E27FC236}">
-                <a16:creationId xmlns:a16="http://schemas.microsoft.com/office/drawing/2014/main" id="{5D622B14-BEE4-1373-F259-F26425EF1EE4}"/>
+                <a16:creationId xmlns:a16="http://schemas.microsoft.com/office/drawing/2014/main" id="{6B65414A-6C58-63A5-CB73-BF2FDBF0B4B5}"/>
               </a:ext>
             </a:extLst>
           </p:cNvPr>
@@ -5254,51 +5260,260 @@
             <p:ph type="title"/>
           </p:nvPr>
         </p:nvSpPr>
-        <p:spPr/>
-        <p:txBody>
-          <a:bodyPr/>
-          <a:lstStyle/>
-          <a:p>
-            <a:r>
-              <a:rPr lang="en-GB" dirty="0" err="1"/>
-              <a:t>softmax</a:t>
-            </a:r>
+        <p:spPr>
+          <a:xfrm>
+            <a:off x="838200" y="365125"/>
+            <a:ext cx="10515600" cy="688975"/>
+          </a:xfrm>
+        </p:spPr>
+        <p:txBody>
+          <a:bodyPr>
+            <a:normAutofit/>
+          </a:bodyPr>
+          <a:lstStyle/>
+          <a:p>
+            <a:r>
+              <a:rPr lang="en-GB" sz="4000" dirty="0"/>
+              <a:t>The optimizer</a:t>
+            </a:r>
+          </a:p>
+        </p:txBody>
+      </p:sp>
+      <p:sp>
+        <p:nvSpPr>
+          <p:cNvPr id="3" name="Content Placeholder 2">
+            <a:extLst>
+              <a:ext uri="{FF2B5EF4-FFF2-40B4-BE49-F238E27FC236}">
+                <a16:creationId xmlns:a16="http://schemas.microsoft.com/office/drawing/2014/main" id="{13AE54D5-7F11-E26A-9095-AD353CAA41B7}"/>
+              </a:ext>
+            </a:extLst>
+          </p:cNvPr>
+          <p:cNvSpPr>
+            <a:spLocks noGrp="1"/>
+          </p:cNvSpPr>
+          <p:nvPr>
+            <p:ph sz="half" idx="1"/>
+          </p:nvPr>
+        </p:nvSpPr>
+        <p:spPr>
+          <a:xfrm>
+            <a:off x="838199" y="1257300"/>
+            <a:ext cx="4923269" cy="4919663"/>
+          </a:xfrm>
+        </p:spPr>
+        <p:txBody>
+          <a:bodyPr>
+            <a:noAutofit/>
+          </a:bodyPr>
+          <a:lstStyle/>
+          <a:p>
+            <a:r>
+              <a:rPr lang="en-GB" sz="2400" dirty="0"/>
+              <a:t>In plain stochastic gradient descent (</a:t>
+            </a:r>
+            <a:r>
+              <a:rPr lang="en-GB" sz="2400" dirty="0" err="1"/>
+              <a:t>torch.optim.SGD</a:t>
+            </a:r>
+            <a:r>
+              <a:rPr lang="en-GB" sz="2400" dirty="0"/>
+              <a:t>) you need to set parameters (learning rate and momentum)</a:t>
+            </a:r>
+          </a:p>
+          <a:p>
+            <a:r>
+              <a:rPr lang="en-GB" sz="2400" dirty="0"/>
+              <a:t>The </a:t>
+            </a:r>
+            <a:r>
+              <a:rPr lang="en-GB" sz="2400" dirty="0">
+                <a:solidFill>
+                  <a:schemeClr val="accent1"/>
+                </a:solidFill>
+              </a:rPr>
+              <a:t>Adam</a:t>
+            </a:r>
+            <a:r>
+              <a:rPr lang="en-GB" sz="2400" dirty="0"/>
+              <a:t> </a:t>
+            </a:r>
+            <a:r>
+              <a:rPr lang="en-GB" sz="2400" dirty="0">
+                <a:solidFill>
+                  <a:schemeClr val="accent1"/>
+                </a:solidFill>
+              </a:rPr>
+              <a:t>optimizer</a:t>
+            </a:r>
+            <a:r>
+              <a:rPr lang="en-GB" sz="2400" dirty="0"/>
+              <a:t> is usually a better choice</a:t>
+            </a:r>
+          </a:p>
+          <a:p>
+            <a:pPr lvl="1"/>
             <a:r>
               <a:rPr lang="en-GB" dirty="0"/>
-              <a:t> &amp; more on maximum likelihood</a:t>
-            </a:r>
-          </a:p>
-        </p:txBody>
-      </p:sp>
-      <p:sp>
-        <p:nvSpPr>
-          <p:cNvPr id="3" name="Content Placeholder 2">
-            <a:extLst>
-              <a:ext uri="{FF2B5EF4-FFF2-40B4-BE49-F238E27FC236}">
-                <a16:creationId xmlns:a16="http://schemas.microsoft.com/office/drawing/2014/main" id="{9C6D41C9-A494-066D-AF78-77B880C5C0B4}"/>
-              </a:ext>
-            </a:extLst>
-          </p:cNvPr>
-          <p:cNvSpPr>
-            <a:spLocks noGrp="1"/>
-          </p:cNvSpPr>
-          <p:nvPr>
-            <p:ph idx="1"/>
-          </p:nvPr>
-        </p:nvSpPr>
-        <p:spPr/>
-        <p:txBody>
-          <a:bodyPr/>
-          <a:lstStyle/>
-          <a:p>
-            <a:endParaRPr lang="en-GB"/>
+              <a:t>It automatically adapts the learning rate and momentum in clever ways</a:t>
+            </a:r>
+          </a:p>
+          <a:p>
+            <a:pPr lvl="1"/>
+            <a:r>
+              <a:rPr lang="en-GB" dirty="0"/>
+              <a:t>It is based on SGD and uses mini-batches</a:t>
+            </a:r>
+          </a:p>
+          <a:p>
+            <a:pPr lvl="1"/>
+            <a:r>
+              <a:rPr lang="en-GB" dirty="0"/>
+              <a:t>you can set a weight decay</a:t>
+            </a:r>
+          </a:p>
+          <a:p>
+            <a:endParaRPr lang="en-GB" sz="2400" dirty="0"/>
+          </a:p>
+        </p:txBody>
+      </p:sp>
+      <p:sp>
+        <p:nvSpPr>
+          <p:cNvPr id="4" name="Content Placeholder 3">
+            <a:extLst>
+              <a:ext uri="{FF2B5EF4-FFF2-40B4-BE49-F238E27FC236}">
+                <a16:creationId xmlns:a16="http://schemas.microsoft.com/office/drawing/2014/main" id="{5910F5F3-AA7C-6FD5-336D-0DD482F957BA}"/>
+              </a:ext>
+            </a:extLst>
+          </p:cNvPr>
+          <p:cNvSpPr>
+            <a:spLocks noGrp="1"/>
+          </p:cNvSpPr>
+          <p:nvPr>
+            <p:ph sz="half" idx="2"/>
+          </p:nvPr>
+        </p:nvSpPr>
+        <p:spPr>
+          <a:xfrm>
+            <a:off x="6172200" y="3802063"/>
+            <a:ext cx="5181600" cy="2374899"/>
+          </a:xfrm>
+        </p:spPr>
+        <p:txBody>
+          <a:bodyPr>
+            <a:normAutofit/>
+          </a:bodyPr>
+          <a:lstStyle/>
+          <a:p>
+            <a:pPr marL="0" indent="0">
+              <a:buNone/>
+            </a:pPr>
+            <a:r>
+              <a:rPr lang="en-GB" sz="2400" dirty="0"/>
+              <a:t>You can set parameters in Adam, such as </a:t>
+            </a:r>
+          </a:p>
+          <a:p>
+            <a:r>
+              <a:rPr lang="en-GB" sz="2400" dirty="0"/>
+              <a:t>learning rate (e.g. “</a:t>
+            </a:r>
+            <a:r>
+              <a:rPr lang="en-GB" sz="2400" dirty="0" err="1"/>
+              <a:t>lr</a:t>
+            </a:r>
+            <a:r>
+              <a:rPr lang="en-GB" sz="2400" dirty="0"/>
+              <a:t>=1.e-4”)</a:t>
+            </a:r>
+          </a:p>
+          <a:p>
+            <a:r>
+              <a:rPr lang="en-GB" sz="2400" dirty="0"/>
+              <a:t>“</a:t>
+            </a:r>
+            <a:r>
+              <a:rPr lang="en-GB" sz="2400" dirty="0" err="1"/>
+              <a:t>weight_decay</a:t>
+            </a:r>
+            <a:r>
+              <a:rPr lang="en-GB" sz="2400" dirty="0"/>
+              <a:t>=1.e-5”</a:t>
+            </a:r>
+          </a:p>
+          <a:p>
+            <a:endParaRPr lang="en-DK" dirty="0"/>
+          </a:p>
+        </p:txBody>
+      </p:sp>
+      <p:pic>
+        <p:nvPicPr>
+          <p:cNvPr id="5" name="Picture 4">
+            <a:extLst>
+              <a:ext uri="{FF2B5EF4-FFF2-40B4-BE49-F238E27FC236}">
+                <a16:creationId xmlns:a16="http://schemas.microsoft.com/office/drawing/2014/main" id="{39877F88-04C2-CC9C-32D3-95C8302B1286}"/>
+              </a:ext>
+            </a:extLst>
+          </p:cNvPr>
+          <p:cNvPicPr>
+            <a:picLocks noChangeAspect="1"/>
+          </p:cNvPicPr>
+          <p:nvPr/>
+        </p:nvPicPr>
+        <p:blipFill>
+          <a:blip r:embed="rId2"/>
+          <a:stretch>
+            <a:fillRect/>
+          </a:stretch>
+        </p:blipFill>
+        <p:spPr>
+          <a:xfrm>
+            <a:off x="6172200" y="1342231"/>
+            <a:ext cx="5615417" cy="2374900"/>
+          </a:xfrm>
+          <a:prstGeom prst="rect">
+            <a:avLst/>
+          </a:prstGeom>
+        </p:spPr>
+      </p:pic>
+      <p:sp>
+        <p:nvSpPr>
+          <p:cNvPr id="6" name="TextBox 5">
+            <a:extLst>
+              <a:ext uri="{FF2B5EF4-FFF2-40B4-BE49-F238E27FC236}">
+                <a16:creationId xmlns:a16="http://schemas.microsoft.com/office/drawing/2014/main" id="{4D8F6FC3-7E84-6835-B27F-7CE1BD200B33}"/>
+              </a:ext>
+            </a:extLst>
+          </p:cNvPr>
+          <p:cNvSpPr txBox="1"/>
+          <p:nvPr/>
+        </p:nvSpPr>
+        <p:spPr>
+          <a:xfrm>
+            <a:off x="6172200" y="990600"/>
+            <a:ext cx="3570721" cy="369332"/>
+          </a:xfrm>
+          <a:prstGeom prst="rect">
+            <a:avLst/>
+          </a:prstGeom>
+          <a:noFill/>
+        </p:spPr>
+        <p:txBody>
+          <a:bodyPr wrap="none" rtlCol="0">
+            <a:spAutoFit/>
+          </a:bodyPr>
+          <a:lstStyle/>
+          <a:p>
+            <a:r>
+              <a:rPr lang="en-DK" dirty="0"/>
+              <a:t>Example of code using an optimizer:</a:t>
+            </a:r>
           </a:p>
         </p:txBody>
       </p:sp>
     </p:spTree>
     <p:extLst>
       <p:ext uri="{BB962C8B-B14F-4D97-AF65-F5344CB8AC3E}">
-        <p14:creationId xmlns:p14="http://schemas.microsoft.com/office/powerpoint/2010/main" val="3484182997"/>
+        <p14:creationId xmlns:p14="http://schemas.microsoft.com/office/powerpoint/2010/main" val="356029131"/>
       </p:ext>
     </p:extLst>
   </p:cSld>
@@ -5330,7 +5545,7 @@
           <p:cNvPr id="2" name="Title 1">
             <a:extLst>
               <a:ext uri="{FF2B5EF4-FFF2-40B4-BE49-F238E27FC236}">
-                <a16:creationId xmlns:a16="http://schemas.microsoft.com/office/drawing/2014/main" id="{6B65414A-6C58-63A5-CB73-BF2FDBF0B4B5}"/>
+                <a16:creationId xmlns:a16="http://schemas.microsoft.com/office/drawing/2014/main" id="{25484B26-A7DB-42E4-F868-A7796468E2CC}"/>
               </a:ext>
             </a:extLst>
           </p:cNvPr>
@@ -5341,12 +5556,7 @@
             <p:ph type="title"/>
           </p:nvPr>
         </p:nvSpPr>
-        <p:spPr>
-          <a:xfrm>
-            <a:off x="838200" y="365126"/>
-            <a:ext cx="10515600" cy="737164"/>
-          </a:xfrm>
-        </p:spPr>
+        <p:spPr/>
         <p:txBody>
           <a:bodyPr>
             <a:normAutofit/>
@@ -5354,8 +5564,8 @@
           <a:lstStyle/>
           <a:p>
             <a:r>
-              <a:rPr lang="en-GB" sz="4000" dirty="0"/>
-              <a:t>Choice of optimizer, parameters, etc</a:t>
+              <a:rPr lang="en-DK" sz="4000" dirty="0"/>
+              <a:t>All the choices you have to make …</a:t>
             </a:r>
           </a:p>
         </p:txBody>
@@ -5365,7 +5575,7 @@
           <p:cNvPr id="3" name="Content Placeholder 2">
             <a:extLst>
               <a:ext uri="{FF2B5EF4-FFF2-40B4-BE49-F238E27FC236}">
-                <a16:creationId xmlns:a16="http://schemas.microsoft.com/office/drawing/2014/main" id="{13AE54D5-7F11-E26A-9095-AD353CAA41B7}"/>
+                <a16:creationId xmlns:a16="http://schemas.microsoft.com/office/drawing/2014/main" id="{C59CBC92-8B72-143C-4AC6-16984CF2A741}"/>
               </a:ext>
             </a:extLst>
           </p:cNvPr>
@@ -5376,12 +5586,7 @@
             <p:ph idx="1"/>
           </p:nvPr>
         </p:nvSpPr>
-        <p:spPr>
-          <a:xfrm>
-            <a:off x="838200" y="1390389"/>
-            <a:ext cx="10515600" cy="5210826"/>
-          </a:xfrm>
-        </p:spPr>
+        <p:spPr/>
         <p:txBody>
           <a:bodyPr>
             <a:normAutofit/>
@@ -5389,98 +5594,29 @@
           <a:lstStyle/>
           <a:p>
             <a:r>
-              <a:rPr lang="en-GB" sz="2400" dirty="0"/>
-              <a:t>In stochastic gradient descent (</a:t>
-            </a:r>
-            <a:r>
-              <a:rPr lang="en-GB" sz="2400" dirty="0" err="1"/>
-              <a:t>torch.optim.SGD</a:t>
-            </a:r>
-            <a:r>
-              <a:rPr lang="en-GB" sz="2400" dirty="0"/>
-              <a:t>) you need to set parameters (learning rate and momentum)</a:t>
-            </a:r>
-          </a:p>
-          <a:p>
-            <a:r>
-              <a:rPr lang="en-GB" sz="2400" dirty="0"/>
-              <a:t>The </a:t>
-            </a:r>
-            <a:r>
-              <a:rPr lang="en-GB" sz="2400" dirty="0">
+              <a:rPr lang="en-GB" dirty="0"/>
+              <a:t>There are </a:t>
+            </a:r>
+            <a:r>
+              <a:rPr lang="en-GB" dirty="0">
                 <a:solidFill>
                   <a:schemeClr val="accent1"/>
                 </a:solidFill>
               </a:rPr>
-              <a:t>Adam</a:t>
-            </a:r>
-            <a:r>
-              <a:rPr lang="en-GB" sz="2400" dirty="0"/>
-              <a:t> optimizer (</a:t>
-            </a:r>
-            <a:r>
-              <a:rPr lang="en-GB" sz="2400" dirty="0" err="1"/>
-              <a:t>torch.optim.Adam</a:t>
-            </a:r>
-            <a:r>
-              <a:rPr lang="en-GB" sz="2400" dirty="0"/>
-              <a:t>) is usually a better choice</a:t>
-            </a:r>
-          </a:p>
-          <a:p>
-            <a:pPr lvl="1"/>
-            <a:r>
-              <a:rPr lang="en-GB" sz="2000" dirty="0"/>
-              <a:t>It </a:t>
-            </a:r>
-            <a:r>
-              <a:rPr lang="en-GB" sz="2000" dirty="0" err="1"/>
-              <a:t>automativcally</a:t>
-            </a:r>
-            <a:r>
-              <a:rPr lang="en-GB" sz="2000" dirty="0"/>
-              <a:t> adapts the learning rate and momentum in clever ways</a:t>
-            </a:r>
-          </a:p>
-          <a:p>
-            <a:pPr lvl="1"/>
-            <a:r>
-              <a:rPr lang="en-GB" sz="2000" dirty="0"/>
-              <a:t>It is based on SGD and uses mini-batches</a:t>
-            </a:r>
-          </a:p>
-          <a:p>
-            <a:pPr lvl="1"/>
-            <a:r>
-              <a:rPr lang="en-GB" sz="2000" dirty="0"/>
-              <a:t>you can set a weight decay</a:t>
-            </a:r>
-          </a:p>
-          <a:p>
-            <a:r>
-              <a:rPr lang="en-GB" sz="2400" dirty="0"/>
-              <a:t>There are </a:t>
-            </a:r>
-            <a:r>
-              <a:rPr lang="en-GB" sz="2400" dirty="0">
-                <a:solidFill>
-                  <a:schemeClr val="accent1"/>
-                </a:solidFill>
-              </a:rPr>
-              <a:t>many things you can vary in a Neural Network</a:t>
-            </a:r>
-            <a:r>
-              <a:rPr lang="en-GB" sz="2400" dirty="0"/>
+              <a:t>many parameters you can vary in a Neural Network</a:t>
+            </a:r>
+            <a:r>
+              <a:rPr lang="en-GB" dirty="0"/>
               <a:t>.</a:t>
             </a:r>
           </a:p>
           <a:p>
             <a:r>
-              <a:rPr lang="en-GB" sz="2400" dirty="0"/>
+              <a:rPr lang="en-GB" dirty="0"/>
               <a:t>It is a good idea to make an initial “</a:t>
             </a:r>
             <a:r>
-              <a:rPr lang="en-GB" sz="2400" dirty="0">
+              <a:rPr lang="en-GB" dirty="0">
                 <a:solidFill>
                   <a:schemeClr val="accent1"/>
                 </a:solidFill>
@@ -5488,39 +5624,139 @@
               <a:t>grid search</a:t>
             </a:r>
             <a:r>
-              <a:rPr lang="en-GB" sz="2400" dirty="0"/>
+              <a:rPr lang="en-GB" dirty="0"/>
               <a:t>” where you systematically test performance by varying</a:t>
             </a:r>
           </a:p>
           <a:p>
             <a:pPr lvl="1"/>
             <a:r>
-              <a:rPr lang="en-GB" sz="2000" dirty="0"/>
+              <a:rPr lang="en-GB" dirty="0"/>
               <a:t>the number of hidden layers and their size</a:t>
             </a:r>
           </a:p>
           <a:p>
             <a:pPr lvl="1"/>
             <a:r>
-              <a:rPr lang="en-GB" sz="2000" dirty="0"/>
+              <a:rPr lang="en-GB" dirty="0"/>
               <a:t>other parameters one by one</a:t>
             </a:r>
           </a:p>
           <a:p>
             <a:r>
-              <a:rPr lang="en-GB" sz="2400" dirty="0"/>
-              <a:t>This is sometimes done on a reduced data set with quite few iterations</a:t>
-            </a:r>
-          </a:p>
-          <a:p>
-            <a:endParaRPr lang="en-GB" sz="2400" dirty="0"/>
+              <a:rPr lang="en-GB" dirty="0"/>
+              <a:t>This is sometimes done on a reduced data </a:t>
+            </a:r>
+            <a:r>
+              <a:rPr lang="en-GB"/>
+              <a:t>set and or with </a:t>
+            </a:r>
+            <a:r>
+              <a:rPr lang="en-GB" dirty="0"/>
+              <a:t>quite few iterations</a:t>
+            </a:r>
+          </a:p>
+          <a:p>
+            <a:pPr marL="0" indent="0">
+              <a:buNone/>
+            </a:pPr>
+            <a:endParaRPr lang="en-DK" sz="3200" dirty="0"/>
           </a:p>
         </p:txBody>
       </p:sp>
     </p:spTree>
     <p:extLst>
       <p:ext uri="{BB962C8B-B14F-4D97-AF65-F5344CB8AC3E}">
-        <p14:creationId xmlns:p14="http://schemas.microsoft.com/office/powerpoint/2010/main" val="356029131"/>
+        <p14:creationId xmlns:p14="http://schemas.microsoft.com/office/powerpoint/2010/main" val="2740460272"/>
+      </p:ext>
+    </p:extLst>
+  </p:cSld>
+  <p:clrMapOvr>
+    <a:masterClrMapping/>
+  </p:clrMapOvr>
+</p:sld>
+</file>
+
+<file path=ppt/slides/slide7.xml><?xml version="1.0" encoding="utf-8"?>
+<p:sld xmlns:a="http://schemas.openxmlformats.org/drawingml/2006/main" xmlns:r="http://schemas.openxmlformats.org/officeDocument/2006/relationships" xmlns:p="http://schemas.openxmlformats.org/presentationml/2006/main">
+  <p:cSld>
+    <p:spTree>
+      <p:nvGrpSpPr>
+        <p:cNvPr id="1" name=""/>
+        <p:cNvGrpSpPr/>
+        <p:nvPr/>
+      </p:nvGrpSpPr>
+      <p:grpSpPr>
+        <a:xfrm>
+          <a:off x="0" y="0"/>
+          <a:ext cx="0" cy="0"/>
+          <a:chOff x="0" y="0"/>
+          <a:chExt cx="0" cy="0"/>
+        </a:xfrm>
+      </p:grpSpPr>
+      <p:sp>
+        <p:nvSpPr>
+          <p:cNvPr id="2" name="Title 1">
+            <a:extLst>
+              <a:ext uri="{FF2B5EF4-FFF2-40B4-BE49-F238E27FC236}">
+                <a16:creationId xmlns:a16="http://schemas.microsoft.com/office/drawing/2014/main" id="{F45BC4DA-2A5C-65D6-A386-67B295A3C629}"/>
+              </a:ext>
+            </a:extLst>
+          </p:cNvPr>
+          <p:cNvSpPr>
+            <a:spLocks noGrp="1"/>
+          </p:cNvSpPr>
+          <p:nvPr>
+            <p:ph type="title"/>
+          </p:nvPr>
+        </p:nvSpPr>
+        <p:spPr/>
+        <p:txBody>
+          <a:bodyPr/>
+          <a:lstStyle/>
+          <a:p>
+            <a:r>
+              <a:rPr lang="en-DK" dirty="0"/>
+              <a:t>Exercise with gene expression data</a:t>
+            </a:r>
+          </a:p>
+        </p:txBody>
+      </p:sp>
+      <p:sp>
+        <p:nvSpPr>
+          <p:cNvPr id="3" name="Content Placeholder 2">
+            <a:extLst>
+              <a:ext uri="{FF2B5EF4-FFF2-40B4-BE49-F238E27FC236}">
+                <a16:creationId xmlns:a16="http://schemas.microsoft.com/office/drawing/2014/main" id="{59DE1D73-68F8-A839-F165-A284BA323472}"/>
+              </a:ext>
+            </a:extLst>
+          </p:cNvPr>
+          <p:cNvSpPr>
+            <a:spLocks noGrp="1"/>
+          </p:cNvSpPr>
+          <p:nvPr>
+            <p:ph idx="1"/>
+          </p:nvPr>
+        </p:nvSpPr>
+        <p:spPr/>
+        <p:txBody>
+          <a:bodyPr/>
+          <a:lstStyle/>
+          <a:p>
+            <a:r>
+              <a:rPr lang="en-DK" dirty="0"/>
+              <a:t>Explain the data a bit</a:t>
+            </a:r>
+          </a:p>
+          <a:p>
+            <a:endParaRPr lang="en-DK" dirty="0"/>
+          </a:p>
+        </p:txBody>
+      </p:sp>
+    </p:spTree>
+    <p:extLst>
+      <p:ext uri="{BB962C8B-B14F-4D97-AF65-F5344CB8AC3E}">
+        <p14:creationId xmlns:p14="http://schemas.microsoft.com/office/powerpoint/2010/main" val="3368431095"/>
       </p:ext>
     </p:extLst>
   </p:cSld>

--- a/Day2/NNintro2.pptx
+++ b/Day2/NNintro2.pptx
@@ -7,11 +7,14 @@
   <p:sldIdLst>
     <p:sldId id="260" r:id="rId2"/>
     <p:sldId id="257" r:id="rId3"/>
-    <p:sldId id="258" r:id="rId4"/>
-    <p:sldId id="263" r:id="rId5"/>
-    <p:sldId id="262" r:id="rId6"/>
-    <p:sldId id="265" r:id="rId7"/>
-    <p:sldId id="264" r:id="rId8"/>
+    <p:sldId id="269" r:id="rId4"/>
+    <p:sldId id="258" r:id="rId5"/>
+    <p:sldId id="263" r:id="rId6"/>
+    <p:sldId id="268" r:id="rId7"/>
+    <p:sldId id="267" r:id="rId8"/>
+    <p:sldId id="262" r:id="rId9"/>
+    <p:sldId id="265" r:id="rId10"/>
+    <p:sldId id="264" r:id="rId11"/>
   </p:sldIdLst>
   <p:sldSz cx="12192000" cy="6858000"/>
   <p:notesSz cx="6858000" cy="9144000"/>
@@ -265,7 +268,7 @@
           <a:p>
             <a:fld id="{0AFAC7B3-FB35-CC49-995E-4491EDAB2BEA}" type="datetimeFigureOut">
               <a:rPr lang="en-GB" smtClean="0"/>
-              <a:t>18/05/2022</a:t>
+              <a:t>22/05/2022</a:t>
             </a:fld>
             <a:endParaRPr lang="en-GB"/>
           </a:p>
@@ -463,7 +466,7 @@
           <a:p>
             <a:fld id="{0AFAC7B3-FB35-CC49-995E-4491EDAB2BEA}" type="datetimeFigureOut">
               <a:rPr lang="en-GB" smtClean="0"/>
-              <a:t>18/05/2022</a:t>
+              <a:t>22/05/2022</a:t>
             </a:fld>
             <a:endParaRPr lang="en-GB"/>
           </a:p>
@@ -671,7 +674,7 @@
           <a:p>
             <a:fld id="{0AFAC7B3-FB35-CC49-995E-4491EDAB2BEA}" type="datetimeFigureOut">
               <a:rPr lang="en-GB" smtClean="0"/>
-              <a:t>18/05/2022</a:t>
+              <a:t>22/05/2022</a:t>
             </a:fld>
             <a:endParaRPr lang="en-GB"/>
           </a:p>
@@ -869,7 +872,7 @@
           <a:p>
             <a:fld id="{0AFAC7B3-FB35-CC49-995E-4491EDAB2BEA}" type="datetimeFigureOut">
               <a:rPr lang="en-GB" smtClean="0"/>
-              <a:t>18/05/2022</a:t>
+              <a:t>22/05/2022</a:t>
             </a:fld>
             <a:endParaRPr lang="en-GB"/>
           </a:p>
@@ -1144,7 +1147,7 @@
           <a:p>
             <a:fld id="{0AFAC7B3-FB35-CC49-995E-4491EDAB2BEA}" type="datetimeFigureOut">
               <a:rPr lang="en-GB" smtClean="0"/>
-              <a:t>18/05/2022</a:t>
+              <a:t>22/05/2022</a:t>
             </a:fld>
             <a:endParaRPr lang="en-GB"/>
           </a:p>
@@ -1409,7 +1412,7 @@
           <a:p>
             <a:fld id="{0AFAC7B3-FB35-CC49-995E-4491EDAB2BEA}" type="datetimeFigureOut">
               <a:rPr lang="en-GB" smtClean="0"/>
-              <a:t>18/05/2022</a:t>
+              <a:t>22/05/2022</a:t>
             </a:fld>
             <a:endParaRPr lang="en-GB"/>
           </a:p>
@@ -1821,7 +1824,7 @@
           <a:p>
             <a:fld id="{0AFAC7B3-FB35-CC49-995E-4491EDAB2BEA}" type="datetimeFigureOut">
               <a:rPr lang="en-GB" smtClean="0"/>
-              <a:t>18/05/2022</a:t>
+              <a:t>22/05/2022</a:t>
             </a:fld>
             <a:endParaRPr lang="en-GB"/>
           </a:p>
@@ -1962,7 +1965,7 @@
           <a:p>
             <a:fld id="{0AFAC7B3-FB35-CC49-995E-4491EDAB2BEA}" type="datetimeFigureOut">
               <a:rPr lang="en-GB" smtClean="0"/>
-              <a:t>18/05/2022</a:t>
+              <a:t>22/05/2022</a:t>
             </a:fld>
             <a:endParaRPr lang="en-GB"/>
           </a:p>
@@ -2075,7 +2078,7 @@
           <a:p>
             <a:fld id="{0AFAC7B3-FB35-CC49-995E-4491EDAB2BEA}" type="datetimeFigureOut">
               <a:rPr lang="en-GB" smtClean="0"/>
-              <a:t>18/05/2022</a:t>
+              <a:t>22/05/2022</a:t>
             </a:fld>
             <a:endParaRPr lang="en-GB"/>
           </a:p>
@@ -2386,7 +2389,7 @@
           <a:p>
             <a:fld id="{0AFAC7B3-FB35-CC49-995E-4491EDAB2BEA}" type="datetimeFigureOut">
               <a:rPr lang="en-GB" smtClean="0"/>
-              <a:t>18/05/2022</a:t>
+              <a:t>22/05/2022</a:t>
             </a:fld>
             <a:endParaRPr lang="en-GB"/>
           </a:p>
@@ -2674,7 +2677,7 @@
           <a:p>
             <a:fld id="{0AFAC7B3-FB35-CC49-995E-4491EDAB2BEA}" type="datetimeFigureOut">
               <a:rPr lang="en-GB" smtClean="0"/>
-              <a:t>18/05/2022</a:t>
+              <a:t>22/05/2022</a:t>
             </a:fld>
             <a:endParaRPr lang="en-GB"/>
           </a:p>
@@ -2915,7 +2918,7 @@
           <a:p>
             <a:fld id="{0AFAC7B3-FB35-CC49-995E-4491EDAB2BEA}" type="datetimeFigureOut">
               <a:rPr lang="en-GB" smtClean="0"/>
-              <a:t>18/05/2022</a:t>
+              <a:t>22/05/2022</a:t>
             </a:fld>
             <a:endParaRPr lang="en-GB"/>
           </a:p>
@@ -3413,6 +3416,95 @@
 </p:sld>
 </file>
 
+<file path=ppt/slides/slide10.xml><?xml version="1.0" encoding="utf-8"?>
+<p:sld xmlns:a="http://schemas.openxmlformats.org/drawingml/2006/main" xmlns:r="http://schemas.openxmlformats.org/officeDocument/2006/relationships" xmlns:p="http://schemas.openxmlformats.org/presentationml/2006/main">
+  <p:cSld>
+    <p:spTree>
+      <p:nvGrpSpPr>
+        <p:cNvPr id="1" name=""/>
+        <p:cNvGrpSpPr/>
+        <p:nvPr/>
+      </p:nvGrpSpPr>
+      <p:grpSpPr>
+        <a:xfrm>
+          <a:off x="0" y="0"/>
+          <a:ext cx="0" cy="0"/>
+          <a:chOff x="0" y="0"/>
+          <a:chExt cx="0" cy="0"/>
+        </a:xfrm>
+      </p:grpSpPr>
+      <p:sp>
+        <p:nvSpPr>
+          <p:cNvPr id="2" name="Title 1">
+            <a:extLst>
+              <a:ext uri="{FF2B5EF4-FFF2-40B4-BE49-F238E27FC236}">
+                <a16:creationId xmlns:a16="http://schemas.microsoft.com/office/drawing/2014/main" id="{F45BC4DA-2A5C-65D6-A386-67B295A3C629}"/>
+              </a:ext>
+            </a:extLst>
+          </p:cNvPr>
+          <p:cNvSpPr>
+            <a:spLocks noGrp="1"/>
+          </p:cNvSpPr>
+          <p:nvPr>
+            <p:ph type="title"/>
+          </p:nvPr>
+        </p:nvSpPr>
+        <p:spPr/>
+        <p:txBody>
+          <a:bodyPr/>
+          <a:lstStyle/>
+          <a:p>
+            <a:r>
+              <a:rPr lang="en-DK" dirty="0"/>
+              <a:t>Exercise with gene expression data</a:t>
+            </a:r>
+          </a:p>
+        </p:txBody>
+      </p:sp>
+      <p:sp>
+        <p:nvSpPr>
+          <p:cNvPr id="3" name="Content Placeholder 2">
+            <a:extLst>
+              <a:ext uri="{FF2B5EF4-FFF2-40B4-BE49-F238E27FC236}">
+                <a16:creationId xmlns:a16="http://schemas.microsoft.com/office/drawing/2014/main" id="{59DE1D73-68F8-A839-F165-A284BA323472}"/>
+              </a:ext>
+            </a:extLst>
+          </p:cNvPr>
+          <p:cNvSpPr>
+            <a:spLocks noGrp="1"/>
+          </p:cNvSpPr>
+          <p:nvPr>
+            <p:ph idx="1"/>
+          </p:nvPr>
+        </p:nvSpPr>
+        <p:spPr/>
+        <p:txBody>
+          <a:bodyPr/>
+          <a:lstStyle/>
+          <a:p>
+            <a:r>
+              <a:rPr lang="en-DK" dirty="0"/>
+              <a:t>Explain the data a bit</a:t>
+            </a:r>
+          </a:p>
+          <a:p>
+            <a:endParaRPr lang="en-DK" dirty="0"/>
+          </a:p>
+        </p:txBody>
+      </p:sp>
+    </p:spTree>
+    <p:extLst>
+      <p:ext uri="{BB962C8B-B14F-4D97-AF65-F5344CB8AC3E}">
+        <p14:creationId xmlns:p14="http://schemas.microsoft.com/office/powerpoint/2010/main" val="3368431095"/>
+      </p:ext>
+    </p:extLst>
+  </p:cSld>
+  <p:clrMapOvr>
+    <a:masterClrMapping/>
+  </p:clrMapOvr>
+</p:sld>
+</file>
+
 <file path=ppt/slides/slide2.xml><?xml version="1.0" encoding="utf-8"?>
 <p:sld xmlns:a="http://schemas.openxmlformats.org/drawingml/2006/main" xmlns:r="http://schemas.openxmlformats.org/officeDocument/2006/relationships" xmlns:p="http://schemas.openxmlformats.org/presentationml/2006/main">
   <p:cSld>
@@ -3446,7 +3538,12 @@
             <p:ph type="title"/>
           </p:nvPr>
         </p:nvSpPr>
-        <p:spPr/>
+        <p:spPr>
+          <a:xfrm>
+            <a:off x="838200" y="365125"/>
+            <a:ext cx="10515600" cy="1052841"/>
+          </a:xfrm>
+        </p:spPr>
         <p:txBody>
           <a:bodyPr>
             <a:normAutofit/>
@@ -3992,6 +4089,360 @@
 </file>
 
 <file path=ppt/slides/slide3.xml><?xml version="1.0" encoding="utf-8"?>
+<p:sld xmlns:a="http://schemas.openxmlformats.org/drawingml/2006/main" xmlns:r="http://schemas.openxmlformats.org/officeDocument/2006/relationships" xmlns:p="http://schemas.openxmlformats.org/presentationml/2006/main">
+  <p:cSld>
+    <p:spTree>
+      <p:nvGrpSpPr>
+        <p:cNvPr id="1" name=""/>
+        <p:cNvGrpSpPr/>
+        <p:nvPr/>
+      </p:nvGrpSpPr>
+      <p:grpSpPr>
+        <a:xfrm>
+          <a:off x="0" y="0"/>
+          <a:ext cx="0" cy="0"/>
+          <a:chOff x="0" y="0"/>
+          <a:chExt cx="0" cy="0"/>
+        </a:xfrm>
+      </p:grpSpPr>
+      <p:sp>
+        <p:nvSpPr>
+          <p:cNvPr id="5" name="Title 1">
+            <a:extLst>
+              <a:ext uri="{FF2B5EF4-FFF2-40B4-BE49-F238E27FC236}">
+                <a16:creationId xmlns:a16="http://schemas.microsoft.com/office/drawing/2014/main" id="{E3083429-D8DD-6109-D6DF-8933348D926C}"/>
+              </a:ext>
+            </a:extLst>
+          </p:cNvPr>
+          <p:cNvSpPr txBox="1">
+            <a:spLocks/>
+          </p:cNvSpPr>
+          <p:nvPr/>
+        </p:nvSpPr>
+        <p:spPr>
+          <a:xfrm>
+            <a:off x="838200" y="365125"/>
+            <a:ext cx="10515600" cy="1052841"/>
+          </a:xfrm>
+          <a:prstGeom prst="rect">
+            <a:avLst/>
+          </a:prstGeom>
+        </p:spPr>
+        <p:txBody>
+          <a:bodyPr vert="horz" lIns="91440" tIns="45720" rIns="91440" bIns="45720" rtlCol="0" anchor="ctr">
+            <a:normAutofit/>
+          </a:bodyPr>
+          <a:lstStyle>
+            <a:lvl1pPr algn="l" defTabSz="914400" rtl="0" eaLnBrk="1" latinLnBrk="0" hangingPunct="1">
+              <a:lnSpc>
+                <a:spcPct val="90000"/>
+              </a:lnSpc>
+              <a:spcBef>
+                <a:spcPct val="0"/>
+              </a:spcBef>
+              <a:buNone/>
+              <a:defRPr sz="4400" kern="1200">
+                <a:solidFill>
+                  <a:schemeClr val="tx1"/>
+                </a:solidFill>
+                <a:latin typeface="+mj-lt"/>
+                <a:ea typeface="+mj-ea"/>
+                <a:cs typeface="+mj-cs"/>
+              </a:defRPr>
+            </a:lvl1pPr>
+          </a:lstStyle>
+          <a:p>
+            <a:r>
+              <a:rPr lang="en-GB" sz="4000"/>
+              <a:t>Over-fitting and generalization</a:t>
+            </a:r>
+            <a:endParaRPr lang="en-GB" sz="4000" dirty="0"/>
+          </a:p>
+        </p:txBody>
+      </p:sp>
+      <p:sp>
+        <p:nvSpPr>
+          <p:cNvPr id="7" name="TextBox 6">
+            <a:extLst>
+              <a:ext uri="{FF2B5EF4-FFF2-40B4-BE49-F238E27FC236}">
+                <a16:creationId xmlns:a16="http://schemas.microsoft.com/office/drawing/2014/main" id="{F9A0DEC8-A715-B438-A171-A05CC4EB1FB7}"/>
+              </a:ext>
+            </a:extLst>
+          </p:cNvPr>
+          <p:cNvSpPr txBox="1"/>
+          <p:nvPr/>
+        </p:nvSpPr>
+        <p:spPr>
+          <a:xfrm>
+            <a:off x="838199" y="6448204"/>
+            <a:ext cx="7322128" cy="338554"/>
+          </a:xfrm>
+          <a:prstGeom prst="rect">
+            <a:avLst/>
+          </a:prstGeom>
+          <a:noFill/>
+        </p:spPr>
+        <p:txBody>
+          <a:bodyPr wrap="square">
+            <a:spAutoFit/>
+          </a:bodyPr>
+          <a:lstStyle/>
+          <a:p>
+            <a:r>
+              <a:rPr lang="en-DK" sz="1600" dirty="0"/>
+              <a:t>Figure adapted  from Ghojogh &amp; Crowley  (2019). </a:t>
+            </a:r>
+            <a:r>
+              <a:rPr lang="en-GB" sz="1600" dirty="0">
+                <a:hlinkClick r:id="rId2"/>
+              </a:rPr>
+              <a:t>https://arxiv.org/abs/1905.12787</a:t>
+            </a:r>
+            <a:endParaRPr lang="en-GB" sz="1600" dirty="0"/>
+          </a:p>
+        </p:txBody>
+      </p:sp>
+      <p:grpSp>
+        <p:nvGrpSpPr>
+          <p:cNvPr id="2" name="Group 1">
+            <a:extLst>
+              <a:ext uri="{FF2B5EF4-FFF2-40B4-BE49-F238E27FC236}">
+                <a16:creationId xmlns:a16="http://schemas.microsoft.com/office/drawing/2014/main" id="{0E33F0B6-5D43-443C-9B1C-202962CC7734}"/>
+              </a:ext>
+            </a:extLst>
+          </p:cNvPr>
+          <p:cNvGrpSpPr/>
+          <p:nvPr/>
+        </p:nvGrpSpPr>
+        <p:grpSpPr>
+          <a:xfrm>
+            <a:off x="1905000" y="1655032"/>
+            <a:ext cx="8898467" cy="4639915"/>
+            <a:chOff x="1905000" y="1655032"/>
+            <a:chExt cx="8898467" cy="4639915"/>
+          </a:xfrm>
+        </p:grpSpPr>
+        <p:pic>
+          <p:nvPicPr>
+            <p:cNvPr id="4" name="Picture 3">
+              <a:extLst>
+                <a:ext uri="{FF2B5EF4-FFF2-40B4-BE49-F238E27FC236}">
+                  <a16:creationId xmlns:a16="http://schemas.microsoft.com/office/drawing/2014/main" id="{447B4602-1129-87FD-0EC0-19F080E5169B}"/>
+                </a:ext>
+              </a:extLst>
+            </p:cNvPr>
+            <p:cNvPicPr>
+              <a:picLocks noChangeAspect="1"/>
+            </p:cNvPicPr>
+            <p:nvPr/>
+          </p:nvPicPr>
+          <p:blipFill>
+            <a:blip r:embed="rId3"/>
+            <a:stretch>
+              <a:fillRect/>
+            </a:stretch>
+          </p:blipFill>
+          <p:spPr>
+            <a:xfrm>
+              <a:off x="1905000" y="1655032"/>
+              <a:ext cx="8898467" cy="4639915"/>
+            </a:xfrm>
+            <a:prstGeom prst="rect">
+              <a:avLst/>
+            </a:prstGeom>
+          </p:spPr>
+        </p:pic>
+        <p:sp>
+          <p:nvSpPr>
+            <p:cNvPr id="6" name="Rectangle 5">
+              <a:extLst>
+                <a:ext uri="{FF2B5EF4-FFF2-40B4-BE49-F238E27FC236}">
+                  <a16:creationId xmlns:a16="http://schemas.microsoft.com/office/drawing/2014/main" id="{ABDB6CB6-033D-859E-3C6B-1A37ED3BA1A2}"/>
+                </a:ext>
+              </a:extLst>
+            </p:cNvPr>
+            <p:cNvSpPr/>
+            <p:nvPr/>
+          </p:nvSpPr>
+          <p:spPr>
+            <a:xfrm>
+              <a:off x="3594101" y="1845733"/>
+              <a:ext cx="5092700" cy="1151467"/>
+            </a:xfrm>
+            <a:prstGeom prst="rect">
+              <a:avLst/>
+            </a:prstGeom>
+            <a:solidFill>
+              <a:schemeClr val="bg1"/>
+            </a:solidFill>
+            <a:ln>
+              <a:noFill/>
+            </a:ln>
+          </p:spPr>
+          <p:style>
+            <a:lnRef idx="2">
+              <a:schemeClr val="accent1">
+                <a:shade val="50000"/>
+              </a:schemeClr>
+            </a:lnRef>
+            <a:fillRef idx="1">
+              <a:schemeClr val="accent1"/>
+            </a:fillRef>
+            <a:effectRef idx="0">
+              <a:schemeClr val="accent1"/>
+            </a:effectRef>
+            <a:fontRef idx="minor">
+              <a:schemeClr val="lt1"/>
+            </a:fontRef>
+          </p:style>
+          <p:txBody>
+            <a:bodyPr rtlCol="0" anchor="b" anchorCtr="0"/>
+            <a:lstStyle/>
+            <a:p>
+              <a:pPr algn="ctr"/>
+              <a:r>
+                <a:rPr lang="en-DK" sz="2400" b="1" dirty="0">
+                  <a:solidFill>
+                    <a:schemeClr val="tx1"/>
+                  </a:solidFill>
+                </a:rPr>
+                <a:t>Optimal model</a:t>
+              </a:r>
+            </a:p>
+          </p:txBody>
+        </p:sp>
+        <p:sp>
+          <p:nvSpPr>
+            <p:cNvPr id="8" name="Rectangle 7">
+              <a:extLst>
+                <a:ext uri="{FF2B5EF4-FFF2-40B4-BE49-F238E27FC236}">
+                  <a16:creationId xmlns:a16="http://schemas.microsoft.com/office/drawing/2014/main" id="{46BC4A6C-B106-AED7-CBCB-0A3824A4E2B5}"/>
+                </a:ext>
+              </a:extLst>
+            </p:cNvPr>
+            <p:cNvSpPr/>
+            <p:nvPr/>
+          </p:nvSpPr>
+          <p:spPr>
+            <a:xfrm>
+              <a:off x="8398933" y="4431237"/>
+              <a:ext cx="2404534" cy="429673"/>
+            </a:xfrm>
+            <a:prstGeom prst="rect">
+              <a:avLst/>
+            </a:prstGeom>
+            <a:solidFill>
+              <a:schemeClr val="bg1"/>
+            </a:solidFill>
+            <a:ln>
+              <a:noFill/>
+            </a:ln>
+          </p:spPr>
+          <p:style>
+            <a:lnRef idx="2">
+              <a:schemeClr val="accent1">
+                <a:shade val="50000"/>
+              </a:schemeClr>
+            </a:lnRef>
+            <a:fillRef idx="1">
+              <a:schemeClr val="accent1"/>
+            </a:fillRef>
+            <a:effectRef idx="0">
+              <a:schemeClr val="accent1"/>
+            </a:effectRef>
+            <a:fontRef idx="minor">
+              <a:schemeClr val="lt1"/>
+            </a:fontRef>
+          </p:style>
+          <p:txBody>
+            <a:bodyPr rtlCol="0" anchor="b" anchorCtr="0"/>
+            <a:lstStyle/>
+            <a:p>
+              <a:r>
+                <a:rPr lang="en-DK" sz="2400" b="1" dirty="0">
+                  <a:solidFill>
+                    <a:schemeClr val="tx1"/>
+                  </a:solidFill>
+                </a:rPr>
+                <a:t>Train error</a:t>
+              </a:r>
+            </a:p>
+          </p:txBody>
+        </p:sp>
+        <p:sp>
+          <p:nvSpPr>
+            <p:cNvPr id="9" name="Rectangle 8">
+              <a:extLst>
+                <a:ext uri="{FF2B5EF4-FFF2-40B4-BE49-F238E27FC236}">
+                  <a16:creationId xmlns:a16="http://schemas.microsoft.com/office/drawing/2014/main" id="{8D601673-9F52-EF9D-8D95-7EF4E08D009E}"/>
+                </a:ext>
+              </a:extLst>
+            </p:cNvPr>
+            <p:cNvSpPr/>
+            <p:nvPr/>
+          </p:nvSpPr>
+          <p:spPr>
+            <a:xfrm>
+              <a:off x="7636934" y="2206629"/>
+              <a:ext cx="1828801" cy="429673"/>
+            </a:xfrm>
+            <a:prstGeom prst="rect">
+              <a:avLst/>
+            </a:prstGeom>
+            <a:solidFill>
+              <a:schemeClr val="bg1"/>
+            </a:solidFill>
+            <a:ln>
+              <a:noFill/>
+            </a:ln>
+          </p:spPr>
+          <p:style>
+            <a:lnRef idx="2">
+              <a:schemeClr val="accent1">
+                <a:shade val="50000"/>
+              </a:schemeClr>
+            </a:lnRef>
+            <a:fillRef idx="1">
+              <a:schemeClr val="accent1"/>
+            </a:fillRef>
+            <a:effectRef idx="0">
+              <a:schemeClr val="accent1"/>
+            </a:effectRef>
+            <a:fontRef idx="minor">
+              <a:schemeClr val="lt1"/>
+            </a:fontRef>
+          </p:style>
+          <p:txBody>
+            <a:bodyPr rtlCol="0" anchor="b" anchorCtr="0"/>
+            <a:lstStyle/>
+            <a:p>
+              <a:pPr algn="r"/>
+              <a:r>
+                <a:rPr lang="en-DK" sz="2400" b="1" dirty="0">
+                  <a:solidFill>
+                    <a:schemeClr val="tx1"/>
+                  </a:solidFill>
+                </a:rPr>
+                <a:t>Test error</a:t>
+              </a:r>
+            </a:p>
+          </p:txBody>
+        </p:sp>
+      </p:grpSp>
+    </p:spTree>
+    <p:extLst>
+      <p:ext uri="{BB962C8B-B14F-4D97-AF65-F5344CB8AC3E}">
+        <p14:creationId xmlns:p14="http://schemas.microsoft.com/office/powerpoint/2010/main" val="2252243075"/>
+      </p:ext>
+    </p:extLst>
+  </p:cSld>
+  <p:clrMapOvr>
+    <a:masterClrMapping/>
+  </p:clrMapOvr>
+</p:sld>
+</file>
+
+<file path=ppt/slides/slide4.xml><?xml version="1.0" encoding="utf-8"?>
 <p:sld xmlns:a="http://schemas.openxmlformats.org/drawingml/2006/main" xmlns:r="http://schemas.openxmlformats.org/officeDocument/2006/relationships" xmlns:p="http://schemas.openxmlformats.org/presentationml/2006/main">
   <p:cSld>
     <p:spTree>
@@ -4562,7 +5013,7 @@
 </p:sld>
 </file>
 
-<file path=ppt/slides/slide4.xml><?xml version="1.0" encoding="utf-8"?>
+<file path=ppt/slides/slide5.xml><?xml version="1.0" encoding="utf-8"?>
 <p:sld xmlns:a="http://schemas.openxmlformats.org/drawingml/2006/main" xmlns:r="http://schemas.openxmlformats.org/officeDocument/2006/relationships" xmlns:p="http://schemas.openxmlformats.org/presentationml/2006/main">
   <p:cSld>
     <p:spTree>
@@ -5227,302 +5678,6 @@
 </p:sld>
 </file>
 
-<file path=ppt/slides/slide5.xml><?xml version="1.0" encoding="utf-8"?>
-<p:sld xmlns:a="http://schemas.openxmlformats.org/drawingml/2006/main" xmlns:r="http://schemas.openxmlformats.org/officeDocument/2006/relationships" xmlns:p="http://schemas.openxmlformats.org/presentationml/2006/main">
-  <p:cSld>
-    <p:spTree>
-      <p:nvGrpSpPr>
-        <p:cNvPr id="1" name=""/>
-        <p:cNvGrpSpPr/>
-        <p:nvPr/>
-      </p:nvGrpSpPr>
-      <p:grpSpPr>
-        <a:xfrm>
-          <a:off x="0" y="0"/>
-          <a:ext cx="0" cy="0"/>
-          <a:chOff x="0" y="0"/>
-          <a:chExt cx="0" cy="0"/>
-        </a:xfrm>
-      </p:grpSpPr>
-      <p:sp>
-        <p:nvSpPr>
-          <p:cNvPr id="2" name="Title 1">
-            <a:extLst>
-              <a:ext uri="{FF2B5EF4-FFF2-40B4-BE49-F238E27FC236}">
-                <a16:creationId xmlns:a16="http://schemas.microsoft.com/office/drawing/2014/main" id="{6B65414A-6C58-63A5-CB73-BF2FDBF0B4B5}"/>
-              </a:ext>
-            </a:extLst>
-          </p:cNvPr>
-          <p:cNvSpPr>
-            <a:spLocks noGrp="1"/>
-          </p:cNvSpPr>
-          <p:nvPr>
-            <p:ph type="title"/>
-          </p:nvPr>
-        </p:nvSpPr>
-        <p:spPr>
-          <a:xfrm>
-            <a:off x="838200" y="365125"/>
-            <a:ext cx="10515600" cy="688975"/>
-          </a:xfrm>
-        </p:spPr>
-        <p:txBody>
-          <a:bodyPr>
-            <a:normAutofit/>
-          </a:bodyPr>
-          <a:lstStyle/>
-          <a:p>
-            <a:r>
-              <a:rPr lang="en-GB" sz="4000" dirty="0"/>
-              <a:t>The optimizer</a:t>
-            </a:r>
-          </a:p>
-        </p:txBody>
-      </p:sp>
-      <p:sp>
-        <p:nvSpPr>
-          <p:cNvPr id="3" name="Content Placeholder 2">
-            <a:extLst>
-              <a:ext uri="{FF2B5EF4-FFF2-40B4-BE49-F238E27FC236}">
-                <a16:creationId xmlns:a16="http://schemas.microsoft.com/office/drawing/2014/main" id="{13AE54D5-7F11-E26A-9095-AD353CAA41B7}"/>
-              </a:ext>
-            </a:extLst>
-          </p:cNvPr>
-          <p:cNvSpPr>
-            <a:spLocks noGrp="1"/>
-          </p:cNvSpPr>
-          <p:nvPr>
-            <p:ph sz="half" idx="1"/>
-          </p:nvPr>
-        </p:nvSpPr>
-        <p:spPr>
-          <a:xfrm>
-            <a:off x="838199" y="1257300"/>
-            <a:ext cx="4923269" cy="4919663"/>
-          </a:xfrm>
-        </p:spPr>
-        <p:txBody>
-          <a:bodyPr>
-            <a:noAutofit/>
-          </a:bodyPr>
-          <a:lstStyle/>
-          <a:p>
-            <a:r>
-              <a:rPr lang="en-GB" sz="2400" dirty="0"/>
-              <a:t>In plain stochastic gradient descent (</a:t>
-            </a:r>
-            <a:r>
-              <a:rPr lang="en-GB" sz="2400" dirty="0" err="1"/>
-              <a:t>torch.optim.SGD</a:t>
-            </a:r>
-            <a:r>
-              <a:rPr lang="en-GB" sz="2400" dirty="0"/>
-              <a:t>) you need to set parameters (learning rate and momentum)</a:t>
-            </a:r>
-          </a:p>
-          <a:p>
-            <a:r>
-              <a:rPr lang="en-GB" sz="2400" dirty="0"/>
-              <a:t>The </a:t>
-            </a:r>
-            <a:r>
-              <a:rPr lang="en-GB" sz="2400" dirty="0">
-                <a:solidFill>
-                  <a:schemeClr val="accent1"/>
-                </a:solidFill>
-              </a:rPr>
-              <a:t>Adam</a:t>
-            </a:r>
-            <a:r>
-              <a:rPr lang="en-GB" sz="2400" dirty="0"/>
-              <a:t> </a:t>
-            </a:r>
-            <a:r>
-              <a:rPr lang="en-GB" sz="2400" dirty="0">
-                <a:solidFill>
-                  <a:schemeClr val="accent1"/>
-                </a:solidFill>
-              </a:rPr>
-              <a:t>optimizer</a:t>
-            </a:r>
-            <a:r>
-              <a:rPr lang="en-GB" sz="2400" dirty="0"/>
-              <a:t> is usually a better choice</a:t>
-            </a:r>
-          </a:p>
-          <a:p>
-            <a:pPr lvl="1"/>
-            <a:r>
-              <a:rPr lang="en-GB" dirty="0"/>
-              <a:t>It automatically adapts the learning rate and momentum in clever ways</a:t>
-            </a:r>
-          </a:p>
-          <a:p>
-            <a:pPr lvl="1"/>
-            <a:r>
-              <a:rPr lang="en-GB" dirty="0"/>
-              <a:t>It is based on SGD and uses mini-batches</a:t>
-            </a:r>
-          </a:p>
-          <a:p>
-            <a:pPr lvl="1"/>
-            <a:r>
-              <a:rPr lang="en-GB" dirty="0"/>
-              <a:t>you can set a weight decay</a:t>
-            </a:r>
-          </a:p>
-          <a:p>
-            <a:endParaRPr lang="en-GB" sz="2400" dirty="0"/>
-          </a:p>
-        </p:txBody>
-      </p:sp>
-      <p:sp>
-        <p:nvSpPr>
-          <p:cNvPr id="4" name="Content Placeholder 3">
-            <a:extLst>
-              <a:ext uri="{FF2B5EF4-FFF2-40B4-BE49-F238E27FC236}">
-                <a16:creationId xmlns:a16="http://schemas.microsoft.com/office/drawing/2014/main" id="{5910F5F3-AA7C-6FD5-336D-0DD482F957BA}"/>
-              </a:ext>
-            </a:extLst>
-          </p:cNvPr>
-          <p:cNvSpPr>
-            <a:spLocks noGrp="1"/>
-          </p:cNvSpPr>
-          <p:nvPr>
-            <p:ph sz="half" idx="2"/>
-          </p:nvPr>
-        </p:nvSpPr>
-        <p:spPr>
-          <a:xfrm>
-            <a:off x="6172200" y="3802063"/>
-            <a:ext cx="5181600" cy="2374899"/>
-          </a:xfrm>
-        </p:spPr>
-        <p:txBody>
-          <a:bodyPr>
-            <a:normAutofit/>
-          </a:bodyPr>
-          <a:lstStyle/>
-          <a:p>
-            <a:pPr marL="0" indent="0">
-              <a:buNone/>
-            </a:pPr>
-            <a:r>
-              <a:rPr lang="en-GB" sz="2400" dirty="0"/>
-              <a:t>You can set parameters in Adam, such as </a:t>
-            </a:r>
-          </a:p>
-          <a:p>
-            <a:r>
-              <a:rPr lang="en-GB" sz="2400" dirty="0"/>
-              <a:t>learning rate (e.g. “</a:t>
-            </a:r>
-            <a:r>
-              <a:rPr lang="en-GB" sz="2400" dirty="0" err="1"/>
-              <a:t>lr</a:t>
-            </a:r>
-            <a:r>
-              <a:rPr lang="en-GB" sz="2400" dirty="0"/>
-              <a:t>=1.e-4”)</a:t>
-            </a:r>
-          </a:p>
-          <a:p>
-            <a:r>
-              <a:rPr lang="en-GB" sz="2400" dirty="0"/>
-              <a:t>“</a:t>
-            </a:r>
-            <a:r>
-              <a:rPr lang="en-GB" sz="2400" dirty="0" err="1"/>
-              <a:t>weight_decay</a:t>
-            </a:r>
-            <a:r>
-              <a:rPr lang="en-GB" sz="2400" dirty="0"/>
-              <a:t>=1.e-5”</a:t>
-            </a:r>
-          </a:p>
-          <a:p>
-            <a:endParaRPr lang="en-DK" dirty="0"/>
-          </a:p>
-        </p:txBody>
-      </p:sp>
-      <p:pic>
-        <p:nvPicPr>
-          <p:cNvPr id="5" name="Picture 4">
-            <a:extLst>
-              <a:ext uri="{FF2B5EF4-FFF2-40B4-BE49-F238E27FC236}">
-                <a16:creationId xmlns:a16="http://schemas.microsoft.com/office/drawing/2014/main" id="{39877F88-04C2-CC9C-32D3-95C8302B1286}"/>
-              </a:ext>
-            </a:extLst>
-          </p:cNvPr>
-          <p:cNvPicPr>
-            <a:picLocks noChangeAspect="1"/>
-          </p:cNvPicPr>
-          <p:nvPr/>
-        </p:nvPicPr>
-        <p:blipFill>
-          <a:blip r:embed="rId2"/>
-          <a:stretch>
-            <a:fillRect/>
-          </a:stretch>
-        </p:blipFill>
-        <p:spPr>
-          <a:xfrm>
-            <a:off x="6172200" y="1342231"/>
-            <a:ext cx="5615417" cy="2374900"/>
-          </a:xfrm>
-          <a:prstGeom prst="rect">
-            <a:avLst/>
-          </a:prstGeom>
-        </p:spPr>
-      </p:pic>
-      <p:sp>
-        <p:nvSpPr>
-          <p:cNvPr id="6" name="TextBox 5">
-            <a:extLst>
-              <a:ext uri="{FF2B5EF4-FFF2-40B4-BE49-F238E27FC236}">
-                <a16:creationId xmlns:a16="http://schemas.microsoft.com/office/drawing/2014/main" id="{4D8F6FC3-7E84-6835-B27F-7CE1BD200B33}"/>
-              </a:ext>
-            </a:extLst>
-          </p:cNvPr>
-          <p:cNvSpPr txBox="1"/>
-          <p:nvPr/>
-        </p:nvSpPr>
-        <p:spPr>
-          <a:xfrm>
-            <a:off x="6172200" y="990600"/>
-            <a:ext cx="3570721" cy="369332"/>
-          </a:xfrm>
-          <a:prstGeom prst="rect">
-            <a:avLst/>
-          </a:prstGeom>
-          <a:noFill/>
-        </p:spPr>
-        <p:txBody>
-          <a:bodyPr wrap="none" rtlCol="0">
-            <a:spAutoFit/>
-          </a:bodyPr>
-          <a:lstStyle/>
-          <a:p>
-            <a:r>
-              <a:rPr lang="en-DK" dirty="0"/>
-              <a:t>Example of code using an optimizer:</a:t>
-            </a:r>
-          </a:p>
-        </p:txBody>
-      </p:sp>
-    </p:spTree>
-    <p:extLst>
-      <p:ext uri="{BB962C8B-B14F-4D97-AF65-F5344CB8AC3E}">
-        <p14:creationId xmlns:p14="http://schemas.microsoft.com/office/powerpoint/2010/main" val="356029131"/>
-      </p:ext>
-    </p:extLst>
-  </p:cSld>
-  <p:clrMapOvr>
-    <a:masterClrMapping/>
-  </p:clrMapOvr>
-</p:sld>
-</file>
-
 <file path=ppt/slides/slide6.xml><?xml version="1.0" encoding="utf-8"?>
 <p:sld xmlns:a="http://schemas.openxmlformats.org/drawingml/2006/main" xmlns:r="http://schemas.openxmlformats.org/officeDocument/2006/relationships" xmlns:p="http://schemas.openxmlformats.org/presentationml/2006/main">
   <p:cSld>
@@ -5540,12 +5695,106 @@
           <a:chExt cx="0" cy="0"/>
         </a:xfrm>
       </p:grpSpPr>
+      <p:pic>
+        <p:nvPicPr>
+          <p:cNvPr id="20" name="Picture 19">
+            <a:extLst>
+              <a:ext uri="{FF2B5EF4-FFF2-40B4-BE49-F238E27FC236}">
+                <a16:creationId xmlns:a16="http://schemas.microsoft.com/office/drawing/2014/main" id="{2163CF69-30C5-5FF7-D6A0-096CCFA473A4}"/>
+              </a:ext>
+            </a:extLst>
+          </p:cNvPr>
+          <p:cNvPicPr>
+            <a:picLocks noChangeAspect="1"/>
+          </p:cNvPicPr>
+          <p:nvPr/>
+        </p:nvPicPr>
+        <p:blipFill>
+          <a:blip r:embed="rId2"/>
+          <a:stretch>
+            <a:fillRect/>
+          </a:stretch>
+        </p:blipFill>
+        <p:spPr>
+          <a:xfrm>
+            <a:off x="5214863" y="1291238"/>
+            <a:ext cx="5471863" cy="4485134"/>
+          </a:xfrm>
+          <a:prstGeom prst="rect">
+            <a:avLst/>
+          </a:prstGeom>
+        </p:spPr>
+      </p:pic>
+      <p:pic>
+        <p:nvPicPr>
+          <p:cNvPr id="16" name="Picture 15">
+            <a:extLst>
+              <a:ext uri="{FF2B5EF4-FFF2-40B4-BE49-F238E27FC236}">
+                <a16:creationId xmlns:a16="http://schemas.microsoft.com/office/drawing/2014/main" id="{76D3DDB2-57FF-C4A0-BE19-D71F3E506D7A}"/>
+              </a:ext>
+            </a:extLst>
+          </p:cNvPr>
+          <p:cNvPicPr>
+            <a:picLocks noChangeAspect="1"/>
+          </p:cNvPicPr>
+          <p:nvPr/>
+        </p:nvPicPr>
+        <p:blipFill rotWithShape="1">
+          <a:blip r:embed="rId3"/>
+          <a:srcRect t="8524" b="1"/>
+          <a:stretch/>
+        </p:blipFill>
+        <p:spPr>
+          <a:xfrm>
+            <a:off x="10509645" y="2579452"/>
+            <a:ext cx="1032776" cy="992453"/>
+          </a:xfrm>
+          <a:prstGeom prst="rect">
+            <a:avLst/>
+          </a:prstGeom>
+        </p:spPr>
+      </p:pic>
+      <p:sp>
+        <p:nvSpPr>
+          <p:cNvPr id="23" name="TextBox 22">
+            <a:extLst>
+              <a:ext uri="{FF2B5EF4-FFF2-40B4-BE49-F238E27FC236}">
+                <a16:creationId xmlns:a16="http://schemas.microsoft.com/office/drawing/2014/main" id="{4E897367-4A0A-5491-047C-F4B63EAEB293}"/>
+              </a:ext>
+            </a:extLst>
+          </p:cNvPr>
+          <p:cNvSpPr txBox="1"/>
+          <p:nvPr/>
+        </p:nvSpPr>
+        <p:spPr>
+          <a:xfrm rot="16200000">
+            <a:off x="4955006" y="3271155"/>
+            <a:ext cx="849913" cy="461665"/>
+          </a:xfrm>
+          <a:prstGeom prst="rect">
+            <a:avLst/>
+          </a:prstGeom>
+          <a:noFill/>
+        </p:spPr>
+        <p:txBody>
+          <a:bodyPr wrap="none" rtlCol="0">
+            <a:spAutoFit/>
+          </a:bodyPr>
+          <a:lstStyle/>
+          <a:p>
+            <a:r>
+              <a:rPr lang="en-DK" sz="2400" dirty="0"/>
+              <a:t>Input</a:t>
+            </a:r>
+          </a:p>
+        </p:txBody>
+      </p:sp>
       <p:sp>
         <p:nvSpPr>
           <p:cNvPr id="2" name="Title 1">
             <a:extLst>
               <a:ext uri="{FF2B5EF4-FFF2-40B4-BE49-F238E27FC236}">
-                <a16:creationId xmlns:a16="http://schemas.microsoft.com/office/drawing/2014/main" id="{25484B26-A7DB-42E4-F868-A7796468E2CC}"/>
+                <a16:creationId xmlns:a16="http://schemas.microsoft.com/office/drawing/2014/main" id="{A9A912D9-7E9A-A470-448D-CC1B42CDE0EF}"/>
               </a:ext>
             </a:extLst>
           </p:cNvPr>
@@ -5556,7 +5805,12 @@
             <p:ph type="title"/>
           </p:nvPr>
         </p:nvSpPr>
-        <p:spPr/>
+        <p:spPr>
+          <a:xfrm>
+            <a:off x="838200" y="365125"/>
+            <a:ext cx="10515600" cy="865159"/>
+          </a:xfrm>
+        </p:spPr>
         <p:txBody>
           <a:bodyPr>
             <a:normAutofit/>
@@ -5565,109 +5819,577 @@
           <a:p>
             <a:r>
               <a:rPr lang="en-DK" sz="4000" dirty="0"/>
-              <a:t>All the choices you have to make …</a:t>
-            </a:r>
+              <a:t>What if we have multiple classes?</a:t>
+            </a:r>
+          </a:p>
+        </p:txBody>
+      </p:sp>
+      <p:grpSp>
+        <p:nvGrpSpPr>
+          <p:cNvPr id="24" name="Group 23">
+            <a:extLst>
+              <a:ext uri="{FF2B5EF4-FFF2-40B4-BE49-F238E27FC236}">
+                <a16:creationId xmlns:a16="http://schemas.microsoft.com/office/drawing/2014/main" id="{4E32B395-A66A-A9CE-E76B-6664CC5E3577}"/>
+              </a:ext>
+            </a:extLst>
+          </p:cNvPr>
+          <p:cNvGrpSpPr/>
+          <p:nvPr/>
+        </p:nvGrpSpPr>
+        <p:grpSpPr>
+          <a:xfrm>
+            <a:off x="723727" y="1816338"/>
+            <a:ext cx="3740234" cy="2445319"/>
+            <a:chOff x="7797339" y="402532"/>
+            <a:chExt cx="4139738" cy="2741303"/>
+          </a:xfrm>
+        </p:grpSpPr>
+        <p:pic>
+          <p:nvPicPr>
+            <p:cNvPr id="4" name="Picture 3">
+              <a:extLst>
+                <a:ext uri="{FF2B5EF4-FFF2-40B4-BE49-F238E27FC236}">
+                  <a16:creationId xmlns:a16="http://schemas.microsoft.com/office/drawing/2014/main" id="{0C2A7D77-D08E-9A25-3FA1-4DC1C5FF7EDF}"/>
+                </a:ext>
+              </a:extLst>
+            </p:cNvPr>
+            <p:cNvPicPr>
+              <a:picLocks noChangeAspect="1"/>
+            </p:cNvPicPr>
+            <p:nvPr/>
+          </p:nvPicPr>
+          <p:blipFill>
+            <a:blip r:embed="rId4"/>
+            <a:stretch>
+              <a:fillRect/>
+            </a:stretch>
+          </p:blipFill>
+          <p:spPr>
+            <a:xfrm>
+              <a:off x="7797339" y="402532"/>
+              <a:ext cx="4139738" cy="2741303"/>
+            </a:xfrm>
+            <a:prstGeom prst="rect">
+              <a:avLst/>
+            </a:prstGeom>
+          </p:spPr>
+        </p:pic>
+        <p:pic>
+          <p:nvPicPr>
+            <p:cNvPr id="5" name="Picture 4">
+              <a:extLst>
+                <a:ext uri="{FF2B5EF4-FFF2-40B4-BE49-F238E27FC236}">
+                  <a16:creationId xmlns:a16="http://schemas.microsoft.com/office/drawing/2014/main" id="{77B7E119-F3E4-3356-2831-C99F2BA5DE70}"/>
+                </a:ext>
+              </a:extLst>
+            </p:cNvPr>
+            <p:cNvPicPr>
+              <a:picLocks noChangeAspect="1"/>
+            </p:cNvPicPr>
+            <p:nvPr/>
+          </p:nvPicPr>
+          <p:blipFill rotWithShape="1">
+            <a:blip r:embed="rId5"/>
+            <a:srcRect r="9259"/>
+            <a:stretch/>
+          </p:blipFill>
+          <p:spPr>
+            <a:xfrm>
+              <a:off x="10666304" y="640338"/>
+              <a:ext cx="1033637" cy="864881"/>
+            </a:xfrm>
+            <a:prstGeom prst="rect">
+              <a:avLst/>
+            </a:prstGeom>
+          </p:spPr>
+        </p:pic>
+        <p:pic>
+          <p:nvPicPr>
+            <p:cNvPr id="6" name="Picture 5">
+              <a:extLst>
+                <a:ext uri="{FF2B5EF4-FFF2-40B4-BE49-F238E27FC236}">
+                  <a16:creationId xmlns:a16="http://schemas.microsoft.com/office/drawing/2014/main" id="{5560D51C-134B-719E-AB42-29D6C4E9CFE3}"/>
+                </a:ext>
+              </a:extLst>
+            </p:cNvPr>
+            <p:cNvPicPr>
+              <a:picLocks noChangeAspect="1"/>
+            </p:cNvPicPr>
+            <p:nvPr/>
+          </p:nvPicPr>
+          <p:blipFill>
+            <a:blip r:embed="rId6"/>
+            <a:stretch>
+              <a:fillRect/>
+            </a:stretch>
+          </p:blipFill>
+          <p:spPr>
+            <a:xfrm>
+              <a:off x="8237657" y="1818895"/>
+              <a:ext cx="1032776" cy="890506"/>
+            </a:xfrm>
+            <a:prstGeom prst="rect">
+              <a:avLst/>
+            </a:prstGeom>
+          </p:spPr>
+        </p:pic>
+      </p:grpSp>
+      <p:pic>
+        <p:nvPicPr>
+          <p:cNvPr id="14" name="Picture 13">
+            <a:extLst>
+              <a:ext uri="{FF2B5EF4-FFF2-40B4-BE49-F238E27FC236}">
+                <a16:creationId xmlns:a16="http://schemas.microsoft.com/office/drawing/2014/main" id="{7E3D25D8-1A93-9898-0F4B-E1217557837A}"/>
+              </a:ext>
+            </a:extLst>
+          </p:cNvPr>
+          <p:cNvPicPr>
+            <a:picLocks noChangeAspect="1"/>
+          </p:cNvPicPr>
+          <p:nvPr/>
+        </p:nvPicPr>
+        <p:blipFill rotWithShape="1">
+          <a:blip r:embed="rId5"/>
+          <a:srcRect r="9259"/>
+          <a:stretch/>
+        </p:blipFill>
+        <p:spPr>
+          <a:xfrm>
+            <a:off x="10522671" y="4467604"/>
+            <a:ext cx="1033637" cy="864881"/>
+          </a:xfrm>
+          <a:prstGeom prst="rect">
+            <a:avLst/>
+          </a:prstGeom>
+        </p:spPr>
+      </p:pic>
+      <p:pic>
+        <p:nvPicPr>
+          <p:cNvPr id="15" name="Picture 14">
+            <a:extLst>
+              <a:ext uri="{FF2B5EF4-FFF2-40B4-BE49-F238E27FC236}">
+                <a16:creationId xmlns:a16="http://schemas.microsoft.com/office/drawing/2014/main" id="{A8F4935E-CFA6-8A18-9E2D-1041C7D02517}"/>
+              </a:ext>
+            </a:extLst>
+          </p:cNvPr>
+          <p:cNvPicPr>
+            <a:picLocks noChangeAspect="1"/>
+          </p:cNvPicPr>
+          <p:nvPr/>
+        </p:nvPicPr>
+        <p:blipFill>
+          <a:blip r:embed="rId6"/>
+          <a:stretch>
+            <a:fillRect/>
+          </a:stretch>
+        </p:blipFill>
+        <p:spPr>
+          <a:xfrm>
+            <a:off x="10522671" y="3551698"/>
+            <a:ext cx="1032776" cy="890506"/>
+          </a:xfrm>
+          <a:prstGeom prst="rect">
+            <a:avLst/>
+          </a:prstGeom>
+        </p:spPr>
+      </p:pic>
+      <p:pic>
+        <p:nvPicPr>
+          <p:cNvPr id="17" name="Picture 16">
+            <a:extLst>
+              <a:ext uri="{FF2B5EF4-FFF2-40B4-BE49-F238E27FC236}">
+                <a16:creationId xmlns:a16="http://schemas.microsoft.com/office/drawing/2014/main" id="{8062EFE8-8351-2EC1-36F2-01CC9943E361}"/>
+              </a:ext>
+            </a:extLst>
+          </p:cNvPr>
+          <p:cNvPicPr>
+            <a:picLocks noChangeAspect="1"/>
+          </p:cNvPicPr>
+          <p:nvPr/>
+        </p:nvPicPr>
+        <p:blipFill>
+          <a:blip r:embed="rId7"/>
+          <a:stretch>
+            <a:fillRect/>
+          </a:stretch>
+        </p:blipFill>
+        <p:spPr>
+          <a:xfrm>
+            <a:off x="10597734" y="1808825"/>
+            <a:ext cx="882650" cy="844550"/>
+          </a:xfrm>
+          <a:prstGeom prst="rect">
+            <a:avLst/>
+          </a:prstGeom>
+        </p:spPr>
+      </p:pic>
+      <p:sp>
+        <p:nvSpPr>
+          <p:cNvPr id="22" name="TextBox 21">
+            <a:extLst>
+              <a:ext uri="{FF2B5EF4-FFF2-40B4-BE49-F238E27FC236}">
+                <a16:creationId xmlns:a16="http://schemas.microsoft.com/office/drawing/2014/main" id="{A143030B-255B-6512-98C8-2448786739F4}"/>
+              </a:ext>
+            </a:extLst>
+          </p:cNvPr>
+          <p:cNvSpPr txBox="1"/>
+          <p:nvPr/>
+        </p:nvSpPr>
+        <p:spPr>
+          <a:xfrm>
+            <a:off x="5592748" y="6387407"/>
+            <a:ext cx="6873815" cy="338554"/>
+          </a:xfrm>
+          <a:prstGeom prst="rect">
+            <a:avLst/>
+          </a:prstGeom>
+          <a:noFill/>
+        </p:spPr>
+        <p:txBody>
+          <a:bodyPr wrap="square">
+            <a:spAutoFit/>
+          </a:bodyPr>
+          <a:lstStyle/>
+          <a:p>
+            <a:r>
+              <a:rPr lang="en-DK" sz="1600" dirty="0"/>
+              <a:t>Neural net drawing made at </a:t>
+            </a:r>
+            <a:r>
+              <a:rPr lang="en-DK" sz="1600" dirty="0">
+                <a:hlinkClick r:id="rId8"/>
+              </a:rPr>
+              <a:t>http://alexlenail.me/NN-SVG/index.html</a:t>
+            </a:r>
+            <a:endParaRPr lang="en-DK" sz="1600" dirty="0"/>
           </a:p>
         </p:txBody>
       </p:sp>
       <p:sp>
         <p:nvSpPr>
-          <p:cNvPr id="3" name="Content Placeholder 2">
-            <a:extLst>
-              <a:ext uri="{FF2B5EF4-FFF2-40B4-BE49-F238E27FC236}">
-                <a16:creationId xmlns:a16="http://schemas.microsoft.com/office/drawing/2014/main" id="{C59CBC92-8B72-143C-4AC6-16984CF2A741}"/>
-              </a:ext>
-            </a:extLst>
-          </p:cNvPr>
-          <p:cNvSpPr>
-            <a:spLocks noGrp="1"/>
-          </p:cNvSpPr>
-          <p:nvPr>
-            <p:ph idx="1"/>
-          </p:nvPr>
+          <p:cNvPr id="25" name="TextBox 24">
+            <a:extLst>
+              <a:ext uri="{FF2B5EF4-FFF2-40B4-BE49-F238E27FC236}">
+                <a16:creationId xmlns:a16="http://schemas.microsoft.com/office/drawing/2014/main" id="{85A918BA-F789-CCE8-FA2C-9CE2B7410F99}"/>
+              </a:ext>
+            </a:extLst>
+          </p:cNvPr>
+          <p:cNvSpPr txBox="1"/>
+          <p:nvPr/>
         </p:nvSpPr>
-        <p:spPr/>
+        <p:spPr>
+          <a:xfrm>
+            <a:off x="838200" y="1347279"/>
+            <a:ext cx="3625761" cy="461665"/>
+          </a:xfrm>
+          <a:prstGeom prst="rect">
+            <a:avLst/>
+          </a:prstGeom>
+          <a:noFill/>
+        </p:spPr>
         <p:txBody>
-          <a:bodyPr>
-            <a:normAutofit/>
+          <a:bodyPr wrap="square" rtlCol="0">
+            <a:spAutoFit/>
           </a:bodyPr>
           <a:lstStyle/>
           <a:p>
             <a:r>
-              <a:rPr lang="en-GB" dirty="0"/>
-              <a:t>There are </a:t>
-            </a:r>
-            <a:r>
-              <a:rPr lang="en-GB" dirty="0">
-                <a:solidFill>
-                  <a:schemeClr val="accent1"/>
-                </a:solidFill>
-              </a:rPr>
-              <a:t>many parameters you can vary in a Neural Network</a:t>
-            </a:r>
-            <a:r>
-              <a:rPr lang="en-GB" dirty="0"/>
-              <a:t>.</a:t>
-            </a:r>
-          </a:p>
-          <a:p>
-            <a:r>
-              <a:rPr lang="en-GB" dirty="0"/>
-              <a:t>It is a good idea to make an initial “</a:t>
-            </a:r>
-            <a:r>
-              <a:rPr lang="en-GB" dirty="0">
-                <a:solidFill>
-                  <a:schemeClr val="accent1"/>
-                </a:solidFill>
-              </a:rPr>
-              <a:t>grid search</a:t>
-            </a:r>
-            <a:r>
-              <a:rPr lang="en-GB" dirty="0"/>
-              <a:t>” where you systematically test performance by varying</a:t>
-            </a:r>
-          </a:p>
-          <a:p>
-            <a:pPr lvl="1"/>
-            <a:r>
-              <a:rPr lang="en-GB" dirty="0"/>
-              <a:t>the number of hidden layers and their size</a:t>
-            </a:r>
-          </a:p>
-          <a:p>
-            <a:pPr lvl="1"/>
-            <a:r>
-              <a:rPr lang="en-GB" dirty="0"/>
-              <a:t>other parameters one by one</a:t>
-            </a:r>
-          </a:p>
-          <a:p>
-            <a:r>
-              <a:rPr lang="en-GB" dirty="0"/>
-              <a:t>This is sometimes done on a reduced data </a:t>
-            </a:r>
-            <a:r>
-              <a:rPr lang="en-GB"/>
-              <a:t>set and or with </a:t>
-            </a:r>
-            <a:r>
-              <a:rPr lang="en-GB" dirty="0"/>
-              <a:t>quite few iterations</a:t>
-            </a:r>
-          </a:p>
-          <a:p>
-            <a:pPr marL="0" indent="0">
-              <a:buNone/>
-            </a:pPr>
-            <a:endParaRPr lang="en-DK" sz="3200" dirty="0"/>
+              <a:rPr lang="en-GB" sz="2400" dirty="0"/>
+              <a:t>Sigmoid for two classes</a:t>
+            </a:r>
+          </a:p>
+        </p:txBody>
+      </p:sp>
+      <p:sp>
+        <p:nvSpPr>
+          <p:cNvPr id="27" name="TextBox 26">
+            <a:extLst>
+              <a:ext uri="{FF2B5EF4-FFF2-40B4-BE49-F238E27FC236}">
+                <a16:creationId xmlns:a16="http://schemas.microsoft.com/office/drawing/2014/main" id="{ACFBDF89-7C74-C409-723A-833D3F216430}"/>
+              </a:ext>
+            </a:extLst>
+          </p:cNvPr>
+          <p:cNvSpPr txBox="1"/>
+          <p:nvPr/>
+        </p:nvSpPr>
+        <p:spPr>
+          <a:xfrm>
+            <a:off x="838200" y="4315844"/>
+            <a:ext cx="3235556" cy="461665"/>
+          </a:xfrm>
+          <a:prstGeom prst="rect">
+            <a:avLst/>
+          </a:prstGeom>
+          <a:noFill/>
+        </p:spPr>
+        <p:txBody>
+          <a:bodyPr wrap="square" rtlCol="0">
+            <a:spAutoFit/>
+          </a:bodyPr>
+          <a:lstStyle/>
+          <a:p>
+            <a:r>
+              <a:rPr lang="en-GB" sz="2400" dirty="0"/>
+              <a:t>P(class 0) = 1–P(class 1)</a:t>
+            </a:r>
+          </a:p>
+        </p:txBody>
+      </p:sp>
+      <p:sp>
+        <p:nvSpPr>
+          <p:cNvPr id="28" name="TextBox 27">
+            <a:extLst>
+              <a:ext uri="{FF2B5EF4-FFF2-40B4-BE49-F238E27FC236}">
+                <a16:creationId xmlns:a16="http://schemas.microsoft.com/office/drawing/2014/main" id="{87943CA5-7096-ADC3-BD88-0774FF921217}"/>
+              </a:ext>
+            </a:extLst>
+          </p:cNvPr>
+          <p:cNvSpPr txBox="1"/>
+          <p:nvPr/>
+        </p:nvSpPr>
+        <p:spPr>
+          <a:xfrm rot="16200000">
+            <a:off x="-149488" y="2752742"/>
+            <a:ext cx="1356418" cy="461665"/>
+          </a:xfrm>
+          <a:prstGeom prst="rect">
+            <a:avLst/>
+          </a:prstGeom>
+          <a:noFill/>
+        </p:spPr>
+        <p:txBody>
+          <a:bodyPr wrap="square" rtlCol="0">
+            <a:spAutoFit/>
+          </a:bodyPr>
+          <a:lstStyle/>
+          <a:p>
+            <a:r>
+              <a:rPr lang="en-GB" sz="2400" dirty="0"/>
+              <a:t>P(class 1)</a:t>
+            </a:r>
+          </a:p>
+        </p:txBody>
+      </p:sp>
+      <p:sp>
+        <p:nvSpPr>
+          <p:cNvPr id="30" name="TextBox 29">
+            <a:extLst>
+              <a:ext uri="{FF2B5EF4-FFF2-40B4-BE49-F238E27FC236}">
+                <a16:creationId xmlns:a16="http://schemas.microsoft.com/office/drawing/2014/main" id="{AD3276D8-25D4-1206-1C65-18A73019BA6B}"/>
+              </a:ext>
+            </a:extLst>
+          </p:cNvPr>
+          <p:cNvSpPr txBox="1"/>
+          <p:nvPr/>
+        </p:nvSpPr>
+        <p:spPr>
+          <a:xfrm>
+            <a:off x="9673317" y="1246881"/>
+            <a:ext cx="1079142" cy="830997"/>
+          </a:xfrm>
+          <a:prstGeom prst="rect">
+            <a:avLst/>
+          </a:prstGeom>
+          <a:noFill/>
+        </p:spPr>
+        <p:txBody>
+          <a:bodyPr wrap="none" rtlCol="0">
+            <a:spAutoFit/>
+          </a:bodyPr>
+          <a:lstStyle/>
+          <a:p>
+            <a:r>
+              <a:rPr lang="en-DK" sz="2400" dirty="0"/>
+              <a:t>Output</a:t>
+            </a:r>
+          </a:p>
+          <a:p>
+            <a:r>
+              <a:rPr lang="en-DK" sz="2400" dirty="0"/>
+              <a:t>class</a:t>
+            </a:r>
+          </a:p>
+        </p:txBody>
+      </p:sp>
+      <p:sp>
+        <p:nvSpPr>
+          <p:cNvPr id="31" name="TextBox 30">
+            <a:extLst>
+              <a:ext uri="{FF2B5EF4-FFF2-40B4-BE49-F238E27FC236}">
+                <a16:creationId xmlns:a16="http://schemas.microsoft.com/office/drawing/2014/main" id="{C20D51E4-0B79-9258-2396-F1CFC7C31C7C}"/>
+              </a:ext>
+            </a:extLst>
+          </p:cNvPr>
+          <p:cNvSpPr txBox="1"/>
+          <p:nvPr/>
+        </p:nvSpPr>
+        <p:spPr>
+          <a:xfrm>
+            <a:off x="9994532" y="2207644"/>
+            <a:ext cx="340158" cy="461665"/>
+          </a:xfrm>
+          <a:prstGeom prst="rect">
+            <a:avLst/>
+          </a:prstGeom>
+          <a:noFill/>
+        </p:spPr>
+        <p:txBody>
+          <a:bodyPr wrap="none" rtlCol="0">
+            <a:spAutoFit/>
+          </a:bodyPr>
+          <a:lstStyle/>
+          <a:p>
+            <a:r>
+              <a:rPr lang="en-DK" sz="2400" dirty="0"/>
+              <a:t>1</a:t>
+            </a:r>
+          </a:p>
+        </p:txBody>
+      </p:sp>
+      <p:sp>
+        <p:nvSpPr>
+          <p:cNvPr id="32" name="TextBox 31">
+            <a:extLst>
+              <a:ext uri="{FF2B5EF4-FFF2-40B4-BE49-F238E27FC236}">
+                <a16:creationId xmlns:a16="http://schemas.microsoft.com/office/drawing/2014/main" id="{FB2D3DF3-B160-D997-429A-72D64F058CE3}"/>
+              </a:ext>
+            </a:extLst>
+          </p:cNvPr>
+          <p:cNvSpPr txBox="1"/>
+          <p:nvPr/>
+        </p:nvSpPr>
+        <p:spPr>
+          <a:xfrm>
+            <a:off x="9994532" y="2918844"/>
+            <a:ext cx="340158" cy="461665"/>
+          </a:xfrm>
+          <a:prstGeom prst="rect">
+            <a:avLst/>
+          </a:prstGeom>
+          <a:noFill/>
+        </p:spPr>
+        <p:txBody>
+          <a:bodyPr wrap="none" rtlCol="0">
+            <a:spAutoFit/>
+          </a:bodyPr>
+          <a:lstStyle/>
+          <a:p>
+            <a:r>
+              <a:rPr lang="en-DK" sz="2400" dirty="0"/>
+              <a:t>2</a:t>
+            </a:r>
+          </a:p>
+        </p:txBody>
+      </p:sp>
+      <p:sp>
+        <p:nvSpPr>
+          <p:cNvPr id="33" name="TextBox 32">
+            <a:extLst>
+              <a:ext uri="{FF2B5EF4-FFF2-40B4-BE49-F238E27FC236}">
+                <a16:creationId xmlns:a16="http://schemas.microsoft.com/office/drawing/2014/main" id="{70EC2C85-F1B3-91B8-8F88-3E266E268EA6}"/>
+              </a:ext>
+            </a:extLst>
+          </p:cNvPr>
+          <p:cNvSpPr txBox="1"/>
+          <p:nvPr/>
+        </p:nvSpPr>
+        <p:spPr>
+          <a:xfrm>
+            <a:off x="9994532" y="3655444"/>
+            <a:ext cx="340158" cy="461665"/>
+          </a:xfrm>
+          <a:prstGeom prst="rect">
+            <a:avLst/>
+          </a:prstGeom>
+          <a:noFill/>
+        </p:spPr>
+        <p:txBody>
+          <a:bodyPr wrap="none" rtlCol="0">
+            <a:spAutoFit/>
+          </a:bodyPr>
+          <a:lstStyle/>
+          <a:p>
+            <a:r>
+              <a:rPr lang="en-DK" sz="2400" dirty="0"/>
+              <a:t>3</a:t>
+            </a:r>
+          </a:p>
+        </p:txBody>
+      </p:sp>
+      <p:sp>
+        <p:nvSpPr>
+          <p:cNvPr id="34" name="TextBox 33">
+            <a:extLst>
+              <a:ext uri="{FF2B5EF4-FFF2-40B4-BE49-F238E27FC236}">
+                <a16:creationId xmlns:a16="http://schemas.microsoft.com/office/drawing/2014/main" id="{39A7FD24-570A-E739-02F2-80B7CFEB013A}"/>
+              </a:ext>
+            </a:extLst>
+          </p:cNvPr>
+          <p:cNvSpPr txBox="1"/>
+          <p:nvPr/>
+        </p:nvSpPr>
+        <p:spPr>
+          <a:xfrm>
+            <a:off x="9994532" y="4353944"/>
+            <a:ext cx="340158" cy="461665"/>
+          </a:xfrm>
+          <a:prstGeom prst="rect">
+            <a:avLst/>
+          </a:prstGeom>
+          <a:noFill/>
+        </p:spPr>
+        <p:txBody>
+          <a:bodyPr wrap="none" rtlCol="0">
+            <a:spAutoFit/>
+          </a:bodyPr>
+          <a:lstStyle/>
+          <a:p>
+            <a:r>
+              <a:rPr lang="en-DK" sz="2400" dirty="0"/>
+              <a:t>4</a:t>
+            </a:r>
+          </a:p>
+        </p:txBody>
+      </p:sp>
+      <p:sp>
+        <p:nvSpPr>
+          <p:cNvPr id="35" name="TextBox 34">
+            <a:extLst>
+              <a:ext uri="{FF2B5EF4-FFF2-40B4-BE49-F238E27FC236}">
+                <a16:creationId xmlns:a16="http://schemas.microsoft.com/office/drawing/2014/main" id="{B1DC3F4B-2D16-D8C4-3313-47925A7265F9}"/>
+              </a:ext>
+            </a:extLst>
+          </p:cNvPr>
+          <p:cNvSpPr txBox="1"/>
+          <p:nvPr/>
+        </p:nvSpPr>
+        <p:spPr>
+          <a:xfrm>
+            <a:off x="844461" y="5712736"/>
+            <a:ext cx="10710986" cy="523220"/>
+          </a:xfrm>
+          <a:prstGeom prst="rect">
+            <a:avLst/>
+          </a:prstGeom>
+          <a:noFill/>
+        </p:spPr>
+        <p:txBody>
+          <a:bodyPr wrap="square" rtlCol="0">
+            <a:spAutoFit/>
+          </a:bodyPr>
+          <a:lstStyle/>
+          <a:p>
+            <a:r>
+              <a:rPr lang="en-GB" sz="2800" b="1" dirty="0"/>
+              <a:t>We would like the network to output the probability of each class</a:t>
+            </a:r>
           </a:p>
         </p:txBody>
       </p:sp>
     </p:spTree>
     <p:extLst>
       <p:ext uri="{BB962C8B-B14F-4D97-AF65-F5344CB8AC3E}">
-        <p14:creationId xmlns:p14="http://schemas.microsoft.com/office/powerpoint/2010/main" val="2740460272"/>
+        <p14:creationId xmlns:p14="http://schemas.microsoft.com/office/powerpoint/2010/main" val="4230052097"/>
       </p:ext>
     </p:extLst>
   </p:cSld>
@@ -5699,7 +6421,3400 @@
           <p:cNvPr id="2" name="Title 1">
             <a:extLst>
               <a:ext uri="{FF2B5EF4-FFF2-40B4-BE49-F238E27FC236}">
-                <a16:creationId xmlns:a16="http://schemas.microsoft.com/office/drawing/2014/main" id="{F45BC4DA-2A5C-65D6-A386-67B295A3C629}"/>
+                <a16:creationId xmlns:a16="http://schemas.microsoft.com/office/drawing/2014/main" id="{32FE2551-B03B-90E4-ABF4-80FE25C0EA86}"/>
+              </a:ext>
+            </a:extLst>
+          </p:cNvPr>
+          <p:cNvSpPr>
+            <a:spLocks noGrp="1"/>
+          </p:cNvSpPr>
+          <p:nvPr>
+            <p:ph type="title"/>
+          </p:nvPr>
+        </p:nvSpPr>
+        <p:spPr>
+          <a:xfrm>
+            <a:off x="838200" y="365125"/>
+            <a:ext cx="10515600" cy="830997"/>
+          </a:xfrm>
+        </p:spPr>
+        <p:txBody>
+          <a:bodyPr>
+            <a:normAutofit/>
+          </a:bodyPr>
+          <a:lstStyle/>
+          <a:p>
+            <a:r>
+              <a:rPr lang="en-DK" sz="4000" dirty="0"/>
+              <a:t>Multiple classes: Softmax</a:t>
+            </a:r>
+          </a:p>
+        </p:txBody>
+      </p:sp>
+      <mc:AlternateContent xmlns:mc="http://schemas.openxmlformats.org/markup-compatibility/2006" xmlns:a14="http://schemas.microsoft.com/office/drawing/2010/main">
+        <mc:Choice Requires="a14">
+          <p:sp>
+            <p:nvSpPr>
+              <p:cNvPr id="5" name="TextBox 4">
+                <a:extLst>
+                  <a:ext uri="{FF2B5EF4-FFF2-40B4-BE49-F238E27FC236}">
+                    <a16:creationId xmlns:a16="http://schemas.microsoft.com/office/drawing/2014/main" id="{90F5F97C-0923-286C-F6DE-8A3E320930E0}"/>
+                  </a:ext>
+                </a:extLst>
+              </p:cNvPr>
+              <p:cNvSpPr txBox="1"/>
+              <p:nvPr/>
+            </p:nvSpPr>
+            <p:spPr>
+              <a:xfrm>
+                <a:off x="7401871" y="2509111"/>
+                <a:ext cx="4050613" cy="904543"/>
+              </a:xfrm>
+              <a:prstGeom prst="rect">
+                <a:avLst/>
+              </a:prstGeom>
+              <a:solidFill>
+                <a:schemeClr val="accent1">
+                  <a:lumMod val="20000"/>
+                  <a:lumOff val="80000"/>
+                </a:schemeClr>
+              </a:solidFill>
+            </p:spPr>
+            <p:txBody>
+              <a:bodyPr wrap="square" lIns="0" tIns="0" rIns="0" bIns="0" rtlCol="0">
+                <a:spAutoFit/>
+              </a:bodyPr>
+              <a:lstStyle/>
+              <a:p>
+                <a:pPr/>
+                <a14:m>
+                  <m:oMathPara xmlns:m="http://schemas.openxmlformats.org/officeDocument/2006/math">
+                    <m:oMathParaPr>
+                      <m:jc m:val="center"/>
+                    </m:oMathParaPr>
+                    <m:oMath xmlns:m="http://schemas.openxmlformats.org/officeDocument/2006/math">
+                      <m:sSub>
+                        <m:sSubPr>
+                          <m:ctrlPr>
+                            <a:rPr lang="da-DK" sz="2400" b="0" i="1" smtClean="0">
+                              <a:latin typeface="Cambria Math" panose="02040503050406030204" pitchFamily="18" charset="0"/>
+                            </a:rPr>
+                          </m:ctrlPr>
+                        </m:sSubPr>
+                        <m:e>
+                          <m:r>
+                            <a:rPr lang="da-DK" sz="2400" b="0" i="1" smtClean="0">
+                              <a:latin typeface="Cambria Math" panose="02040503050406030204" pitchFamily="18" charset="0"/>
+                            </a:rPr>
+                            <m:t>𝑦</m:t>
+                          </m:r>
+                        </m:e>
+                        <m:sub>
+                          <m:r>
+                            <a:rPr lang="da-DK" sz="2400" b="0" i="1" smtClean="0">
+                              <a:latin typeface="Cambria Math" panose="02040503050406030204" pitchFamily="18" charset="0"/>
+                            </a:rPr>
+                            <m:t>𝑖</m:t>
+                          </m:r>
+                        </m:sub>
+                      </m:sSub>
+                      <m:r>
+                        <a:rPr lang="da-DK" sz="2400" b="0" i="1" smtClean="0">
+                          <a:latin typeface="Cambria Math" panose="02040503050406030204" pitchFamily="18" charset="0"/>
+                        </a:rPr>
+                        <m:t>=</m:t>
+                      </m:r>
+                      <m:r>
+                        <m:rPr>
+                          <m:sty m:val="p"/>
+                        </m:rPr>
+                        <a:rPr lang="da-DK" sz="2400" b="0" i="0" smtClean="0">
+                          <a:latin typeface="Cambria Math" panose="02040503050406030204" pitchFamily="18" charset="0"/>
+                        </a:rPr>
+                        <m:t>softmax</m:t>
+                      </m:r>
+                      <m:d>
+                        <m:dPr>
+                          <m:ctrlPr>
+                            <a:rPr lang="da-DK" sz="2400" b="0" i="1" smtClean="0">
+                              <a:latin typeface="Cambria Math" panose="02040503050406030204" pitchFamily="18" charset="0"/>
+                            </a:rPr>
+                          </m:ctrlPr>
+                        </m:dPr>
+                        <m:e>
+                          <m:sSub>
+                            <m:sSubPr>
+                              <m:ctrlPr>
+                                <a:rPr lang="da-DK" sz="2400" b="0" i="1" smtClean="0">
+                                  <a:latin typeface="Cambria Math" panose="02040503050406030204" pitchFamily="18" charset="0"/>
+                                </a:rPr>
+                              </m:ctrlPr>
+                            </m:sSubPr>
+                            <m:e>
+                              <m:r>
+                                <a:rPr lang="da-DK" sz="2400" b="0" i="1" smtClean="0">
+                                  <a:latin typeface="Cambria Math" panose="02040503050406030204" pitchFamily="18" charset="0"/>
+                                </a:rPr>
+                                <m:t>h</m:t>
+                              </m:r>
+                            </m:e>
+                            <m:sub>
+                              <m:r>
+                                <a:rPr lang="da-DK" sz="2400" b="0" i="1" smtClean="0">
+                                  <a:latin typeface="Cambria Math" panose="02040503050406030204" pitchFamily="18" charset="0"/>
+                                </a:rPr>
+                                <m:t>𝑖</m:t>
+                              </m:r>
+                            </m:sub>
+                          </m:sSub>
+                        </m:e>
+                      </m:d>
+                      <m:r>
+                        <a:rPr lang="da-DK" sz="2400" b="0" i="1" smtClean="0">
+                          <a:latin typeface="Cambria Math" panose="02040503050406030204" pitchFamily="18" charset="0"/>
+                        </a:rPr>
+                        <m:t>=</m:t>
+                      </m:r>
+                      <m:f>
+                        <m:fPr>
+                          <m:ctrlPr>
+                            <a:rPr lang="da-DK" sz="2400" b="0" i="1" smtClean="0">
+                              <a:latin typeface="Cambria Math" panose="02040503050406030204" pitchFamily="18" charset="0"/>
+                            </a:rPr>
+                          </m:ctrlPr>
+                        </m:fPr>
+                        <m:num>
+                          <m:sSup>
+                            <m:sSupPr>
+                              <m:ctrlPr>
+                                <a:rPr lang="da-DK" sz="2400" b="0" i="1" smtClean="0">
+                                  <a:latin typeface="Cambria Math" panose="02040503050406030204" pitchFamily="18" charset="0"/>
+                                </a:rPr>
+                              </m:ctrlPr>
+                            </m:sSupPr>
+                            <m:e>
+                              <m:r>
+                                <a:rPr lang="da-DK" sz="2400" b="0" i="1" smtClean="0">
+                                  <a:latin typeface="Cambria Math" panose="02040503050406030204" pitchFamily="18" charset="0"/>
+                                </a:rPr>
+                                <m:t>𝑒</m:t>
+                              </m:r>
+                            </m:e>
+                            <m:sup>
+                              <m:sSub>
+                                <m:sSubPr>
+                                  <m:ctrlPr>
+                                    <a:rPr lang="da-DK" sz="2400" b="0" i="1" smtClean="0">
+                                      <a:latin typeface="Cambria Math" panose="02040503050406030204" pitchFamily="18" charset="0"/>
+                                    </a:rPr>
+                                  </m:ctrlPr>
+                                </m:sSubPr>
+                                <m:e>
+                                  <m:r>
+                                    <a:rPr lang="da-DK" sz="2400" b="0" i="1" smtClean="0">
+                                      <a:latin typeface="Cambria Math" panose="02040503050406030204" pitchFamily="18" charset="0"/>
+                                    </a:rPr>
+                                    <m:t>h</m:t>
+                                  </m:r>
+                                </m:e>
+                                <m:sub>
+                                  <m:r>
+                                    <a:rPr lang="da-DK" sz="2400" b="0" i="1" smtClean="0">
+                                      <a:latin typeface="Cambria Math" panose="02040503050406030204" pitchFamily="18" charset="0"/>
+                                    </a:rPr>
+                                    <m:t>𝑖</m:t>
+                                  </m:r>
+                                </m:sub>
+                              </m:sSub>
+                            </m:sup>
+                          </m:sSup>
+                        </m:num>
+                        <m:den>
+                          <m:nary>
+                            <m:naryPr>
+                              <m:chr m:val="∑"/>
+                              <m:limLoc m:val="subSup"/>
+                              <m:ctrlPr>
+                                <a:rPr lang="da-DK" sz="2400" b="0" i="1" smtClean="0">
+                                  <a:latin typeface="Cambria Math" panose="02040503050406030204" pitchFamily="18" charset="0"/>
+                                </a:rPr>
+                              </m:ctrlPr>
+                            </m:naryPr>
+                            <m:sub>
+                              <m:r>
+                                <m:rPr>
+                                  <m:brk m:alnAt="25"/>
+                                </m:rPr>
+                                <a:rPr lang="da-DK" sz="2400" b="0" i="1" smtClean="0">
+                                  <a:latin typeface="Cambria Math" panose="02040503050406030204" pitchFamily="18" charset="0"/>
+                                </a:rPr>
+                                <m:t>𝑗</m:t>
+                              </m:r>
+                              <m:r>
+                                <a:rPr lang="da-DK" sz="2400" b="0" i="1" smtClean="0">
+                                  <a:latin typeface="Cambria Math" panose="02040503050406030204" pitchFamily="18" charset="0"/>
+                                </a:rPr>
+                                <m:t>=1</m:t>
+                              </m:r>
+                            </m:sub>
+                            <m:sup>
+                              <m:r>
+                                <a:rPr lang="da-DK" sz="2400" b="0" i="1" smtClean="0">
+                                  <a:latin typeface="Cambria Math" panose="02040503050406030204" pitchFamily="18" charset="0"/>
+                                </a:rPr>
+                                <m:t>𝑛</m:t>
+                              </m:r>
+                            </m:sup>
+                            <m:e>
+                              <m:sSup>
+                                <m:sSupPr>
+                                  <m:ctrlPr>
+                                    <a:rPr lang="da-DK" sz="2400" i="1">
+                                      <a:latin typeface="Cambria Math" panose="02040503050406030204" pitchFamily="18" charset="0"/>
+                                    </a:rPr>
+                                  </m:ctrlPr>
+                                </m:sSupPr>
+                                <m:e>
+                                  <m:r>
+                                    <a:rPr lang="da-DK" sz="2400" i="1">
+                                      <a:latin typeface="Cambria Math" panose="02040503050406030204" pitchFamily="18" charset="0"/>
+                                    </a:rPr>
+                                    <m:t>𝑒</m:t>
+                                  </m:r>
+                                </m:e>
+                                <m:sup>
+                                  <m:sSub>
+                                    <m:sSubPr>
+                                      <m:ctrlPr>
+                                        <a:rPr lang="da-DK" sz="2400" i="1">
+                                          <a:latin typeface="Cambria Math" panose="02040503050406030204" pitchFamily="18" charset="0"/>
+                                        </a:rPr>
+                                      </m:ctrlPr>
+                                    </m:sSubPr>
+                                    <m:e>
+                                      <m:r>
+                                        <a:rPr lang="da-DK" sz="2400" i="1">
+                                          <a:latin typeface="Cambria Math" panose="02040503050406030204" pitchFamily="18" charset="0"/>
+                                        </a:rPr>
+                                        <m:t>h</m:t>
+                                      </m:r>
+                                    </m:e>
+                                    <m:sub>
+                                      <m:r>
+                                        <a:rPr lang="da-DK" sz="2400" i="1">
+                                          <a:latin typeface="Cambria Math" panose="02040503050406030204" pitchFamily="18" charset="0"/>
+                                        </a:rPr>
+                                        <m:t>𝑗</m:t>
+                                      </m:r>
+                                    </m:sub>
+                                  </m:sSub>
+                                </m:sup>
+                              </m:sSup>
+                            </m:e>
+                          </m:nary>
+                        </m:den>
+                      </m:f>
+                      <m:r>
+                        <a:rPr lang="da-DK" sz="2400" b="0" i="1" smtClean="0">
+                          <a:latin typeface="Cambria Math" panose="02040503050406030204" pitchFamily="18" charset="0"/>
+                        </a:rPr>
+                        <m:t> </m:t>
+                      </m:r>
+                    </m:oMath>
+                  </m:oMathPara>
+                </a14:m>
+                <a:endParaRPr lang="en-DK" sz="2400" dirty="0"/>
+              </a:p>
+            </p:txBody>
+          </p:sp>
+        </mc:Choice>
+        <mc:Fallback xmlns="">
+          <p:sp>
+            <p:nvSpPr>
+              <p:cNvPr id="5" name="TextBox 4">
+                <a:extLst>
+                  <a:ext uri="{FF2B5EF4-FFF2-40B4-BE49-F238E27FC236}">
+                    <a16:creationId xmlns:a16="http://schemas.microsoft.com/office/drawing/2014/main" id="{90F5F97C-0923-286C-F6DE-8A3E320930E0}"/>
+                  </a:ext>
+                </a:extLst>
+              </p:cNvPr>
+              <p:cNvSpPr txBox="1">
+                <a:spLocks noRot="1" noChangeAspect="1" noMove="1" noResize="1" noEditPoints="1" noAdjustHandles="1" noChangeArrowheads="1" noChangeShapeType="1" noTextEdit="1"/>
+              </p:cNvSpPr>
+              <p:nvPr/>
+            </p:nvSpPr>
+            <p:spPr>
+              <a:xfrm>
+                <a:off x="7401871" y="2509111"/>
+                <a:ext cx="4050613" cy="904543"/>
+              </a:xfrm>
+              <a:prstGeom prst="rect">
+                <a:avLst/>
+              </a:prstGeom>
+              <a:blipFill>
+                <a:blip r:embed="rId2"/>
+                <a:stretch>
+                  <a:fillRect t="-18056" r="-313" b="-97222"/>
+                </a:stretch>
+              </a:blipFill>
+            </p:spPr>
+            <p:txBody>
+              <a:bodyPr/>
+              <a:lstStyle/>
+              <a:p>
+                <a:r>
+                  <a:rPr lang="en-DK">
+                    <a:noFill/>
+                  </a:rPr>
+                  <a:t> </a:t>
+                </a:r>
+              </a:p>
+            </p:txBody>
+          </p:sp>
+        </mc:Fallback>
+      </mc:AlternateContent>
+      <mc:AlternateContent xmlns:mc="http://schemas.openxmlformats.org/markup-compatibility/2006" xmlns:a14="http://schemas.microsoft.com/office/drawing/2010/main">
+        <mc:Choice Requires="a14">
+          <p:sp>
+            <p:nvSpPr>
+              <p:cNvPr id="13" name="Content Placeholder 2">
+                <a:extLst>
+                  <a:ext uri="{FF2B5EF4-FFF2-40B4-BE49-F238E27FC236}">
+                    <a16:creationId xmlns:a16="http://schemas.microsoft.com/office/drawing/2014/main" id="{AC595D9C-CF18-504D-3F37-32EE453B0801}"/>
+                  </a:ext>
+                </a:extLst>
+              </p:cNvPr>
+              <p:cNvSpPr txBox="1">
+                <a:spLocks/>
+              </p:cNvSpPr>
+              <p:nvPr/>
+            </p:nvSpPr>
+            <p:spPr>
+              <a:xfrm>
+                <a:off x="7022313" y="1196122"/>
+                <a:ext cx="4792172" cy="1488345"/>
+              </a:xfrm>
+              <a:prstGeom prst="rect">
+                <a:avLst/>
+              </a:prstGeom>
+            </p:spPr>
+            <p:txBody>
+              <a:bodyPr vert="horz" lIns="91440" tIns="45720" rIns="91440" bIns="45720" rtlCol="0">
+                <a:normAutofit/>
+              </a:bodyPr>
+              <a:lstStyle>
+                <a:lvl1pPr marL="228600" indent="-228600" algn="l" defTabSz="914400" rtl="0" eaLnBrk="1" latinLnBrk="0" hangingPunct="1">
+                  <a:lnSpc>
+                    <a:spcPct val="90000"/>
+                  </a:lnSpc>
+                  <a:spcBef>
+                    <a:spcPts val="1000"/>
+                  </a:spcBef>
+                  <a:buFont typeface="Arial" panose="020B0604020202020204" pitchFamily="34" charset="0"/>
+                  <a:buChar char="•"/>
+                  <a:defRPr sz="2800" kern="1200">
+                    <a:solidFill>
+                      <a:schemeClr val="tx1"/>
+                    </a:solidFill>
+                    <a:latin typeface="+mn-lt"/>
+                    <a:ea typeface="+mn-ea"/>
+                    <a:cs typeface="+mn-cs"/>
+                  </a:defRPr>
+                </a:lvl1pPr>
+                <a:lvl2pPr marL="685800" indent="-228600" algn="l" defTabSz="914400" rtl="0" eaLnBrk="1" latinLnBrk="0" hangingPunct="1">
+                  <a:lnSpc>
+                    <a:spcPct val="90000"/>
+                  </a:lnSpc>
+                  <a:spcBef>
+                    <a:spcPts val="500"/>
+                  </a:spcBef>
+                  <a:buFont typeface="Arial" panose="020B0604020202020204" pitchFamily="34" charset="0"/>
+                  <a:buChar char="•"/>
+                  <a:defRPr sz="2400" kern="1200">
+                    <a:solidFill>
+                      <a:schemeClr val="tx1"/>
+                    </a:solidFill>
+                    <a:latin typeface="+mn-lt"/>
+                    <a:ea typeface="+mn-ea"/>
+                    <a:cs typeface="+mn-cs"/>
+                  </a:defRPr>
+                </a:lvl2pPr>
+                <a:lvl3pPr marL="1143000" indent="-228600" algn="l" defTabSz="914400" rtl="0" eaLnBrk="1" latinLnBrk="0" hangingPunct="1">
+                  <a:lnSpc>
+                    <a:spcPct val="90000"/>
+                  </a:lnSpc>
+                  <a:spcBef>
+                    <a:spcPts val="500"/>
+                  </a:spcBef>
+                  <a:buFont typeface="Arial" panose="020B0604020202020204" pitchFamily="34" charset="0"/>
+                  <a:buChar char="•"/>
+                  <a:defRPr sz="2000" kern="1200">
+                    <a:solidFill>
+                      <a:schemeClr val="tx1"/>
+                    </a:solidFill>
+                    <a:latin typeface="+mn-lt"/>
+                    <a:ea typeface="+mn-ea"/>
+                    <a:cs typeface="+mn-cs"/>
+                  </a:defRPr>
+                </a:lvl3pPr>
+                <a:lvl4pPr marL="1600200" indent="-228600" algn="l" defTabSz="914400" rtl="0" eaLnBrk="1" latinLnBrk="0" hangingPunct="1">
+                  <a:lnSpc>
+                    <a:spcPct val="90000"/>
+                  </a:lnSpc>
+                  <a:spcBef>
+                    <a:spcPts val="500"/>
+                  </a:spcBef>
+                  <a:buFont typeface="Arial" panose="020B0604020202020204" pitchFamily="34" charset="0"/>
+                  <a:buChar char="•"/>
+                  <a:defRPr sz="1800" kern="1200">
+                    <a:solidFill>
+                      <a:schemeClr val="tx1"/>
+                    </a:solidFill>
+                    <a:latin typeface="+mn-lt"/>
+                    <a:ea typeface="+mn-ea"/>
+                    <a:cs typeface="+mn-cs"/>
+                  </a:defRPr>
+                </a:lvl4pPr>
+                <a:lvl5pPr marL="2057400" indent="-228600" algn="l" defTabSz="914400" rtl="0" eaLnBrk="1" latinLnBrk="0" hangingPunct="1">
+                  <a:lnSpc>
+                    <a:spcPct val="90000"/>
+                  </a:lnSpc>
+                  <a:spcBef>
+                    <a:spcPts val="500"/>
+                  </a:spcBef>
+                  <a:buFont typeface="Arial" panose="020B0604020202020204" pitchFamily="34" charset="0"/>
+                  <a:buChar char="•"/>
+                  <a:defRPr sz="1800" kern="1200">
+                    <a:solidFill>
+                      <a:schemeClr val="tx1"/>
+                    </a:solidFill>
+                    <a:latin typeface="+mn-lt"/>
+                    <a:ea typeface="+mn-ea"/>
+                    <a:cs typeface="+mn-cs"/>
+                  </a:defRPr>
+                </a:lvl5pPr>
+                <a:lvl6pPr marL="2514600" indent="-228600" algn="l" defTabSz="914400" rtl="0" eaLnBrk="1" latinLnBrk="0" hangingPunct="1">
+                  <a:lnSpc>
+                    <a:spcPct val="90000"/>
+                  </a:lnSpc>
+                  <a:spcBef>
+                    <a:spcPts val="500"/>
+                  </a:spcBef>
+                  <a:buFont typeface="Arial" panose="020B0604020202020204" pitchFamily="34" charset="0"/>
+                  <a:buChar char="•"/>
+                  <a:defRPr sz="1800" kern="1200">
+                    <a:solidFill>
+                      <a:schemeClr val="tx1"/>
+                    </a:solidFill>
+                    <a:latin typeface="+mn-lt"/>
+                    <a:ea typeface="+mn-ea"/>
+                    <a:cs typeface="+mn-cs"/>
+                  </a:defRPr>
+                </a:lvl6pPr>
+                <a:lvl7pPr marL="2971800" indent="-228600" algn="l" defTabSz="914400" rtl="0" eaLnBrk="1" latinLnBrk="0" hangingPunct="1">
+                  <a:lnSpc>
+                    <a:spcPct val="90000"/>
+                  </a:lnSpc>
+                  <a:spcBef>
+                    <a:spcPts val="500"/>
+                  </a:spcBef>
+                  <a:buFont typeface="Arial" panose="020B0604020202020204" pitchFamily="34" charset="0"/>
+                  <a:buChar char="•"/>
+                  <a:defRPr sz="1800" kern="1200">
+                    <a:solidFill>
+                      <a:schemeClr val="tx1"/>
+                    </a:solidFill>
+                    <a:latin typeface="+mn-lt"/>
+                    <a:ea typeface="+mn-ea"/>
+                    <a:cs typeface="+mn-cs"/>
+                  </a:defRPr>
+                </a:lvl7pPr>
+                <a:lvl8pPr marL="3429000" indent="-228600" algn="l" defTabSz="914400" rtl="0" eaLnBrk="1" latinLnBrk="0" hangingPunct="1">
+                  <a:lnSpc>
+                    <a:spcPct val="90000"/>
+                  </a:lnSpc>
+                  <a:spcBef>
+                    <a:spcPts val="500"/>
+                  </a:spcBef>
+                  <a:buFont typeface="Arial" panose="020B0604020202020204" pitchFamily="34" charset="0"/>
+                  <a:buChar char="•"/>
+                  <a:defRPr sz="1800" kern="1200">
+                    <a:solidFill>
+                      <a:schemeClr val="tx1"/>
+                    </a:solidFill>
+                    <a:latin typeface="+mn-lt"/>
+                    <a:ea typeface="+mn-ea"/>
+                    <a:cs typeface="+mn-cs"/>
+                  </a:defRPr>
+                </a:lvl8pPr>
+                <a:lvl9pPr marL="3886200" indent="-228600" algn="l" defTabSz="914400" rtl="0" eaLnBrk="1" latinLnBrk="0" hangingPunct="1">
+                  <a:lnSpc>
+                    <a:spcPct val="90000"/>
+                  </a:lnSpc>
+                  <a:spcBef>
+                    <a:spcPts val="500"/>
+                  </a:spcBef>
+                  <a:buFont typeface="Arial" panose="020B0604020202020204" pitchFamily="34" charset="0"/>
+                  <a:buChar char="•"/>
+                  <a:defRPr sz="1800" kern="1200">
+                    <a:solidFill>
+                      <a:schemeClr val="tx1"/>
+                    </a:solidFill>
+                    <a:latin typeface="+mn-lt"/>
+                    <a:ea typeface="+mn-ea"/>
+                    <a:cs typeface="+mn-cs"/>
+                  </a:defRPr>
+                </a:lvl9pPr>
+              </a:lstStyle>
+              <a:p>
+                <a:pPr marL="0" indent="0">
+                  <a:buNone/>
+                </a:pPr>
+                <a:r>
+                  <a:rPr lang="en-DK" sz="2400" dirty="0"/>
+                  <a:t>Weighted sum for the last layer is called </a:t>
+                </a:r>
+                <a14:m>
+                  <m:oMath xmlns:m="http://schemas.openxmlformats.org/officeDocument/2006/math">
+                    <m:sSub>
+                      <m:sSubPr>
+                        <m:ctrlPr>
+                          <a:rPr lang="da-DK" sz="2400" i="1">
+                            <a:latin typeface="Cambria Math" panose="02040503050406030204" pitchFamily="18" charset="0"/>
+                          </a:rPr>
+                        </m:ctrlPr>
+                      </m:sSubPr>
+                      <m:e>
+                        <m:r>
+                          <a:rPr lang="da-DK" sz="2400" b="0" i="1" smtClean="0">
+                            <a:latin typeface="Cambria Math" panose="02040503050406030204" pitchFamily="18" charset="0"/>
+                          </a:rPr>
+                          <m:t>h</m:t>
+                        </m:r>
+                      </m:e>
+                      <m:sub>
+                        <m:r>
+                          <a:rPr lang="da-DK" sz="2400" i="1">
+                            <a:latin typeface="Cambria Math" panose="02040503050406030204" pitchFamily="18" charset="0"/>
+                          </a:rPr>
+                          <m:t>𝑖</m:t>
+                        </m:r>
+                      </m:sub>
+                    </m:sSub>
+                  </m:oMath>
+                </a14:m>
+                <a:r>
+                  <a:rPr lang="en-DK" sz="2400" dirty="0"/>
+                  <a:t> for class </a:t>
+                </a:r>
+                <a14:m>
+                  <m:oMath xmlns:m="http://schemas.openxmlformats.org/officeDocument/2006/math">
+                    <m:r>
+                      <a:rPr lang="da-DK" sz="2400" b="0" i="1" smtClean="0">
+                        <a:latin typeface="Cambria Math" panose="02040503050406030204" pitchFamily="18" charset="0"/>
+                      </a:rPr>
+                      <m:t>𝑖</m:t>
+                    </m:r>
+                  </m:oMath>
+                </a14:m>
+                <a:endParaRPr lang="en-DK" sz="2400" dirty="0"/>
+              </a:p>
+              <a:p>
+                <a:pPr marL="0" indent="0">
+                  <a:buNone/>
+                </a:pPr>
+                <a:r>
+                  <a:rPr lang="da-DK" sz="2400" dirty="0"/>
+                  <a:t>Output for class </a:t>
+                </a:r>
+                <a14:m>
+                  <m:oMath xmlns:m="http://schemas.openxmlformats.org/officeDocument/2006/math">
+                    <m:r>
+                      <a:rPr lang="da-DK" sz="2400" i="1">
+                        <a:latin typeface="Cambria Math" panose="02040503050406030204" pitchFamily="18" charset="0"/>
+                      </a:rPr>
+                      <m:t>𝑖</m:t>
+                    </m:r>
+                  </m:oMath>
+                </a14:m>
+                <a:r>
+                  <a:rPr lang="da-DK" sz="2400" dirty="0"/>
+                  <a:t>:</a:t>
+                </a:r>
+                <a:endParaRPr lang="en-DK" sz="2400" dirty="0"/>
+              </a:p>
+            </p:txBody>
+          </p:sp>
+        </mc:Choice>
+        <mc:Fallback xmlns="">
+          <p:sp>
+            <p:nvSpPr>
+              <p:cNvPr id="13" name="Content Placeholder 2">
+                <a:extLst>
+                  <a:ext uri="{FF2B5EF4-FFF2-40B4-BE49-F238E27FC236}">
+                    <a16:creationId xmlns:a16="http://schemas.microsoft.com/office/drawing/2014/main" id="{AC595D9C-CF18-504D-3F37-32EE453B0801}"/>
+                  </a:ext>
+                </a:extLst>
+              </p:cNvPr>
+              <p:cNvSpPr txBox="1">
+                <a:spLocks noRot="1" noChangeAspect="1" noMove="1" noResize="1" noEditPoints="1" noAdjustHandles="1" noChangeArrowheads="1" noChangeShapeType="1" noTextEdit="1"/>
+              </p:cNvSpPr>
+              <p:nvPr/>
+            </p:nvSpPr>
+            <p:spPr>
+              <a:xfrm>
+                <a:off x="7022313" y="1196122"/>
+                <a:ext cx="4792172" cy="1488345"/>
+              </a:xfrm>
+              <a:prstGeom prst="rect">
+                <a:avLst/>
+              </a:prstGeom>
+              <a:blipFill>
+                <a:blip r:embed="rId3"/>
+                <a:stretch>
+                  <a:fillRect l="-1847" t="-5085"/>
+                </a:stretch>
+              </a:blipFill>
+            </p:spPr>
+            <p:txBody>
+              <a:bodyPr/>
+              <a:lstStyle/>
+              <a:p>
+                <a:r>
+                  <a:rPr lang="en-DK">
+                    <a:noFill/>
+                  </a:rPr>
+                  <a:t> </a:t>
+                </a:r>
+              </a:p>
+            </p:txBody>
+          </p:sp>
+        </mc:Fallback>
+      </mc:AlternateContent>
+      <p:grpSp>
+        <p:nvGrpSpPr>
+          <p:cNvPr id="31" name="Group 30">
+            <a:extLst>
+              <a:ext uri="{FF2B5EF4-FFF2-40B4-BE49-F238E27FC236}">
+                <a16:creationId xmlns:a16="http://schemas.microsoft.com/office/drawing/2014/main" id="{8FA42C87-352F-AE64-2FA3-8F896911D4AC}"/>
+              </a:ext>
+            </a:extLst>
+          </p:cNvPr>
+          <p:cNvGrpSpPr/>
+          <p:nvPr/>
+        </p:nvGrpSpPr>
+        <p:grpSpPr>
+          <a:xfrm>
+            <a:off x="494905" y="2015365"/>
+            <a:ext cx="5158036" cy="4169535"/>
+            <a:chOff x="558404" y="1151765"/>
+            <a:chExt cx="5603329" cy="4529491"/>
+          </a:xfrm>
+        </p:grpSpPr>
+        <p:pic>
+          <p:nvPicPr>
+            <p:cNvPr id="23" name="Picture 22">
+              <a:extLst>
+                <a:ext uri="{FF2B5EF4-FFF2-40B4-BE49-F238E27FC236}">
+                  <a16:creationId xmlns:a16="http://schemas.microsoft.com/office/drawing/2014/main" id="{5356547D-06B2-6167-3914-F5ADFB158078}"/>
+                </a:ext>
+              </a:extLst>
+            </p:cNvPr>
+            <p:cNvPicPr>
+              <a:picLocks noChangeAspect="1"/>
+            </p:cNvPicPr>
+            <p:nvPr/>
+          </p:nvPicPr>
+          <p:blipFill>
+            <a:blip r:embed="rId4"/>
+            <a:stretch>
+              <a:fillRect/>
+            </a:stretch>
+          </p:blipFill>
+          <p:spPr>
+            <a:xfrm>
+              <a:off x="624137" y="1196122"/>
+              <a:ext cx="5471863" cy="4485134"/>
+            </a:xfrm>
+            <a:prstGeom prst="rect">
+              <a:avLst/>
+            </a:prstGeom>
+          </p:spPr>
+        </p:pic>
+        <p:sp>
+          <p:nvSpPr>
+            <p:cNvPr id="24" name="TextBox 23">
+              <a:extLst>
+                <a:ext uri="{FF2B5EF4-FFF2-40B4-BE49-F238E27FC236}">
+                  <a16:creationId xmlns:a16="http://schemas.microsoft.com/office/drawing/2014/main" id="{708B96FD-EFB8-5829-E0C7-EAF506485740}"/>
+                </a:ext>
+              </a:extLst>
+            </p:cNvPr>
+            <p:cNvSpPr txBox="1"/>
+            <p:nvPr/>
+          </p:nvSpPr>
+          <p:spPr>
+            <a:xfrm rot="16200000">
+              <a:off x="364280" y="3176039"/>
+              <a:ext cx="849913" cy="461665"/>
+            </a:xfrm>
+            <a:prstGeom prst="rect">
+              <a:avLst/>
+            </a:prstGeom>
+            <a:noFill/>
+          </p:spPr>
+          <p:txBody>
+            <a:bodyPr wrap="none" rtlCol="0">
+              <a:spAutoFit/>
+            </a:bodyPr>
+            <a:lstStyle/>
+            <a:p>
+              <a:r>
+                <a:rPr lang="en-DK" sz="2400" dirty="0"/>
+                <a:t>Input</a:t>
+              </a:r>
+            </a:p>
+          </p:txBody>
+        </p:sp>
+        <p:sp>
+          <p:nvSpPr>
+            <p:cNvPr id="25" name="TextBox 24">
+              <a:extLst>
+                <a:ext uri="{FF2B5EF4-FFF2-40B4-BE49-F238E27FC236}">
+                  <a16:creationId xmlns:a16="http://schemas.microsoft.com/office/drawing/2014/main" id="{1415BE00-E9FB-A377-0443-61BE28D77925}"/>
+                </a:ext>
+              </a:extLst>
+            </p:cNvPr>
+            <p:cNvSpPr txBox="1"/>
+            <p:nvPr/>
+          </p:nvSpPr>
+          <p:spPr>
+            <a:xfrm>
+              <a:off x="5082591" y="1151765"/>
+              <a:ext cx="1079142" cy="830997"/>
+            </a:xfrm>
+            <a:prstGeom prst="rect">
+              <a:avLst/>
+            </a:prstGeom>
+            <a:noFill/>
+          </p:spPr>
+          <p:txBody>
+            <a:bodyPr wrap="none" rtlCol="0">
+              <a:spAutoFit/>
+            </a:bodyPr>
+            <a:lstStyle/>
+            <a:p>
+              <a:r>
+                <a:rPr lang="en-DK" sz="2400" dirty="0"/>
+                <a:t>Output</a:t>
+              </a:r>
+            </a:p>
+            <a:p>
+              <a:r>
+                <a:rPr lang="en-DK" sz="2400" dirty="0"/>
+                <a:t>class</a:t>
+              </a:r>
+            </a:p>
+          </p:txBody>
+        </p:sp>
+        <p:sp>
+          <p:nvSpPr>
+            <p:cNvPr id="26" name="TextBox 25">
+              <a:extLst>
+                <a:ext uri="{FF2B5EF4-FFF2-40B4-BE49-F238E27FC236}">
+                  <a16:creationId xmlns:a16="http://schemas.microsoft.com/office/drawing/2014/main" id="{68B8F6DA-10A2-A627-3C05-4B22A6EDB167}"/>
+                </a:ext>
+              </a:extLst>
+            </p:cNvPr>
+            <p:cNvSpPr txBox="1"/>
+            <p:nvPr/>
+          </p:nvSpPr>
+          <p:spPr>
+            <a:xfrm>
+              <a:off x="5403806" y="2112528"/>
+              <a:ext cx="340158" cy="461665"/>
+            </a:xfrm>
+            <a:prstGeom prst="rect">
+              <a:avLst/>
+            </a:prstGeom>
+            <a:noFill/>
+          </p:spPr>
+          <p:txBody>
+            <a:bodyPr wrap="none" rtlCol="0">
+              <a:spAutoFit/>
+            </a:bodyPr>
+            <a:lstStyle/>
+            <a:p>
+              <a:r>
+                <a:rPr lang="en-DK" sz="2400" dirty="0"/>
+                <a:t>1</a:t>
+              </a:r>
+            </a:p>
+          </p:txBody>
+        </p:sp>
+        <p:sp>
+          <p:nvSpPr>
+            <p:cNvPr id="27" name="TextBox 26">
+              <a:extLst>
+                <a:ext uri="{FF2B5EF4-FFF2-40B4-BE49-F238E27FC236}">
+                  <a16:creationId xmlns:a16="http://schemas.microsoft.com/office/drawing/2014/main" id="{A00DD63A-516E-02A7-E40D-40E315D8A739}"/>
+                </a:ext>
+              </a:extLst>
+            </p:cNvPr>
+            <p:cNvSpPr txBox="1"/>
+            <p:nvPr/>
+          </p:nvSpPr>
+          <p:spPr>
+            <a:xfrm>
+              <a:off x="5403806" y="2823728"/>
+              <a:ext cx="340158" cy="461665"/>
+            </a:xfrm>
+            <a:prstGeom prst="rect">
+              <a:avLst/>
+            </a:prstGeom>
+            <a:noFill/>
+          </p:spPr>
+          <p:txBody>
+            <a:bodyPr wrap="none" rtlCol="0">
+              <a:spAutoFit/>
+            </a:bodyPr>
+            <a:lstStyle/>
+            <a:p>
+              <a:r>
+                <a:rPr lang="en-DK" sz="2400" dirty="0"/>
+                <a:t>2</a:t>
+              </a:r>
+            </a:p>
+          </p:txBody>
+        </p:sp>
+        <p:sp>
+          <p:nvSpPr>
+            <p:cNvPr id="28" name="TextBox 27">
+              <a:extLst>
+                <a:ext uri="{FF2B5EF4-FFF2-40B4-BE49-F238E27FC236}">
+                  <a16:creationId xmlns:a16="http://schemas.microsoft.com/office/drawing/2014/main" id="{DAEDC905-D9DF-6F2E-6518-06D65A83E8EB}"/>
+                </a:ext>
+              </a:extLst>
+            </p:cNvPr>
+            <p:cNvSpPr txBox="1"/>
+            <p:nvPr/>
+          </p:nvSpPr>
+          <p:spPr>
+            <a:xfrm>
+              <a:off x="5403806" y="3560328"/>
+              <a:ext cx="340158" cy="461665"/>
+            </a:xfrm>
+            <a:prstGeom prst="rect">
+              <a:avLst/>
+            </a:prstGeom>
+            <a:noFill/>
+          </p:spPr>
+          <p:txBody>
+            <a:bodyPr wrap="none" rtlCol="0">
+              <a:spAutoFit/>
+            </a:bodyPr>
+            <a:lstStyle/>
+            <a:p>
+              <a:r>
+                <a:rPr lang="en-DK" sz="2400" dirty="0"/>
+                <a:t>3</a:t>
+              </a:r>
+            </a:p>
+          </p:txBody>
+        </p:sp>
+        <p:sp>
+          <p:nvSpPr>
+            <p:cNvPr id="29" name="TextBox 28">
+              <a:extLst>
+                <a:ext uri="{FF2B5EF4-FFF2-40B4-BE49-F238E27FC236}">
+                  <a16:creationId xmlns:a16="http://schemas.microsoft.com/office/drawing/2014/main" id="{29244E00-E41D-5287-A3D4-227B0421BFB6}"/>
+                </a:ext>
+              </a:extLst>
+            </p:cNvPr>
+            <p:cNvSpPr txBox="1"/>
+            <p:nvPr/>
+          </p:nvSpPr>
+          <p:spPr>
+            <a:xfrm>
+              <a:off x="5403806" y="4258828"/>
+              <a:ext cx="340158" cy="461665"/>
+            </a:xfrm>
+            <a:prstGeom prst="rect">
+              <a:avLst/>
+            </a:prstGeom>
+            <a:noFill/>
+          </p:spPr>
+          <p:txBody>
+            <a:bodyPr wrap="none" rtlCol="0">
+              <a:spAutoFit/>
+            </a:bodyPr>
+            <a:lstStyle/>
+            <a:p>
+              <a:r>
+                <a:rPr lang="en-DK" sz="2400" dirty="0"/>
+                <a:t>4</a:t>
+              </a:r>
+            </a:p>
+          </p:txBody>
+        </p:sp>
+      </p:grpSp>
+      <p:sp>
+        <p:nvSpPr>
+          <p:cNvPr id="33" name="Content Placeholder 2">
+            <a:extLst>
+              <a:ext uri="{FF2B5EF4-FFF2-40B4-BE49-F238E27FC236}">
+                <a16:creationId xmlns:a16="http://schemas.microsoft.com/office/drawing/2014/main" id="{ABECFD78-006B-3B5F-6184-B9ABD0D370DF}"/>
+              </a:ext>
+            </a:extLst>
+          </p:cNvPr>
+          <p:cNvSpPr txBox="1">
+            <a:spLocks/>
+          </p:cNvSpPr>
+          <p:nvPr/>
+        </p:nvSpPr>
+        <p:spPr>
+          <a:xfrm>
+            <a:off x="847093" y="1300066"/>
+            <a:ext cx="5471863" cy="945638"/>
+          </a:xfrm>
+          <a:prstGeom prst="rect">
+            <a:avLst/>
+          </a:prstGeom>
+        </p:spPr>
+        <p:txBody>
+          <a:bodyPr vert="horz" lIns="91440" tIns="45720" rIns="91440" bIns="45720" rtlCol="0">
+            <a:normAutofit/>
+          </a:bodyPr>
+          <a:lstStyle>
+            <a:lvl1pPr marL="228600" indent="-228600" algn="l" defTabSz="914400" rtl="0" eaLnBrk="1" latinLnBrk="0" hangingPunct="1">
+              <a:lnSpc>
+                <a:spcPct val="90000"/>
+              </a:lnSpc>
+              <a:spcBef>
+                <a:spcPts val="1000"/>
+              </a:spcBef>
+              <a:buFont typeface="Arial" panose="020B0604020202020204" pitchFamily="34" charset="0"/>
+              <a:buChar char="•"/>
+              <a:defRPr sz="2800" kern="1200">
+                <a:solidFill>
+                  <a:schemeClr val="tx1"/>
+                </a:solidFill>
+                <a:latin typeface="+mn-lt"/>
+                <a:ea typeface="+mn-ea"/>
+                <a:cs typeface="+mn-cs"/>
+              </a:defRPr>
+            </a:lvl1pPr>
+            <a:lvl2pPr marL="685800" indent="-228600" algn="l" defTabSz="914400" rtl="0" eaLnBrk="1" latinLnBrk="0" hangingPunct="1">
+              <a:lnSpc>
+                <a:spcPct val="90000"/>
+              </a:lnSpc>
+              <a:spcBef>
+                <a:spcPts val="500"/>
+              </a:spcBef>
+              <a:buFont typeface="Arial" panose="020B0604020202020204" pitchFamily="34" charset="0"/>
+              <a:buChar char="•"/>
+              <a:defRPr sz="2400" kern="1200">
+                <a:solidFill>
+                  <a:schemeClr val="tx1"/>
+                </a:solidFill>
+                <a:latin typeface="+mn-lt"/>
+                <a:ea typeface="+mn-ea"/>
+                <a:cs typeface="+mn-cs"/>
+              </a:defRPr>
+            </a:lvl2pPr>
+            <a:lvl3pPr marL="1143000" indent="-228600" algn="l" defTabSz="914400" rtl="0" eaLnBrk="1" latinLnBrk="0" hangingPunct="1">
+              <a:lnSpc>
+                <a:spcPct val="90000"/>
+              </a:lnSpc>
+              <a:spcBef>
+                <a:spcPts val="500"/>
+              </a:spcBef>
+              <a:buFont typeface="Arial" panose="020B0604020202020204" pitchFamily="34" charset="0"/>
+              <a:buChar char="•"/>
+              <a:defRPr sz="2000" kern="1200">
+                <a:solidFill>
+                  <a:schemeClr val="tx1"/>
+                </a:solidFill>
+                <a:latin typeface="+mn-lt"/>
+                <a:ea typeface="+mn-ea"/>
+                <a:cs typeface="+mn-cs"/>
+              </a:defRPr>
+            </a:lvl3pPr>
+            <a:lvl4pPr marL="1600200" indent="-228600" algn="l" defTabSz="914400" rtl="0" eaLnBrk="1" latinLnBrk="0" hangingPunct="1">
+              <a:lnSpc>
+                <a:spcPct val="90000"/>
+              </a:lnSpc>
+              <a:spcBef>
+                <a:spcPts val="500"/>
+              </a:spcBef>
+              <a:buFont typeface="Arial" panose="020B0604020202020204" pitchFamily="34" charset="0"/>
+              <a:buChar char="•"/>
+              <a:defRPr sz="1800" kern="1200">
+                <a:solidFill>
+                  <a:schemeClr val="tx1"/>
+                </a:solidFill>
+                <a:latin typeface="+mn-lt"/>
+                <a:ea typeface="+mn-ea"/>
+                <a:cs typeface="+mn-cs"/>
+              </a:defRPr>
+            </a:lvl4pPr>
+            <a:lvl5pPr marL="2057400" indent="-228600" algn="l" defTabSz="914400" rtl="0" eaLnBrk="1" latinLnBrk="0" hangingPunct="1">
+              <a:lnSpc>
+                <a:spcPct val="90000"/>
+              </a:lnSpc>
+              <a:spcBef>
+                <a:spcPts val="500"/>
+              </a:spcBef>
+              <a:buFont typeface="Arial" panose="020B0604020202020204" pitchFamily="34" charset="0"/>
+              <a:buChar char="•"/>
+              <a:defRPr sz="1800" kern="1200">
+                <a:solidFill>
+                  <a:schemeClr val="tx1"/>
+                </a:solidFill>
+                <a:latin typeface="+mn-lt"/>
+                <a:ea typeface="+mn-ea"/>
+                <a:cs typeface="+mn-cs"/>
+              </a:defRPr>
+            </a:lvl5pPr>
+            <a:lvl6pPr marL="2514600" indent="-228600" algn="l" defTabSz="914400" rtl="0" eaLnBrk="1" latinLnBrk="0" hangingPunct="1">
+              <a:lnSpc>
+                <a:spcPct val="90000"/>
+              </a:lnSpc>
+              <a:spcBef>
+                <a:spcPts val="500"/>
+              </a:spcBef>
+              <a:buFont typeface="Arial" panose="020B0604020202020204" pitchFamily="34" charset="0"/>
+              <a:buChar char="•"/>
+              <a:defRPr sz="1800" kern="1200">
+                <a:solidFill>
+                  <a:schemeClr val="tx1"/>
+                </a:solidFill>
+                <a:latin typeface="+mn-lt"/>
+                <a:ea typeface="+mn-ea"/>
+                <a:cs typeface="+mn-cs"/>
+              </a:defRPr>
+            </a:lvl6pPr>
+            <a:lvl7pPr marL="2971800" indent="-228600" algn="l" defTabSz="914400" rtl="0" eaLnBrk="1" latinLnBrk="0" hangingPunct="1">
+              <a:lnSpc>
+                <a:spcPct val="90000"/>
+              </a:lnSpc>
+              <a:spcBef>
+                <a:spcPts val="500"/>
+              </a:spcBef>
+              <a:buFont typeface="Arial" panose="020B0604020202020204" pitchFamily="34" charset="0"/>
+              <a:buChar char="•"/>
+              <a:defRPr sz="1800" kern="1200">
+                <a:solidFill>
+                  <a:schemeClr val="tx1"/>
+                </a:solidFill>
+                <a:latin typeface="+mn-lt"/>
+                <a:ea typeface="+mn-ea"/>
+                <a:cs typeface="+mn-cs"/>
+              </a:defRPr>
+            </a:lvl7pPr>
+            <a:lvl8pPr marL="3429000" indent="-228600" algn="l" defTabSz="914400" rtl="0" eaLnBrk="1" latinLnBrk="0" hangingPunct="1">
+              <a:lnSpc>
+                <a:spcPct val="90000"/>
+              </a:lnSpc>
+              <a:spcBef>
+                <a:spcPts val="500"/>
+              </a:spcBef>
+              <a:buFont typeface="Arial" panose="020B0604020202020204" pitchFamily="34" charset="0"/>
+              <a:buChar char="•"/>
+              <a:defRPr sz="1800" kern="1200">
+                <a:solidFill>
+                  <a:schemeClr val="tx1"/>
+                </a:solidFill>
+                <a:latin typeface="+mn-lt"/>
+                <a:ea typeface="+mn-ea"/>
+                <a:cs typeface="+mn-cs"/>
+              </a:defRPr>
+            </a:lvl8pPr>
+            <a:lvl9pPr marL="3886200" indent="-228600" algn="l" defTabSz="914400" rtl="0" eaLnBrk="1" latinLnBrk="0" hangingPunct="1">
+              <a:lnSpc>
+                <a:spcPct val="90000"/>
+              </a:lnSpc>
+              <a:spcBef>
+                <a:spcPts val="500"/>
+              </a:spcBef>
+              <a:buFont typeface="Arial" panose="020B0604020202020204" pitchFamily="34" charset="0"/>
+              <a:buChar char="•"/>
+              <a:defRPr sz="1800" kern="1200">
+                <a:solidFill>
+                  <a:schemeClr val="tx1"/>
+                </a:solidFill>
+                <a:latin typeface="+mn-lt"/>
+                <a:ea typeface="+mn-ea"/>
+                <a:cs typeface="+mn-cs"/>
+              </a:defRPr>
+            </a:lvl9pPr>
+          </a:lstStyle>
+          <a:p>
+            <a:pPr marL="0" indent="0">
+              <a:buNone/>
+            </a:pPr>
+            <a:r>
+              <a:rPr lang="en-DK" sz="2400" dirty="0"/>
+              <a:t>Use the softmax function to ensure probabilities sum to one</a:t>
+            </a:r>
+          </a:p>
+        </p:txBody>
+      </p:sp>
+      <p:cxnSp>
+        <p:nvCxnSpPr>
+          <p:cNvPr id="34" name="Straight Arrow Connector 33">
+            <a:extLst>
+              <a:ext uri="{FF2B5EF4-FFF2-40B4-BE49-F238E27FC236}">
+                <a16:creationId xmlns:a16="http://schemas.microsoft.com/office/drawing/2014/main" id="{47331CEB-7D64-CA5E-FE6B-C6E68A6BB879}"/>
+              </a:ext>
+            </a:extLst>
+          </p:cNvPr>
+          <p:cNvCxnSpPr>
+            <a:cxnSpLocks/>
+          </p:cNvCxnSpPr>
+          <p:nvPr/>
+        </p:nvCxnSpPr>
+        <p:spPr>
+          <a:xfrm>
+            <a:off x="5424341" y="3112265"/>
+            <a:ext cx="608159" cy="0"/>
+          </a:xfrm>
+          <a:prstGeom prst="straightConnector1">
+            <a:avLst/>
+          </a:prstGeom>
+          <a:ln w="38100">
+            <a:tailEnd type="triangle"/>
+          </a:ln>
+        </p:spPr>
+        <p:style>
+          <a:lnRef idx="1">
+            <a:schemeClr val="accent1"/>
+          </a:lnRef>
+          <a:fillRef idx="0">
+            <a:schemeClr val="accent1"/>
+          </a:fillRef>
+          <a:effectRef idx="0">
+            <a:schemeClr val="accent1"/>
+          </a:effectRef>
+          <a:fontRef idx="minor">
+            <a:schemeClr val="tx1"/>
+          </a:fontRef>
+        </p:style>
+      </p:cxnSp>
+      <mc:AlternateContent xmlns:mc="http://schemas.openxmlformats.org/markup-compatibility/2006" xmlns:a14="http://schemas.microsoft.com/office/drawing/2010/main">
+        <mc:Choice Requires="a14">
+          <p:sp>
+            <p:nvSpPr>
+              <p:cNvPr id="38" name="TextBox 37">
+                <a:extLst>
+                  <a:ext uri="{FF2B5EF4-FFF2-40B4-BE49-F238E27FC236}">
+                    <a16:creationId xmlns:a16="http://schemas.microsoft.com/office/drawing/2014/main" id="{3C276BA1-8E3C-6A1F-CBFA-88C72450B291}"/>
+                  </a:ext>
+                </a:extLst>
+              </p:cNvPr>
+              <p:cNvSpPr txBox="1"/>
+              <p:nvPr/>
+            </p:nvSpPr>
+            <p:spPr>
+              <a:xfrm>
+                <a:off x="5516232" y="2678127"/>
+                <a:ext cx="482600" cy="461665"/>
+              </a:xfrm>
+              <a:prstGeom prst="rect">
+                <a:avLst/>
+              </a:prstGeom>
+              <a:noFill/>
+            </p:spPr>
+            <p:txBody>
+              <a:bodyPr wrap="square">
+                <a:spAutoFit/>
+              </a:bodyPr>
+              <a:lstStyle/>
+              <a:p>
+                <a14:m>
+                  <m:oMath xmlns:m="http://schemas.openxmlformats.org/officeDocument/2006/math">
+                    <m:sSub>
+                      <m:sSubPr>
+                        <m:ctrlPr>
+                          <a:rPr lang="da-DK" sz="2400" i="1" smtClean="0">
+                            <a:latin typeface="Cambria Math" panose="02040503050406030204" pitchFamily="18" charset="0"/>
+                          </a:rPr>
+                        </m:ctrlPr>
+                      </m:sSubPr>
+                      <m:e>
+                        <m:r>
+                          <a:rPr lang="da-DK" sz="2400" b="0" i="1" smtClean="0">
+                            <a:latin typeface="Cambria Math" panose="02040503050406030204" pitchFamily="18" charset="0"/>
+                          </a:rPr>
+                          <m:t>h</m:t>
+                        </m:r>
+                      </m:e>
+                      <m:sub>
+                        <m:r>
+                          <a:rPr lang="da-DK" sz="2400" b="0" i="1" smtClean="0">
+                            <a:latin typeface="Cambria Math" panose="02040503050406030204" pitchFamily="18" charset="0"/>
+                          </a:rPr>
+                          <m:t>1</m:t>
+                        </m:r>
+                      </m:sub>
+                    </m:sSub>
+                  </m:oMath>
+                </a14:m>
+                <a:r>
+                  <a:rPr lang="en-DK" sz="2400" dirty="0"/>
+                  <a:t> </a:t>
+                </a:r>
+              </a:p>
+            </p:txBody>
+          </p:sp>
+        </mc:Choice>
+        <mc:Fallback xmlns="">
+          <p:sp>
+            <p:nvSpPr>
+              <p:cNvPr id="38" name="TextBox 37">
+                <a:extLst>
+                  <a:ext uri="{FF2B5EF4-FFF2-40B4-BE49-F238E27FC236}">
+                    <a16:creationId xmlns:a16="http://schemas.microsoft.com/office/drawing/2014/main" id="{3C276BA1-8E3C-6A1F-CBFA-88C72450B291}"/>
+                  </a:ext>
+                </a:extLst>
+              </p:cNvPr>
+              <p:cNvSpPr txBox="1">
+                <a:spLocks noRot="1" noChangeAspect="1" noMove="1" noResize="1" noEditPoints="1" noAdjustHandles="1" noChangeArrowheads="1" noChangeShapeType="1" noTextEdit="1"/>
+              </p:cNvSpPr>
+              <p:nvPr/>
+            </p:nvSpPr>
+            <p:spPr>
+              <a:xfrm>
+                <a:off x="5516232" y="2678127"/>
+                <a:ext cx="482600" cy="461665"/>
+              </a:xfrm>
+              <a:prstGeom prst="rect">
+                <a:avLst/>
+              </a:prstGeom>
+              <a:blipFill>
+                <a:blip r:embed="rId5"/>
+                <a:stretch>
+                  <a:fillRect l="-5128" b="-2632"/>
+                </a:stretch>
+              </a:blipFill>
+            </p:spPr>
+            <p:txBody>
+              <a:bodyPr/>
+              <a:lstStyle/>
+              <a:p>
+                <a:r>
+                  <a:rPr lang="en-DK">
+                    <a:noFill/>
+                  </a:rPr>
+                  <a:t> </a:t>
+                </a:r>
+              </a:p>
+            </p:txBody>
+          </p:sp>
+        </mc:Fallback>
+      </mc:AlternateContent>
+      <mc:AlternateContent xmlns:mc="http://schemas.openxmlformats.org/markup-compatibility/2006" xmlns:a14="http://schemas.microsoft.com/office/drawing/2010/main">
+        <mc:Choice Requires="a14">
+          <p:sp>
+            <p:nvSpPr>
+              <p:cNvPr id="40" name="TextBox 39">
+                <a:extLst>
+                  <a:ext uri="{FF2B5EF4-FFF2-40B4-BE49-F238E27FC236}">
+                    <a16:creationId xmlns:a16="http://schemas.microsoft.com/office/drawing/2014/main" id="{851A3701-EA07-4894-CCF1-9F88702F1254}"/>
+                  </a:ext>
+                </a:extLst>
+              </p:cNvPr>
+              <p:cNvSpPr txBox="1"/>
+              <p:nvPr/>
+            </p:nvSpPr>
+            <p:spPr>
+              <a:xfrm>
+                <a:off x="6019800" y="2850389"/>
+                <a:ext cx="511646" cy="461665"/>
+              </a:xfrm>
+              <a:prstGeom prst="rect">
+                <a:avLst/>
+              </a:prstGeom>
+              <a:noFill/>
+            </p:spPr>
+            <p:txBody>
+              <a:bodyPr wrap="square">
+                <a:spAutoFit/>
+              </a:bodyPr>
+              <a:lstStyle/>
+              <a:p>
+                <a:pPr/>
+                <a14:m>
+                  <m:oMathPara xmlns:m="http://schemas.openxmlformats.org/officeDocument/2006/math">
+                    <m:oMathParaPr>
+                      <m:jc m:val="left"/>
+                    </m:oMathParaPr>
+                    <m:oMath xmlns:m="http://schemas.openxmlformats.org/officeDocument/2006/math">
+                      <m:sSub>
+                        <m:sSubPr>
+                          <m:ctrlPr>
+                            <a:rPr lang="da-DK" sz="2400" i="1" smtClean="0">
+                              <a:latin typeface="Cambria Math" panose="02040503050406030204" pitchFamily="18" charset="0"/>
+                            </a:rPr>
+                          </m:ctrlPr>
+                        </m:sSubPr>
+                        <m:e>
+                          <m:r>
+                            <a:rPr lang="da-DK" sz="2400" b="0" i="1" smtClean="0">
+                              <a:latin typeface="Cambria Math" panose="02040503050406030204" pitchFamily="18" charset="0"/>
+                            </a:rPr>
+                            <m:t>𝑦</m:t>
+                          </m:r>
+                        </m:e>
+                        <m:sub>
+                          <m:r>
+                            <a:rPr lang="da-DK" sz="2400" i="1">
+                              <a:latin typeface="Cambria Math" panose="02040503050406030204" pitchFamily="18" charset="0"/>
+                            </a:rPr>
+                            <m:t>1</m:t>
+                          </m:r>
+                        </m:sub>
+                      </m:sSub>
+                    </m:oMath>
+                  </m:oMathPara>
+                </a14:m>
+                <a:endParaRPr lang="en-DK" sz="2400" dirty="0"/>
+              </a:p>
+            </p:txBody>
+          </p:sp>
+        </mc:Choice>
+        <mc:Fallback xmlns="">
+          <p:sp>
+            <p:nvSpPr>
+              <p:cNvPr id="40" name="TextBox 39">
+                <a:extLst>
+                  <a:ext uri="{FF2B5EF4-FFF2-40B4-BE49-F238E27FC236}">
+                    <a16:creationId xmlns:a16="http://schemas.microsoft.com/office/drawing/2014/main" id="{851A3701-EA07-4894-CCF1-9F88702F1254}"/>
+                  </a:ext>
+                </a:extLst>
+              </p:cNvPr>
+              <p:cNvSpPr txBox="1">
+                <a:spLocks noRot="1" noChangeAspect="1" noMove="1" noResize="1" noEditPoints="1" noAdjustHandles="1" noChangeArrowheads="1" noChangeShapeType="1" noTextEdit="1"/>
+              </p:cNvSpPr>
+              <p:nvPr/>
+            </p:nvSpPr>
+            <p:spPr>
+              <a:xfrm>
+                <a:off x="6019800" y="2850389"/>
+                <a:ext cx="511646" cy="461665"/>
+              </a:xfrm>
+              <a:prstGeom prst="rect">
+                <a:avLst/>
+              </a:prstGeom>
+              <a:blipFill>
+                <a:blip r:embed="rId6"/>
+                <a:stretch>
+                  <a:fillRect l="-4878" b="-10811"/>
+                </a:stretch>
+              </a:blipFill>
+            </p:spPr>
+            <p:txBody>
+              <a:bodyPr/>
+              <a:lstStyle/>
+              <a:p>
+                <a:r>
+                  <a:rPr lang="en-DK">
+                    <a:noFill/>
+                  </a:rPr>
+                  <a:t> </a:t>
+                </a:r>
+              </a:p>
+            </p:txBody>
+          </p:sp>
+        </mc:Fallback>
+      </mc:AlternateContent>
+      <p:cxnSp>
+        <p:nvCxnSpPr>
+          <p:cNvPr id="49" name="Straight Arrow Connector 48">
+            <a:extLst>
+              <a:ext uri="{FF2B5EF4-FFF2-40B4-BE49-F238E27FC236}">
+                <a16:creationId xmlns:a16="http://schemas.microsoft.com/office/drawing/2014/main" id="{7616A893-146A-3EC9-7EA8-07BD3C85C741}"/>
+              </a:ext>
+            </a:extLst>
+          </p:cNvPr>
+          <p:cNvCxnSpPr>
+            <a:cxnSpLocks/>
+          </p:cNvCxnSpPr>
+          <p:nvPr/>
+        </p:nvCxnSpPr>
+        <p:spPr>
+          <a:xfrm>
+            <a:off x="5424341" y="3759965"/>
+            <a:ext cx="608159" cy="0"/>
+          </a:xfrm>
+          <a:prstGeom prst="straightConnector1">
+            <a:avLst/>
+          </a:prstGeom>
+          <a:ln w="38100">
+            <a:tailEnd type="triangle"/>
+          </a:ln>
+        </p:spPr>
+        <p:style>
+          <a:lnRef idx="1">
+            <a:schemeClr val="accent1"/>
+          </a:lnRef>
+          <a:fillRef idx="0">
+            <a:schemeClr val="accent1"/>
+          </a:fillRef>
+          <a:effectRef idx="0">
+            <a:schemeClr val="accent1"/>
+          </a:effectRef>
+          <a:fontRef idx="minor">
+            <a:schemeClr val="tx1"/>
+          </a:fontRef>
+        </p:style>
+      </p:cxnSp>
+      <mc:AlternateContent xmlns:mc="http://schemas.openxmlformats.org/markup-compatibility/2006" xmlns:a14="http://schemas.microsoft.com/office/drawing/2010/main">
+        <mc:Choice Requires="a14">
+          <p:sp>
+            <p:nvSpPr>
+              <p:cNvPr id="50" name="TextBox 49">
+                <a:extLst>
+                  <a:ext uri="{FF2B5EF4-FFF2-40B4-BE49-F238E27FC236}">
+                    <a16:creationId xmlns:a16="http://schemas.microsoft.com/office/drawing/2014/main" id="{A60D3220-DFE5-5595-762F-FE3CD2B5830A}"/>
+                  </a:ext>
+                </a:extLst>
+              </p:cNvPr>
+              <p:cNvSpPr txBox="1"/>
+              <p:nvPr/>
+            </p:nvSpPr>
+            <p:spPr>
+              <a:xfrm>
+                <a:off x="5516232" y="3325827"/>
+                <a:ext cx="482600" cy="461665"/>
+              </a:xfrm>
+              <a:prstGeom prst="rect">
+                <a:avLst/>
+              </a:prstGeom>
+              <a:noFill/>
+            </p:spPr>
+            <p:txBody>
+              <a:bodyPr wrap="square">
+                <a:spAutoFit/>
+              </a:bodyPr>
+              <a:lstStyle/>
+              <a:p>
+                <a14:m>
+                  <m:oMath xmlns:m="http://schemas.openxmlformats.org/officeDocument/2006/math">
+                    <m:sSub>
+                      <m:sSubPr>
+                        <m:ctrlPr>
+                          <a:rPr lang="da-DK" sz="2400" i="1" smtClean="0">
+                            <a:latin typeface="Cambria Math" panose="02040503050406030204" pitchFamily="18" charset="0"/>
+                          </a:rPr>
+                        </m:ctrlPr>
+                      </m:sSubPr>
+                      <m:e>
+                        <m:r>
+                          <a:rPr lang="da-DK" sz="2400" b="0" i="1" smtClean="0">
+                            <a:latin typeface="Cambria Math" panose="02040503050406030204" pitchFamily="18" charset="0"/>
+                          </a:rPr>
+                          <m:t>h</m:t>
+                        </m:r>
+                      </m:e>
+                      <m:sub>
+                        <m:r>
+                          <a:rPr lang="da-DK" sz="2400" b="0" i="1" smtClean="0">
+                            <a:latin typeface="Cambria Math" panose="02040503050406030204" pitchFamily="18" charset="0"/>
+                          </a:rPr>
+                          <m:t>2</m:t>
+                        </m:r>
+                      </m:sub>
+                    </m:sSub>
+                  </m:oMath>
+                </a14:m>
+                <a:r>
+                  <a:rPr lang="en-DK" sz="2400" dirty="0"/>
+                  <a:t> </a:t>
+                </a:r>
+              </a:p>
+            </p:txBody>
+          </p:sp>
+        </mc:Choice>
+        <mc:Fallback xmlns="">
+          <p:sp>
+            <p:nvSpPr>
+              <p:cNvPr id="50" name="TextBox 49">
+                <a:extLst>
+                  <a:ext uri="{FF2B5EF4-FFF2-40B4-BE49-F238E27FC236}">
+                    <a16:creationId xmlns:a16="http://schemas.microsoft.com/office/drawing/2014/main" id="{A60D3220-DFE5-5595-762F-FE3CD2B5830A}"/>
+                  </a:ext>
+                </a:extLst>
+              </p:cNvPr>
+              <p:cNvSpPr txBox="1">
+                <a:spLocks noRot="1" noChangeAspect="1" noMove="1" noResize="1" noEditPoints="1" noAdjustHandles="1" noChangeArrowheads="1" noChangeShapeType="1" noTextEdit="1"/>
+              </p:cNvSpPr>
+              <p:nvPr/>
+            </p:nvSpPr>
+            <p:spPr>
+              <a:xfrm>
+                <a:off x="5516232" y="3325827"/>
+                <a:ext cx="482600" cy="461665"/>
+              </a:xfrm>
+              <a:prstGeom prst="rect">
+                <a:avLst/>
+              </a:prstGeom>
+              <a:blipFill>
+                <a:blip r:embed="rId7"/>
+                <a:stretch>
+                  <a:fillRect l="-5128" b="-2703"/>
+                </a:stretch>
+              </a:blipFill>
+            </p:spPr>
+            <p:txBody>
+              <a:bodyPr/>
+              <a:lstStyle/>
+              <a:p>
+                <a:r>
+                  <a:rPr lang="en-DK">
+                    <a:noFill/>
+                  </a:rPr>
+                  <a:t> </a:t>
+                </a:r>
+              </a:p>
+            </p:txBody>
+          </p:sp>
+        </mc:Fallback>
+      </mc:AlternateContent>
+      <mc:AlternateContent xmlns:mc="http://schemas.openxmlformats.org/markup-compatibility/2006" xmlns:a14="http://schemas.microsoft.com/office/drawing/2010/main">
+        <mc:Choice Requires="a14">
+          <p:sp>
+            <p:nvSpPr>
+              <p:cNvPr id="51" name="TextBox 50">
+                <a:extLst>
+                  <a:ext uri="{FF2B5EF4-FFF2-40B4-BE49-F238E27FC236}">
+                    <a16:creationId xmlns:a16="http://schemas.microsoft.com/office/drawing/2014/main" id="{22FCFFCB-5F92-3BBC-C042-7D7C85199AAC}"/>
+                  </a:ext>
+                </a:extLst>
+              </p:cNvPr>
+              <p:cNvSpPr txBox="1"/>
+              <p:nvPr/>
+            </p:nvSpPr>
+            <p:spPr>
+              <a:xfrm>
+                <a:off x="6019800" y="3498089"/>
+                <a:ext cx="511646" cy="461665"/>
+              </a:xfrm>
+              <a:prstGeom prst="rect">
+                <a:avLst/>
+              </a:prstGeom>
+              <a:noFill/>
+            </p:spPr>
+            <p:txBody>
+              <a:bodyPr wrap="square">
+                <a:spAutoFit/>
+              </a:bodyPr>
+              <a:lstStyle/>
+              <a:p>
+                <a:pPr/>
+                <a14:m>
+                  <m:oMathPara xmlns:m="http://schemas.openxmlformats.org/officeDocument/2006/math">
+                    <m:oMathParaPr>
+                      <m:jc m:val="left"/>
+                    </m:oMathParaPr>
+                    <m:oMath xmlns:m="http://schemas.openxmlformats.org/officeDocument/2006/math">
+                      <m:sSub>
+                        <m:sSubPr>
+                          <m:ctrlPr>
+                            <a:rPr lang="da-DK" sz="2400" i="1" smtClean="0">
+                              <a:latin typeface="Cambria Math" panose="02040503050406030204" pitchFamily="18" charset="0"/>
+                            </a:rPr>
+                          </m:ctrlPr>
+                        </m:sSubPr>
+                        <m:e>
+                          <m:r>
+                            <a:rPr lang="da-DK" sz="2400" b="0" i="1" smtClean="0">
+                              <a:latin typeface="Cambria Math" panose="02040503050406030204" pitchFamily="18" charset="0"/>
+                            </a:rPr>
+                            <m:t>𝑦</m:t>
+                          </m:r>
+                        </m:e>
+                        <m:sub>
+                          <m:r>
+                            <a:rPr lang="da-DK" sz="2400" b="0" i="1" smtClean="0">
+                              <a:latin typeface="Cambria Math" panose="02040503050406030204" pitchFamily="18" charset="0"/>
+                            </a:rPr>
+                            <m:t>2</m:t>
+                          </m:r>
+                        </m:sub>
+                      </m:sSub>
+                    </m:oMath>
+                  </m:oMathPara>
+                </a14:m>
+                <a:endParaRPr lang="en-DK" sz="2400" dirty="0"/>
+              </a:p>
+            </p:txBody>
+          </p:sp>
+        </mc:Choice>
+        <mc:Fallback xmlns="">
+          <p:sp>
+            <p:nvSpPr>
+              <p:cNvPr id="51" name="TextBox 50">
+                <a:extLst>
+                  <a:ext uri="{FF2B5EF4-FFF2-40B4-BE49-F238E27FC236}">
+                    <a16:creationId xmlns:a16="http://schemas.microsoft.com/office/drawing/2014/main" id="{22FCFFCB-5F92-3BBC-C042-7D7C85199AAC}"/>
+                  </a:ext>
+                </a:extLst>
+              </p:cNvPr>
+              <p:cNvSpPr txBox="1">
+                <a:spLocks noRot="1" noChangeAspect="1" noMove="1" noResize="1" noEditPoints="1" noAdjustHandles="1" noChangeArrowheads="1" noChangeShapeType="1" noTextEdit="1"/>
+              </p:cNvSpPr>
+              <p:nvPr/>
+            </p:nvSpPr>
+            <p:spPr>
+              <a:xfrm>
+                <a:off x="6019800" y="3498089"/>
+                <a:ext cx="511646" cy="461665"/>
+              </a:xfrm>
+              <a:prstGeom prst="rect">
+                <a:avLst/>
+              </a:prstGeom>
+              <a:blipFill>
+                <a:blip r:embed="rId8"/>
+                <a:stretch>
+                  <a:fillRect l="-4878" b="-10811"/>
+                </a:stretch>
+              </a:blipFill>
+            </p:spPr>
+            <p:txBody>
+              <a:bodyPr/>
+              <a:lstStyle/>
+              <a:p>
+                <a:r>
+                  <a:rPr lang="en-DK">
+                    <a:noFill/>
+                  </a:rPr>
+                  <a:t> </a:t>
+                </a:r>
+              </a:p>
+            </p:txBody>
+          </p:sp>
+        </mc:Fallback>
+      </mc:AlternateContent>
+      <p:cxnSp>
+        <p:nvCxnSpPr>
+          <p:cNvPr id="52" name="Straight Arrow Connector 51">
+            <a:extLst>
+              <a:ext uri="{FF2B5EF4-FFF2-40B4-BE49-F238E27FC236}">
+                <a16:creationId xmlns:a16="http://schemas.microsoft.com/office/drawing/2014/main" id="{9B8A988E-F70D-84EC-A85D-2999E76D11A9}"/>
+              </a:ext>
+            </a:extLst>
+          </p:cNvPr>
+          <p:cNvCxnSpPr>
+            <a:cxnSpLocks/>
+          </p:cNvCxnSpPr>
+          <p:nvPr/>
+        </p:nvCxnSpPr>
+        <p:spPr>
+          <a:xfrm>
+            <a:off x="5424341" y="4433065"/>
+            <a:ext cx="608159" cy="0"/>
+          </a:xfrm>
+          <a:prstGeom prst="straightConnector1">
+            <a:avLst/>
+          </a:prstGeom>
+          <a:ln w="38100">
+            <a:tailEnd type="triangle"/>
+          </a:ln>
+        </p:spPr>
+        <p:style>
+          <a:lnRef idx="1">
+            <a:schemeClr val="accent1"/>
+          </a:lnRef>
+          <a:fillRef idx="0">
+            <a:schemeClr val="accent1"/>
+          </a:fillRef>
+          <a:effectRef idx="0">
+            <a:schemeClr val="accent1"/>
+          </a:effectRef>
+          <a:fontRef idx="minor">
+            <a:schemeClr val="tx1"/>
+          </a:fontRef>
+        </p:style>
+      </p:cxnSp>
+      <mc:AlternateContent xmlns:mc="http://schemas.openxmlformats.org/markup-compatibility/2006" xmlns:a14="http://schemas.microsoft.com/office/drawing/2010/main">
+        <mc:Choice Requires="a14">
+          <p:sp>
+            <p:nvSpPr>
+              <p:cNvPr id="53" name="TextBox 52">
+                <a:extLst>
+                  <a:ext uri="{FF2B5EF4-FFF2-40B4-BE49-F238E27FC236}">
+                    <a16:creationId xmlns:a16="http://schemas.microsoft.com/office/drawing/2014/main" id="{217698CE-DA1A-6A11-4E7E-80AEBED9525E}"/>
+                  </a:ext>
+                </a:extLst>
+              </p:cNvPr>
+              <p:cNvSpPr txBox="1"/>
+              <p:nvPr/>
+            </p:nvSpPr>
+            <p:spPr>
+              <a:xfrm>
+                <a:off x="5516232" y="3998927"/>
+                <a:ext cx="482600" cy="461665"/>
+              </a:xfrm>
+              <a:prstGeom prst="rect">
+                <a:avLst/>
+              </a:prstGeom>
+              <a:noFill/>
+            </p:spPr>
+            <p:txBody>
+              <a:bodyPr wrap="square">
+                <a:spAutoFit/>
+              </a:bodyPr>
+              <a:lstStyle/>
+              <a:p>
+                <a14:m>
+                  <m:oMath xmlns:m="http://schemas.openxmlformats.org/officeDocument/2006/math">
+                    <m:sSub>
+                      <m:sSubPr>
+                        <m:ctrlPr>
+                          <a:rPr lang="da-DK" sz="2400" i="1" smtClean="0">
+                            <a:latin typeface="Cambria Math" panose="02040503050406030204" pitchFamily="18" charset="0"/>
+                          </a:rPr>
+                        </m:ctrlPr>
+                      </m:sSubPr>
+                      <m:e>
+                        <m:r>
+                          <a:rPr lang="da-DK" sz="2400" b="0" i="1" smtClean="0">
+                            <a:latin typeface="Cambria Math" panose="02040503050406030204" pitchFamily="18" charset="0"/>
+                          </a:rPr>
+                          <m:t>h</m:t>
+                        </m:r>
+                      </m:e>
+                      <m:sub>
+                        <m:r>
+                          <a:rPr lang="da-DK" sz="2400" b="0" i="1" smtClean="0">
+                            <a:latin typeface="Cambria Math" panose="02040503050406030204" pitchFamily="18" charset="0"/>
+                          </a:rPr>
+                          <m:t>3</m:t>
+                        </m:r>
+                      </m:sub>
+                    </m:sSub>
+                  </m:oMath>
+                </a14:m>
+                <a:r>
+                  <a:rPr lang="en-DK" sz="2400" dirty="0"/>
+                  <a:t> </a:t>
+                </a:r>
+              </a:p>
+            </p:txBody>
+          </p:sp>
+        </mc:Choice>
+        <mc:Fallback xmlns="">
+          <p:sp>
+            <p:nvSpPr>
+              <p:cNvPr id="53" name="TextBox 52">
+                <a:extLst>
+                  <a:ext uri="{FF2B5EF4-FFF2-40B4-BE49-F238E27FC236}">
+                    <a16:creationId xmlns:a16="http://schemas.microsoft.com/office/drawing/2014/main" id="{217698CE-DA1A-6A11-4E7E-80AEBED9525E}"/>
+                  </a:ext>
+                </a:extLst>
+              </p:cNvPr>
+              <p:cNvSpPr txBox="1">
+                <a:spLocks noRot="1" noChangeAspect="1" noMove="1" noResize="1" noEditPoints="1" noAdjustHandles="1" noChangeArrowheads="1" noChangeShapeType="1" noTextEdit="1"/>
+              </p:cNvSpPr>
+              <p:nvPr/>
+            </p:nvSpPr>
+            <p:spPr>
+              <a:xfrm>
+                <a:off x="5516232" y="3998927"/>
+                <a:ext cx="482600" cy="461665"/>
+              </a:xfrm>
+              <a:prstGeom prst="rect">
+                <a:avLst/>
+              </a:prstGeom>
+              <a:blipFill>
+                <a:blip r:embed="rId9"/>
+                <a:stretch>
+                  <a:fillRect l="-5128" b="-2632"/>
+                </a:stretch>
+              </a:blipFill>
+            </p:spPr>
+            <p:txBody>
+              <a:bodyPr/>
+              <a:lstStyle/>
+              <a:p>
+                <a:r>
+                  <a:rPr lang="en-DK">
+                    <a:noFill/>
+                  </a:rPr>
+                  <a:t> </a:t>
+                </a:r>
+              </a:p>
+            </p:txBody>
+          </p:sp>
+        </mc:Fallback>
+      </mc:AlternateContent>
+      <mc:AlternateContent xmlns:mc="http://schemas.openxmlformats.org/markup-compatibility/2006" xmlns:a14="http://schemas.microsoft.com/office/drawing/2010/main">
+        <mc:Choice Requires="a14">
+          <p:sp>
+            <p:nvSpPr>
+              <p:cNvPr id="54" name="TextBox 53">
+                <a:extLst>
+                  <a:ext uri="{FF2B5EF4-FFF2-40B4-BE49-F238E27FC236}">
+                    <a16:creationId xmlns:a16="http://schemas.microsoft.com/office/drawing/2014/main" id="{0D0C7E92-CDEA-B3D8-CF1F-39EDEDA267DF}"/>
+                  </a:ext>
+                </a:extLst>
+              </p:cNvPr>
+              <p:cNvSpPr txBox="1"/>
+              <p:nvPr/>
+            </p:nvSpPr>
+            <p:spPr>
+              <a:xfrm>
+                <a:off x="6019800" y="4171189"/>
+                <a:ext cx="511646" cy="461665"/>
+              </a:xfrm>
+              <a:prstGeom prst="rect">
+                <a:avLst/>
+              </a:prstGeom>
+              <a:noFill/>
+            </p:spPr>
+            <p:txBody>
+              <a:bodyPr wrap="square">
+                <a:spAutoFit/>
+              </a:bodyPr>
+              <a:lstStyle/>
+              <a:p>
+                <a:pPr/>
+                <a14:m>
+                  <m:oMathPara xmlns:m="http://schemas.openxmlformats.org/officeDocument/2006/math">
+                    <m:oMathParaPr>
+                      <m:jc m:val="left"/>
+                    </m:oMathParaPr>
+                    <m:oMath xmlns:m="http://schemas.openxmlformats.org/officeDocument/2006/math">
+                      <m:sSub>
+                        <m:sSubPr>
+                          <m:ctrlPr>
+                            <a:rPr lang="da-DK" sz="2400" i="1" smtClean="0">
+                              <a:latin typeface="Cambria Math" panose="02040503050406030204" pitchFamily="18" charset="0"/>
+                            </a:rPr>
+                          </m:ctrlPr>
+                        </m:sSubPr>
+                        <m:e>
+                          <m:r>
+                            <a:rPr lang="da-DK" sz="2400" b="0" i="1" smtClean="0">
+                              <a:latin typeface="Cambria Math" panose="02040503050406030204" pitchFamily="18" charset="0"/>
+                            </a:rPr>
+                            <m:t>𝑦</m:t>
+                          </m:r>
+                        </m:e>
+                        <m:sub>
+                          <m:r>
+                            <a:rPr lang="da-DK" sz="2400" b="0" i="1" smtClean="0">
+                              <a:latin typeface="Cambria Math" panose="02040503050406030204" pitchFamily="18" charset="0"/>
+                            </a:rPr>
+                            <m:t>3</m:t>
+                          </m:r>
+                        </m:sub>
+                      </m:sSub>
+                    </m:oMath>
+                  </m:oMathPara>
+                </a14:m>
+                <a:endParaRPr lang="en-DK" sz="2400" dirty="0"/>
+              </a:p>
+            </p:txBody>
+          </p:sp>
+        </mc:Choice>
+        <mc:Fallback xmlns="">
+          <p:sp>
+            <p:nvSpPr>
+              <p:cNvPr id="54" name="TextBox 53">
+                <a:extLst>
+                  <a:ext uri="{FF2B5EF4-FFF2-40B4-BE49-F238E27FC236}">
+                    <a16:creationId xmlns:a16="http://schemas.microsoft.com/office/drawing/2014/main" id="{0D0C7E92-CDEA-B3D8-CF1F-39EDEDA267DF}"/>
+                  </a:ext>
+                </a:extLst>
+              </p:cNvPr>
+              <p:cNvSpPr txBox="1">
+                <a:spLocks noRot="1" noChangeAspect="1" noMove="1" noResize="1" noEditPoints="1" noAdjustHandles="1" noChangeArrowheads="1" noChangeShapeType="1" noTextEdit="1"/>
+              </p:cNvSpPr>
+              <p:nvPr/>
+            </p:nvSpPr>
+            <p:spPr>
+              <a:xfrm>
+                <a:off x="6019800" y="4171189"/>
+                <a:ext cx="511646" cy="461665"/>
+              </a:xfrm>
+              <a:prstGeom prst="rect">
+                <a:avLst/>
+              </a:prstGeom>
+              <a:blipFill>
+                <a:blip r:embed="rId10"/>
+                <a:stretch>
+                  <a:fillRect l="-4878" b="-10811"/>
+                </a:stretch>
+              </a:blipFill>
+            </p:spPr>
+            <p:txBody>
+              <a:bodyPr/>
+              <a:lstStyle/>
+              <a:p>
+                <a:r>
+                  <a:rPr lang="en-DK">
+                    <a:noFill/>
+                  </a:rPr>
+                  <a:t> </a:t>
+                </a:r>
+              </a:p>
+            </p:txBody>
+          </p:sp>
+        </mc:Fallback>
+      </mc:AlternateContent>
+      <p:cxnSp>
+        <p:nvCxnSpPr>
+          <p:cNvPr id="55" name="Straight Arrow Connector 54">
+            <a:extLst>
+              <a:ext uri="{FF2B5EF4-FFF2-40B4-BE49-F238E27FC236}">
+                <a16:creationId xmlns:a16="http://schemas.microsoft.com/office/drawing/2014/main" id="{E8492B60-122A-E88D-04F3-464299D8C187}"/>
+              </a:ext>
+            </a:extLst>
+          </p:cNvPr>
+          <p:cNvCxnSpPr>
+            <a:cxnSpLocks/>
+          </p:cNvCxnSpPr>
+          <p:nvPr/>
+        </p:nvCxnSpPr>
+        <p:spPr>
+          <a:xfrm>
+            <a:off x="5424341" y="5093465"/>
+            <a:ext cx="608159" cy="0"/>
+          </a:xfrm>
+          <a:prstGeom prst="straightConnector1">
+            <a:avLst/>
+          </a:prstGeom>
+          <a:ln w="38100">
+            <a:tailEnd type="triangle"/>
+          </a:ln>
+        </p:spPr>
+        <p:style>
+          <a:lnRef idx="1">
+            <a:schemeClr val="accent1"/>
+          </a:lnRef>
+          <a:fillRef idx="0">
+            <a:schemeClr val="accent1"/>
+          </a:fillRef>
+          <a:effectRef idx="0">
+            <a:schemeClr val="accent1"/>
+          </a:effectRef>
+          <a:fontRef idx="minor">
+            <a:schemeClr val="tx1"/>
+          </a:fontRef>
+        </p:style>
+      </p:cxnSp>
+      <mc:AlternateContent xmlns:mc="http://schemas.openxmlformats.org/markup-compatibility/2006" xmlns:a14="http://schemas.microsoft.com/office/drawing/2010/main">
+        <mc:Choice Requires="a14">
+          <p:sp>
+            <p:nvSpPr>
+              <p:cNvPr id="56" name="TextBox 55">
+                <a:extLst>
+                  <a:ext uri="{FF2B5EF4-FFF2-40B4-BE49-F238E27FC236}">
+                    <a16:creationId xmlns:a16="http://schemas.microsoft.com/office/drawing/2014/main" id="{E50339DE-1434-8083-7A43-F9B47CC099C7}"/>
+                  </a:ext>
+                </a:extLst>
+              </p:cNvPr>
+              <p:cNvSpPr txBox="1"/>
+              <p:nvPr/>
+            </p:nvSpPr>
+            <p:spPr>
+              <a:xfrm>
+                <a:off x="5516232" y="4659327"/>
+                <a:ext cx="482600" cy="461665"/>
+              </a:xfrm>
+              <a:prstGeom prst="rect">
+                <a:avLst/>
+              </a:prstGeom>
+              <a:noFill/>
+            </p:spPr>
+            <p:txBody>
+              <a:bodyPr wrap="square">
+                <a:spAutoFit/>
+              </a:bodyPr>
+              <a:lstStyle/>
+              <a:p>
+                <a14:m>
+                  <m:oMath xmlns:m="http://schemas.openxmlformats.org/officeDocument/2006/math">
+                    <m:sSub>
+                      <m:sSubPr>
+                        <m:ctrlPr>
+                          <a:rPr lang="da-DK" sz="2400" i="1" smtClean="0">
+                            <a:latin typeface="Cambria Math" panose="02040503050406030204" pitchFamily="18" charset="0"/>
+                          </a:rPr>
+                        </m:ctrlPr>
+                      </m:sSubPr>
+                      <m:e>
+                        <m:r>
+                          <a:rPr lang="da-DK" sz="2400" b="0" i="1" smtClean="0">
+                            <a:latin typeface="Cambria Math" panose="02040503050406030204" pitchFamily="18" charset="0"/>
+                          </a:rPr>
+                          <m:t>h</m:t>
+                        </m:r>
+                      </m:e>
+                      <m:sub>
+                        <m:r>
+                          <a:rPr lang="da-DK" sz="2400" b="0" i="1" smtClean="0">
+                            <a:latin typeface="Cambria Math" panose="02040503050406030204" pitchFamily="18" charset="0"/>
+                          </a:rPr>
+                          <m:t>4</m:t>
+                        </m:r>
+                      </m:sub>
+                    </m:sSub>
+                  </m:oMath>
+                </a14:m>
+                <a:r>
+                  <a:rPr lang="en-DK" sz="2400" dirty="0"/>
+                  <a:t> </a:t>
+                </a:r>
+              </a:p>
+            </p:txBody>
+          </p:sp>
+        </mc:Choice>
+        <mc:Fallback xmlns="">
+          <p:sp>
+            <p:nvSpPr>
+              <p:cNvPr id="56" name="TextBox 55">
+                <a:extLst>
+                  <a:ext uri="{FF2B5EF4-FFF2-40B4-BE49-F238E27FC236}">
+                    <a16:creationId xmlns:a16="http://schemas.microsoft.com/office/drawing/2014/main" id="{E50339DE-1434-8083-7A43-F9B47CC099C7}"/>
+                  </a:ext>
+                </a:extLst>
+              </p:cNvPr>
+              <p:cNvSpPr txBox="1">
+                <a:spLocks noRot="1" noChangeAspect="1" noMove="1" noResize="1" noEditPoints="1" noAdjustHandles="1" noChangeArrowheads="1" noChangeShapeType="1" noTextEdit="1"/>
+              </p:cNvSpPr>
+              <p:nvPr/>
+            </p:nvSpPr>
+            <p:spPr>
+              <a:xfrm>
+                <a:off x="5516232" y="4659327"/>
+                <a:ext cx="482600" cy="461665"/>
+              </a:xfrm>
+              <a:prstGeom prst="rect">
+                <a:avLst/>
+              </a:prstGeom>
+              <a:blipFill>
+                <a:blip r:embed="rId11"/>
+                <a:stretch>
+                  <a:fillRect l="-5128" b="-2632"/>
+                </a:stretch>
+              </a:blipFill>
+            </p:spPr>
+            <p:txBody>
+              <a:bodyPr/>
+              <a:lstStyle/>
+              <a:p>
+                <a:r>
+                  <a:rPr lang="en-DK">
+                    <a:noFill/>
+                  </a:rPr>
+                  <a:t> </a:t>
+                </a:r>
+              </a:p>
+            </p:txBody>
+          </p:sp>
+        </mc:Fallback>
+      </mc:AlternateContent>
+      <mc:AlternateContent xmlns:mc="http://schemas.openxmlformats.org/markup-compatibility/2006" xmlns:a14="http://schemas.microsoft.com/office/drawing/2010/main">
+        <mc:Choice Requires="a14">
+          <p:sp>
+            <p:nvSpPr>
+              <p:cNvPr id="57" name="TextBox 56">
+                <a:extLst>
+                  <a:ext uri="{FF2B5EF4-FFF2-40B4-BE49-F238E27FC236}">
+                    <a16:creationId xmlns:a16="http://schemas.microsoft.com/office/drawing/2014/main" id="{10C8551B-25B6-A682-45F9-021FAA9615FC}"/>
+                  </a:ext>
+                </a:extLst>
+              </p:cNvPr>
+              <p:cNvSpPr txBox="1"/>
+              <p:nvPr/>
+            </p:nvSpPr>
+            <p:spPr>
+              <a:xfrm>
+                <a:off x="6019800" y="4831589"/>
+                <a:ext cx="511646" cy="461665"/>
+              </a:xfrm>
+              <a:prstGeom prst="rect">
+                <a:avLst/>
+              </a:prstGeom>
+              <a:noFill/>
+            </p:spPr>
+            <p:txBody>
+              <a:bodyPr wrap="square">
+                <a:spAutoFit/>
+              </a:bodyPr>
+              <a:lstStyle/>
+              <a:p>
+                <a:pPr/>
+                <a14:m>
+                  <m:oMathPara xmlns:m="http://schemas.openxmlformats.org/officeDocument/2006/math">
+                    <m:oMathParaPr>
+                      <m:jc m:val="left"/>
+                    </m:oMathParaPr>
+                    <m:oMath xmlns:m="http://schemas.openxmlformats.org/officeDocument/2006/math">
+                      <m:sSub>
+                        <m:sSubPr>
+                          <m:ctrlPr>
+                            <a:rPr lang="da-DK" sz="2400" i="1" smtClean="0">
+                              <a:latin typeface="Cambria Math" panose="02040503050406030204" pitchFamily="18" charset="0"/>
+                            </a:rPr>
+                          </m:ctrlPr>
+                        </m:sSubPr>
+                        <m:e>
+                          <m:r>
+                            <a:rPr lang="da-DK" sz="2400" b="0" i="1" smtClean="0">
+                              <a:latin typeface="Cambria Math" panose="02040503050406030204" pitchFamily="18" charset="0"/>
+                            </a:rPr>
+                            <m:t>𝑦</m:t>
+                          </m:r>
+                        </m:e>
+                        <m:sub>
+                          <m:r>
+                            <a:rPr lang="da-DK" sz="2400" b="0" i="1" smtClean="0">
+                              <a:latin typeface="Cambria Math" panose="02040503050406030204" pitchFamily="18" charset="0"/>
+                            </a:rPr>
+                            <m:t>4</m:t>
+                          </m:r>
+                        </m:sub>
+                      </m:sSub>
+                    </m:oMath>
+                  </m:oMathPara>
+                </a14:m>
+                <a:endParaRPr lang="en-DK" sz="2400" dirty="0"/>
+              </a:p>
+            </p:txBody>
+          </p:sp>
+        </mc:Choice>
+        <mc:Fallback xmlns="">
+          <p:sp>
+            <p:nvSpPr>
+              <p:cNvPr id="57" name="TextBox 56">
+                <a:extLst>
+                  <a:ext uri="{FF2B5EF4-FFF2-40B4-BE49-F238E27FC236}">
+                    <a16:creationId xmlns:a16="http://schemas.microsoft.com/office/drawing/2014/main" id="{10C8551B-25B6-A682-45F9-021FAA9615FC}"/>
+                  </a:ext>
+                </a:extLst>
+              </p:cNvPr>
+              <p:cNvSpPr txBox="1">
+                <a:spLocks noRot="1" noChangeAspect="1" noMove="1" noResize="1" noEditPoints="1" noAdjustHandles="1" noChangeArrowheads="1" noChangeShapeType="1" noTextEdit="1"/>
+              </p:cNvSpPr>
+              <p:nvPr/>
+            </p:nvSpPr>
+            <p:spPr>
+              <a:xfrm>
+                <a:off x="6019800" y="4831589"/>
+                <a:ext cx="511646" cy="461665"/>
+              </a:xfrm>
+              <a:prstGeom prst="rect">
+                <a:avLst/>
+              </a:prstGeom>
+              <a:blipFill>
+                <a:blip r:embed="rId12"/>
+                <a:stretch>
+                  <a:fillRect l="-4878" b="-10811"/>
+                </a:stretch>
+              </a:blipFill>
+            </p:spPr>
+            <p:txBody>
+              <a:bodyPr/>
+              <a:lstStyle/>
+              <a:p>
+                <a:r>
+                  <a:rPr lang="en-DK">
+                    <a:noFill/>
+                  </a:rPr>
+                  <a:t> </a:t>
+                </a:r>
+              </a:p>
+            </p:txBody>
+          </p:sp>
+        </mc:Fallback>
+      </mc:AlternateContent>
+      <mc:AlternateContent xmlns:mc="http://schemas.openxmlformats.org/markup-compatibility/2006" xmlns:a14="http://schemas.microsoft.com/office/drawing/2010/main">
+        <mc:Choice Requires="a14">
+          <p:sp>
+            <p:nvSpPr>
+              <p:cNvPr id="58" name="Content Placeholder 2">
+                <a:extLst>
+                  <a:ext uri="{FF2B5EF4-FFF2-40B4-BE49-F238E27FC236}">
+                    <a16:creationId xmlns:a16="http://schemas.microsoft.com/office/drawing/2014/main" id="{D00F6482-E481-6097-AA86-C47FC3406A1E}"/>
+                  </a:ext>
+                </a:extLst>
+              </p:cNvPr>
+              <p:cNvSpPr txBox="1">
+                <a:spLocks/>
+              </p:cNvSpPr>
+              <p:nvPr/>
+            </p:nvSpPr>
+            <p:spPr>
+              <a:xfrm>
+                <a:off x="7022313" y="3637576"/>
+                <a:ext cx="4792171" cy="1721823"/>
+              </a:xfrm>
+              <a:prstGeom prst="rect">
+                <a:avLst/>
+              </a:prstGeom>
+            </p:spPr>
+            <p:txBody>
+              <a:bodyPr vert="horz" lIns="91440" tIns="45720" rIns="91440" bIns="45720" rtlCol="0">
+                <a:normAutofit/>
+              </a:bodyPr>
+              <a:lstStyle>
+                <a:lvl1pPr marL="228600" indent="-228600" algn="l" defTabSz="914400" rtl="0" eaLnBrk="1" latinLnBrk="0" hangingPunct="1">
+                  <a:lnSpc>
+                    <a:spcPct val="90000"/>
+                  </a:lnSpc>
+                  <a:spcBef>
+                    <a:spcPts val="1000"/>
+                  </a:spcBef>
+                  <a:buFont typeface="Arial" panose="020B0604020202020204" pitchFamily="34" charset="0"/>
+                  <a:buChar char="•"/>
+                  <a:defRPr sz="2800" kern="1200">
+                    <a:solidFill>
+                      <a:schemeClr val="tx1"/>
+                    </a:solidFill>
+                    <a:latin typeface="+mn-lt"/>
+                    <a:ea typeface="+mn-ea"/>
+                    <a:cs typeface="+mn-cs"/>
+                  </a:defRPr>
+                </a:lvl1pPr>
+                <a:lvl2pPr marL="685800" indent="-228600" algn="l" defTabSz="914400" rtl="0" eaLnBrk="1" latinLnBrk="0" hangingPunct="1">
+                  <a:lnSpc>
+                    <a:spcPct val="90000"/>
+                  </a:lnSpc>
+                  <a:spcBef>
+                    <a:spcPts val="500"/>
+                  </a:spcBef>
+                  <a:buFont typeface="Arial" panose="020B0604020202020204" pitchFamily="34" charset="0"/>
+                  <a:buChar char="•"/>
+                  <a:defRPr sz="2400" kern="1200">
+                    <a:solidFill>
+                      <a:schemeClr val="tx1"/>
+                    </a:solidFill>
+                    <a:latin typeface="+mn-lt"/>
+                    <a:ea typeface="+mn-ea"/>
+                    <a:cs typeface="+mn-cs"/>
+                  </a:defRPr>
+                </a:lvl2pPr>
+                <a:lvl3pPr marL="1143000" indent="-228600" algn="l" defTabSz="914400" rtl="0" eaLnBrk="1" latinLnBrk="0" hangingPunct="1">
+                  <a:lnSpc>
+                    <a:spcPct val="90000"/>
+                  </a:lnSpc>
+                  <a:spcBef>
+                    <a:spcPts val="500"/>
+                  </a:spcBef>
+                  <a:buFont typeface="Arial" panose="020B0604020202020204" pitchFamily="34" charset="0"/>
+                  <a:buChar char="•"/>
+                  <a:defRPr sz="2000" kern="1200">
+                    <a:solidFill>
+                      <a:schemeClr val="tx1"/>
+                    </a:solidFill>
+                    <a:latin typeface="+mn-lt"/>
+                    <a:ea typeface="+mn-ea"/>
+                    <a:cs typeface="+mn-cs"/>
+                  </a:defRPr>
+                </a:lvl3pPr>
+                <a:lvl4pPr marL="1600200" indent="-228600" algn="l" defTabSz="914400" rtl="0" eaLnBrk="1" latinLnBrk="0" hangingPunct="1">
+                  <a:lnSpc>
+                    <a:spcPct val="90000"/>
+                  </a:lnSpc>
+                  <a:spcBef>
+                    <a:spcPts val="500"/>
+                  </a:spcBef>
+                  <a:buFont typeface="Arial" panose="020B0604020202020204" pitchFamily="34" charset="0"/>
+                  <a:buChar char="•"/>
+                  <a:defRPr sz="1800" kern="1200">
+                    <a:solidFill>
+                      <a:schemeClr val="tx1"/>
+                    </a:solidFill>
+                    <a:latin typeface="+mn-lt"/>
+                    <a:ea typeface="+mn-ea"/>
+                    <a:cs typeface="+mn-cs"/>
+                  </a:defRPr>
+                </a:lvl4pPr>
+                <a:lvl5pPr marL="2057400" indent="-228600" algn="l" defTabSz="914400" rtl="0" eaLnBrk="1" latinLnBrk="0" hangingPunct="1">
+                  <a:lnSpc>
+                    <a:spcPct val="90000"/>
+                  </a:lnSpc>
+                  <a:spcBef>
+                    <a:spcPts val="500"/>
+                  </a:spcBef>
+                  <a:buFont typeface="Arial" panose="020B0604020202020204" pitchFamily="34" charset="0"/>
+                  <a:buChar char="•"/>
+                  <a:defRPr sz="1800" kern="1200">
+                    <a:solidFill>
+                      <a:schemeClr val="tx1"/>
+                    </a:solidFill>
+                    <a:latin typeface="+mn-lt"/>
+                    <a:ea typeface="+mn-ea"/>
+                    <a:cs typeface="+mn-cs"/>
+                  </a:defRPr>
+                </a:lvl5pPr>
+                <a:lvl6pPr marL="2514600" indent="-228600" algn="l" defTabSz="914400" rtl="0" eaLnBrk="1" latinLnBrk="0" hangingPunct="1">
+                  <a:lnSpc>
+                    <a:spcPct val="90000"/>
+                  </a:lnSpc>
+                  <a:spcBef>
+                    <a:spcPts val="500"/>
+                  </a:spcBef>
+                  <a:buFont typeface="Arial" panose="020B0604020202020204" pitchFamily="34" charset="0"/>
+                  <a:buChar char="•"/>
+                  <a:defRPr sz="1800" kern="1200">
+                    <a:solidFill>
+                      <a:schemeClr val="tx1"/>
+                    </a:solidFill>
+                    <a:latin typeface="+mn-lt"/>
+                    <a:ea typeface="+mn-ea"/>
+                    <a:cs typeface="+mn-cs"/>
+                  </a:defRPr>
+                </a:lvl6pPr>
+                <a:lvl7pPr marL="2971800" indent="-228600" algn="l" defTabSz="914400" rtl="0" eaLnBrk="1" latinLnBrk="0" hangingPunct="1">
+                  <a:lnSpc>
+                    <a:spcPct val="90000"/>
+                  </a:lnSpc>
+                  <a:spcBef>
+                    <a:spcPts val="500"/>
+                  </a:spcBef>
+                  <a:buFont typeface="Arial" panose="020B0604020202020204" pitchFamily="34" charset="0"/>
+                  <a:buChar char="•"/>
+                  <a:defRPr sz="1800" kern="1200">
+                    <a:solidFill>
+                      <a:schemeClr val="tx1"/>
+                    </a:solidFill>
+                    <a:latin typeface="+mn-lt"/>
+                    <a:ea typeface="+mn-ea"/>
+                    <a:cs typeface="+mn-cs"/>
+                  </a:defRPr>
+                </a:lvl7pPr>
+                <a:lvl8pPr marL="3429000" indent="-228600" algn="l" defTabSz="914400" rtl="0" eaLnBrk="1" latinLnBrk="0" hangingPunct="1">
+                  <a:lnSpc>
+                    <a:spcPct val="90000"/>
+                  </a:lnSpc>
+                  <a:spcBef>
+                    <a:spcPts val="500"/>
+                  </a:spcBef>
+                  <a:buFont typeface="Arial" panose="020B0604020202020204" pitchFamily="34" charset="0"/>
+                  <a:buChar char="•"/>
+                  <a:defRPr sz="1800" kern="1200">
+                    <a:solidFill>
+                      <a:schemeClr val="tx1"/>
+                    </a:solidFill>
+                    <a:latin typeface="+mn-lt"/>
+                    <a:ea typeface="+mn-ea"/>
+                    <a:cs typeface="+mn-cs"/>
+                  </a:defRPr>
+                </a:lvl8pPr>
+                <a:lvl9pPr marL="3886200" indent="-228600" algn="l" defTabSz="914400" rtl="0" eaLnBrk="1" latinLnBrk="0" hangingPunct="1">
+                  <a:lnSpc>
+                    <a:spcPct val="90000"/>
+                  </a:lnSpc>
+                  <a:spcBef>
+                    <a:spcPts val="500"/>
+                  </a:spcBef>
+                  <a:buFont typeface="Arial" panose="020B0604020202020204" pitchFamily="34" charset="0"/>
+                  <a:buChar char="•"/>
+                  <a:defRPr sz="1800" kern="1200">
+                    <a:solidFill>
+                      <a:schemeClr val="tx1"/>
+                    </a:solidFill>
+                    <a:latin typeface="+mn-lt"/>
+                    <a:ea typeface="+mn-ea"/>
+                    <a:cs typeface="+mn-cs"/>
+                  </a:defRPr>
+                </a:lvl9pPr>
+              </a:lstStyle>
+              <a:p>
+                <a:r>
+                  <a:rPr lang="da-DK" sz="2400" b="1" dirty="0" err="1"/>
+                  <a:t>Loss</a:t>
+                </a:r>
+                <a:r>
+                  <a:rPr lang="da-DK" sz="2400" b="1" dirty="0"/>
+                  <a:t> </a:t>
+                </a:r>
+                <a:r>
+                  <a:rPr lang="da-DK" sz="2400" b="1" dirty="0" err="1"/>
+                  <a:t>function</a:t>
+                </a:r>
+                <a:r>
+                  <a:rPr lang="da-DK" sz="2400" dirty="0"/>
+                  <a:t>: cross </a:t>
+                </a:r>
+                <a:r>
+                  <a:rPr lang="da-DK" sz="2400" dirty="0" err="1"/>
+                  <a:t>entropy</a:t>
+                </a:r>
+                <a:r>
+                  <a:rPr lang="da-DK" sz="2400" dirty="0"/>
+                  <a:t> *</a:t>
+                </a:r>
+              </a:p>
+              <a:p>
+                <a:r>
+                  <a:rPr lang="da-DK" sz="2400" dirty="0"/>
+                  <a:t>In </a:t>
+                </a:r>
+                <a:r>
+                  <a:rPr lang="da-DK" sz="2400" dirty="0" err="1"/>
+                  <a:t>pytorch</a:t>
+                </a:r>
+                <a:r>
+                  <a:rPr lang="da-DK" sz="2400" dirty="0"/>
+                  <a:t>, the </a:t>
+                </a:r>
+                <a:r>
+                  <a:rPr lang="da-DK" sz="2400" dirty="0" err="1"/>
+                  <a:t>softmax</a:t>
+                </a:r>
+                <a:r>
+                  <a:rPr lang="da-DK" sz="2400" dirty="0"/>
+                  <a:t> is </a:t>
+                </a:r>
+                <a:r>
+                  <a:rPr lang="da-DK" sz="2400" dirty="0" err="1"/>
+                  <a:t>built</a:t>
+                </a:r>
+                <a:r>
+                  <a:rPr lang="da-DK" sz="2400" dirty="0"/>
+                  <a:t> </a:t>
+                </a:r>
+                <a:r>
+                  <a:rPr lang="da-DK" sz="2400" dirty="0" err="1"/>
+                  <a:t>into</a:t>
+                </a:r>
+                <a:r>
+                  <a:rPr lang="da-DK" sz="2400" dirty="0"/>
+                  <a:t> the </a:t>
+                </a:r>
+                <a:r>
+                  <a:rPr lang="da-DK" sz="2400" dirty="0" err="1"/>
+                  <a:t>loss</a:t>
+                </a:r>
+                <a:r>
+                  <a:rPr lang="da-DK" sz="2400" dirty="0"/>
+                  <a:t> </a:t>
+                </a:r>
+                <a:r>
+                  <a:rPr lang="da-DK" sz="2400" dirty="0" err="1"/>
+                  <a:t>function</a:t>
+                </a:r>
+                <a:r>
+                  <a:rPr lang="da-DK" sz="2400" dirty="0"/>
+                  <a:t>: it </a:t>
+                </a:r>
+                <a:r>
+                  <a:rPr lang="da-DK" sz="2400" dirty="0" err="1"/>
+                  <a:t>takes</a:t>
+                </a:r>
+                <a:r>
+                  <a:rPr lang="da-DK" sz="2400" dirty="0"/>
+                  <a:t> </a:t>
+                </a:r>
+                <a14:m>
+                  <m:oMath xmlns:m="http://schemas.openxmlformats.org/officeDocument/2006/math">
+                    <m:sSub>
+                      <m:sSubPr>
+                        <m:ctrlPr>
+                          <a:rPr lang="da-DK" sz="2400" i="1">
+                            <a:latin typeface="Cambria Math" panose="02040503050406030204" pitchFamily="18" charset="0"/>
+                          </a:rPr>
+                        </m:ctrlPr>
+                      </m:sSubPr>
+                      <m:e>
+                        <m:r>
+                          <a:rPr lang="da-DK" sz="2400" i="1">
+                            <a:latin typeface="Cambria Math" panose="02040503050406030204" pitchFamily="18" charset="0"/>
+                          </a:rPr>
+                          <m:t>h</m:t>
+                        </m:r>
+                      </m:e>
+                      <m:sub>
+                        <m:r>
+                          <a:rPr lang="da-DK" sz="2400" i="1">
+                            <a:latin typeface="Cambria Math" panose="02040503050406030204" pitchFamily="18" charset="0"/>
+                          </a:rPr>
+                          <m:t>𝑖</m:t>
+                        </m:r>
+                      </m:sub>
+                    </m:sSub>
+                  </m:oMath>
+                </a14:m>
+                <a:r>
+                  <a:rPr lang="en-DK" sz="2400" dirty="0"/>
+                  <a:t> instead of </a:t>
+                </a:r>
+                <a14:m>
+                  <m:oMath xmlns:m="http://schemas.openxmlformats.org/officeDocument/2006/math">
+                    <m:sSub>
+                      <m:sSubPr>
+                        <m:ctrlPr>
+                          <a:rPr lang="da-DK" sz="2400" i="1">
+                            <a:latin typeface="Cambria Math" panose="02040503050406030204" pitchFamily="18" charset="0"/>
+                          </a:rPr>
+                        </m:ctrlPr>
+                      </m:sSubPr>
+                      <m:e>
+                        <m:r>
+                          <a:rPr lang="da-DK" sz="2400" b="0" i="1" smtClean="0">
+                            <a:latin typeface="Cambria Math" panose="02040503050406030204" pitchFamily="18" charset="0"/>
+                          </a:rPr>
+                          <m:t>𝑦</m:t>
+                        </m:r>
+                      </m:e>
+                      <m:sub>
+                        <m:r>
+                          <a:rPr lang="da-DK" sz="2400" i="1">
+                            <a:latin typeface="Cambria Math" panose="02040503050406030204" pitchFamily="18" charset="0"/>
+                          </a:rPr>
+                          <m:t>𝑖</m:t>
+                        </m:r>
+                      </m:sub>
+                    </m:sSub>
+                  </m:oMath>
+                </a14:m>
+                <a:r>
+                  <a:rPr lang="en-DK" sz="2400" dirty="0"/>
+                  <a:t>.</a:t>
+                </a:r>
+              </a:p>
+            </p:txBody>
+          </p:sp>
+        </mc:Choice>
+        <mc:Fallback xmlns="">
+          <p:sp>
+            <p:nvSpPr>
+              <p:cNvPr id="58" name="Content Placeholder 2">
+                <a:extLst>
+                  <a:ext uri="{FF2B5EF4-FFF2-40B4-BE49-F238E27FC236}">
+                    <a16:creationId xmlns:a16="http://schemas.microsoft.com/office/drawing/2014/main" id="{D00F6482-E481-6097-AA86-C47FC3406A1E}"/>
+                  </a:ext>
+                </a:extLst>
+              </p:cNvPr>
+              <p:cNvSpPr txBox="1">
+                <a:spLocks noRot="1" noChangeAspect="1" noMove="1" noResize="1" noEditPoints="1" noAdjustHandles="1" noChangeArrowheads="1" noChangeShapeType="1" noTextEdit="1"/>
+              </p:cNvSpPr>
+              <p:nvPr/>
+            </p:nvSpPr>
+            <p:spPr>
+              <a:xfrm>
+                <a:off x="7022313" y="3637576"/>
+                <a:ext cx="4792171" cy="1721823"/>
+              </a:xfrm>
+              <a:prstGeom prst="rect">
+                <a:avLst/>
+              </a:prstGeom>
+              <a:blipFill>
+                <a:blip r:embed="rId13"/>
+                <a:stretch>
+                  <a:fillRect l="-1583" t="-4412" r="-528"/>
+                </a:stretch>
+              </a:blipFill>
+            </p:spPr>
+            <p:txBody>
+              <a:bodyPr/>
+              <a:lstStyle/>
+              <a:p>
+                <a:r>
+                  <a:rPr lang="en-DK">
+                    <a:noFill/>
+                  </a:rPr>
+                  <a:t> </a:t>
+                </a:r>
+              </a:p>
+            </p:txBody>
+          </p:sp>
+        </mc:Fallback>
+      </mc:AlternateContent>
+      <mc:AlternateContent xmlns:mc="http://schemas.openxmlformats.org/markup-compatibility/2006" xmlns:a14="http://schemas.microsoft.com/office/drawing/2010/main">
+        <mc:Choice Requires="a14">
+          <p:sp>
+            <p:nvSpPr>
+              <p:cNvPr id="59" name="Content Placeholder 2">
+                <a:extLst>
+                  <a:ext uri="{FF2B5EF4-FFF2-40B4-BE49-F238E27FC236}">
+                    <a16:creationId xmlns:a16="http://schemas.microsoft.com/office/drawing/2014/main" id="{F6292937-F013-A871-2E63-1B7EE9F5E0E4}"/>
+                  </a:ext>
+                </a:extLst>
+              </p:cNvPr>
+              <p:cNvSpPr txBox="1">
+                <a:spLocks/>
+              </p:cNvSpPr>
+              <p:nvPr/>
+            </p:nvSpPr>
+            <p:spPr>
+              <a:xfrm>
+                <a:off x="6318956" y="5803900"/>
+                <a:ext cx="5695244" cy="1044039"/>
+              </a:xfrm>
+              <a:prstGeom prst="rect">
+                <a:avLst/>
+              </a:prstGeom>
+            </p:spPr>
+            <p:txBody>
+              <a:bodyPr vert="horz" lIns="91440" tIns="45720" rIns="91440" bIns="45720" rtlCol="0">
+                <a:normAutofit/>
+              </a:bodyPr>
+              <a:lstStyle>
+                <a:lvl1pPr marL="228600" indent="-228600" algn="l" defTabSz="914400" rtl="0" eaLnBrk="1" latinLnBrk="0" hangingPunct="1">
+                  <a:lnSpc>
+                    <a:spcPct val="90000"/>
+                  </a:lnSpc>
+                  <a:spcBef>
+                    <a:spcPts val="1000"/>
+                  </a:spcBef>
+                  <a:buFont typeface="Arial" panose="020B0604020202020204" pitchFamily="34" charset="0"/>
+                  <a:buChar char="•"/>
+                  <a:defRPr sz="2800" kern="1200">
+                    <a:solidFill>
+                      <a:schemeClr val="tx1"/>
+                    </a:solidFill>
+                    <a:latin typeface="+mn-lt"/>
+                    <a:ea typeface="+mn-ea"/>
+                    <a:cs typeface="+mn-cs"/>
+                  </a:defRPr>
+                </a:lvl1pPr>
+                <a:lvl2pPr marL="685800" indent="-228600" algn="l" defTabSz="914400" rtl="0" eaLnBrk="1" latinLnBrk="0" hangingPunct="1">
+                  <a:lnSpc>
+                    <a:spcPct val="90000"/>
+                  </a:lnSpc>
+                  <a:spcBef>
+                    <a:spcPts val="500"/>
+                  </a:spcBef>
+                  <a:buFont typeface="Arial" panose="020B0604020202020204" pitchFamily="34" charset="0"/>
+                  <a:buChar char="•"/>
+                  <a:defRPr sz="2400" kern="1200">
+                    <a:solidFill>
+                      <a:schemeClr val="tx1"/>
+                    </a:solidFill>
+                    <a:latin typeface="+mn-lt"/>
+                    <a:ea typeface="+mn-ea"/>
+                    <a:cs typeface="+mn-cs"/>
+                  </a:defRPr>
+                </a:lvl2pPr>
+                <a:lvl3pPr marL="1143000" indent="-228600" algn="l" defTabSz="914400" rtl="0" eaLnBrk="1" latinLnBrk="0" hangingPunct="1">
+                  <a:lnSpc>
+                    <a:spcPct val="90000"/>
+                  </a:lnSpc>
+                  <a:spcBef>
+                    <a:spcPts val="500"/>
+                  </a:spcBef>
+                  <a:buFont typeface="Arial" panose="020B0604020202020204" pitchFamily="34" charset="0"/>
+                  <a:buChar char="•"/>
+                  <a:defRPr sz="2000" kern="1200">
+                    <a:solidFill>
+                      <a:schemeClr val="tx1"/>
+                    </a:solidFill>
+                    <a:latin typeface="+mn-lt"/>
+                    <a:ea typeface="+mn-ea"/>
+                    <a:cs typeface="+mn-cs"/>
+                  </a:defRPr>
+                </a:lvl3pPr>
+                <a:lvl4pPr marL="1600200" indent="-228600" algn="l" defTabSz="914400" rtl="0" eaLnBrk="1" latinLnBrk="0" hangingPunct="1">
+                  <a:lnSpc>
+                    <a:spcPct val="90000"/>
+                  </a:lnSpc>
+                  <a:spcBef>
+                    <a:spcPts val="500"/>
+                  </a:spcBef>
+                  <a:buFont typeface="Arial" panose="020B0604020202020204" pitchFamily="34" charset="0"/>
+                  <a:buChar char="•"/>
+                  <a:defRPr sz="1800" kern="1200">
+                    <a:solidFill>
+                      <a:schemeClr val="tx1"/>
+                    </a:solidFill>
+                    <a:latin typeface="+mn-lt"/>
+                    <a:ea typeface="+mn-ea"/>
+                    <a:cs typeface="+mn-cs"/>
+                  </a:defRPr>
+                </a:lvl4pPr>
+                <a:lvl5pPr marL="2057400" indent="-228600" algn="l" defTabSz="914400" rtl="0" eaLnBrk="1" latinLnBrk="0" hangingPunct="1">
+                  <a:lnSpc>
+                    <a:spcPct val="90000"/>
+                  </a:lnSpc>
+                  <a:spcBef>
+                    <a:spcPts val="500"/>
+                  </a:spcBef>
+                  <a:buFont typeface="Arial" panose="020B0604020202020204" pitchFamily="34" charset="0"/>
+                  <a:buChar char="•"/>
+                  <a:defRPr sz="1800" kern="1200">
+                    <a:solidFill>
+                      <a:schemeClr val="tx1"/>
+                    </a:solidFill>
+                    <a:latin typeface="+mn-lt"/>
+                    <a:ea typeface="+mn-ea"/>
+                    <a:cs typeface="+mn-cs"/>
+                  </a:defRPr>
+                </a:lvl5pPr>
+                <a:lvl6pPr marL="2514600" indent="-228600" algn="l" defTabSz="914400" rtl="0" eaLnBrk="1" latinLnBrk="0" hangingPunct="1">
+                  <a:lnSpc>
+                    <a:spcPct val="90000"/>
+                  </a:lnSpc>
+                  <a:spcBef>
+                    <a:spcPts val="500"/>
+                  </a:spcBef>
+                  <a:buFont typeface="Arial" panose="020B0604020202020204" pitchFamily="34" charset="0"/>
+                  <a:buChar char="•"/>
+                  <a:defRPr sz="1800" kern="1200">
+                    <a:solidFill>
+                      <a:schemeClr val="tx1"/>
+                    </a:solidFill>
+                    <a:latin typeface="+mn-lt"/>
+                    <a:ea typeface="+mn-ea"/>
+                    <a:cs typeface="+mn-cs"/>
+                  </a:defRPr>
+                </a:lvl6pPr>
+                <a:lvl7pPr marL="2971800" indent="-228600" algn="l" defTabSz="914400" rtl="0" eaLnBrk="1" latinLnBrk="0" hangingPunct="1">
+                  <a:lnSpc>
+                    <a:spcPct val="90000"/>
+                  </a:lnSpc>
+                  <a:spcBef>
+                    <a:spcPts val="500"/>
+                  </a:spcBef>
+                  <a:buFont typeface="Arial" panose="020B0604020202020204" pitchFamily="34" charset="0"/>
+                  <a:buChar char="•"/>
+                  <a:defRPr sz="1800" kern="1200">
+                    <a:solidFill>
+                      <a:schemeClr val="tx1"/>
+                    </a:solidFill>
+                    <a:latin typeface="+mn-lt"/>
+                    <a:ea typeface="+mn-ea"/>
+                    <a:cs typeface="+mn-cs"/>
+                  </a:defRPr>
+                </a:lvl7pPr>
+                <a:lvl8pPr marL="3429000" indent="-228600" algn="l" defTabSz="914400" rtl="0" eaLnBrk="1" latinLnBrk="0" hangingPunct="1">
+                  <a:lnSpc>
+                    <a:spcPct val="90000"/>
+                  </a:lnSpc>
+                  <a:spcBef>
+                    <a:spcPts val="500"/>
+                  </a:spcBef>
+                  <a:buFont typeface="Arial" panose="020B0604020202020204" pitchFamily="34" charset="0"/>
+                  <a:buChar char="•"/>
+                  <a:defRPr sz="1800" kern="1200">
+                    <a:solidFill>
+                      <a:schemeClr val="tx1"/>
+                    </a:solidFill>
+                    <a:latin typeface="+mn-lt"/>
+                    <a:ea typeface="+mn-ea"/>
+                    <a:cs typeface="+mn-cs"/>
+                  </a:defRPr>
+                </a:lvl8pPr>
+                <a:lvl9pPr marL="3886200" indent="-228600" algn="l" defTabSz="914400" rtl="0" eaLnBrk="1" latinLnBrk="0" hangingPunct="1">
+                  <a:lnSpc>
+                    <a:spcPct val="90000"/>
+                  </a:lnSpc>
+                  <a:spcBef>
+                    <a:spcPts val="500"/>
+                  </a:spcBef>
+                  <a:buFont typeface="Arial" panose="020B0604020202020204" pitchFamily="34" charset="0"/>
+                  <a:buChar char="•"/>
+                  <a:defRPr sz="1800" kern="1200">
+                    <a:solidFill>
+                      <a:schemeClr val="tx1"/>
+                    </a:solidFill>
+                    <a:latin typeface="+mn-lt"/>
+                    <a:ea typeface="+mn-ea"/>
+                    <a:cs typeface="+mn-cs"/>
+                  </a:defRPr>
+                </a:lvl9pPr>
+              </a:lstStyle>
+              <a:p>
+                <a:pPr marL="0" indent="0">
+                  <a:buNone/>
+                </a:pPr>
+                <a:r>
+                  <a:rPr lang="da-DK" sz="2000" dirty="0"/>
+                  <a:t>*) Cross </a:t>
+                </a:r>
+                <a:r>
+                  <a:rPr lang="da-DK" sz="2000" dirty="0" err="1"/>
+                  <a:t>entropy</a:t>
+                </a:r>
+                <a:r>
+                  <a:rPr lang="da-DK" sz="2000" dirty="0"/>
+                  <a:t> </a:t>
+                </a:r>
+                <a:r>
+                  <a:rPr lang="da-DK" sz="2000" dirty="0" err="1"/>
+                  <a:t>loss</a:t>
+                </a:r>
+                <a:r>
+                  <a:rPr lang="da-DK" sz="2000" dirty="0"/>
+                  <a:t> is </a:t>
+                </a:r>
+                <a:r>
+                  <a:rPr lang="da-DK" sz="2000" dirty="0" err="1"/>
+                  <a:t>similar</a:t>
+                </a:r>
+                <a:r>
+                  <a:rPr lang="da-DK" sz="2000" dirty="0"/>
+                  <a:t> to </a:t>
+                </a:r>
+                <a:r>
+                  <a:rPr lang="da-DK" sz="2000" dirty="0" err="1"/>
+                  <a:t>binary</a:t>
+                </a:r>
+                <a:r>
+                  <a:rPr lang="da-DK" sz="2000" dirty="0"/>
+                  <a:t> case.</a:t>
+                </a:r>
+              </a:p>
+              <a:p>
+                <a:pPr marL="0" indent="0">
+                  <a:buNone/>
+                </a:pPr>
+                <a14:m>
+                  <m:oMath xmlns:m="http://schemas.openxmlformats.org/officeDocument/2006/math">
+                    <m:r>
+                      <a:rPr lang="da-DK" sz="2000" b="0" i="1" smtClean="0">
+                        <a:latin typeface="Cambria Math" panose="02040503050406030204" pitchFamily="18" charset="0"/>
+                      </a:rPr>
+                      <m:t>𝐸</m:t>
+                    </m:r>
+                    <m:d>
+                      <m:dPr>
+                        <m:ctrlPr>
+                          <a:rPr lang="da-DK" sz="2000" b="0" i="1" smtClean="0">
+                            <a:latin typeface="Cambria Math" panose="02040503050406030204" pitchFamily="18" charset="0"/>
+                          </a:rPr>
+                        </m:ctrlPr>
+                      </m:dPr>
+                      <m:e>
+                        <m:r>
+                          <a:rPr lang="da-DK" sz="2000" b="0" i="1" smtClean="0">
+                            <a:latin typeface="Cambria Math" panose="02040503050406030204" pitchFamily="18" charset="0"/>
+                          </a:rPr>
+                          <m:t>𝑤</m:t>
+                        </m:r>
+                      </m:e>
+                    </m:d>
+                    <m:r>
+                      <a:rPr lang="da-DK" sz="2000" b="0" i="1" smtClean="0">
+                        <a:latin typeface="Cambria Math" panose="02040503050406030204" pitchFamily="18" charset="0"/>
+                      </a:rPr>
+                      <m:t>=−</m:t>
+                    </m:r>
+                    <m:nary>
+                      <m:naryPr>
+                        <m:chr m:val="∑"/>
+                        <m:limLoc m:val="subSup"/>
+                        <m:supHide m:val="on"/>
+                        <m:ctrlPr>
+                          <a:rPr lang="da-DK" sz="2000" b="0" i="1" smtClean="0">
+                            <a:latin typeface="Cambria Math" panose="02040503050406030204" pitchFamily="18" charset="0"/>
+                          </a:rPr>
+                        </m:ctrlPr>
+                      </m:naryPr>
+                      <m:sub>
+                        <m:r>
+                          <m:rPr>
+                            <m:brk m:alnAt="7"/>
+                          </m:rPr>
+                          <a:rPr lang="da-DK" sz="2000" b="0" i="1" smtClean="0">
+                            <a:latin typeface="Cambria Math" panose="02040503050406030204" pitchFamily="18" charset="0"/>
+                          </a:rPr>
+                          <m:t>𝑖</m:t>
+                        </m:r>
+                      </m:sub>
+                      <m:sup/>
+                      <m:e>
+                        <m:sSub>
+                          <m:sSubPr>
+                            <m:ctrlPr>
+                              <a:rPr lang="da-DK" sz="2000" b="0" i="1" smtClean="0">
+                                <a:latin typeface="Cambria Math" panose="02040503050406030204" pitchFamily="18" charset="0"/>
+                              </a:rPr>
+                            </m:ctrlPr>
+                          </m:sSubPr>
+                          <m:e>
+                            <m:r>
+                              <a:rPr lang="da-DK" sz="2000" b="0" i="1" smtClean="0">
+                                <a:latin typeface="Cambria Math" panose="02040503050406030204" pitchFamily="18" charset="0"/>
+                              </a:rPr>
+                              <m:t>𝑡</m:t>
+                            </m:r>
+                          </m:e>
+                          <m:sub>
+                            <m:r>
+                              <a:rPr lang="da-DK" sz="2000" b="0" i="1" smtClean="0">
+                                <a:latin typeface="Cambria Math" panose="02040503050406030204" pitchFamily="18" charset="0"/>
+                              </a:rPr>
+                              <m:t>𝑖</m:t>
+                            </m:r>
+                          </m:sub>
+                        </m:sSub>
+                        <m:func>
+                          <m:funcPr>
+                            <m:ctrlPr>
+                              <a:rPr lang="da-DK" sz="2000" b="0" i="1" smtClean="0">
+                                <a:latin typeface="Cambria Math" panose="02040503050406030204" pitchFamily="18" charset="0"/>
+                              </a:rPr>
+                            </m:ctrlPr>
+                          </m:funcPr>
+                          <m:fName>
+                            <m:r>
+                              <m:rPr>
+                                <m:sty m:val="p"/>
+                              </m:rPr>
+                              <a:rPr lang="da-DK" sz="2000" b="0" i="0" smtClean="0">
+                                <a:latin typeface="Cambria Math" panose="02040503050406030204" pitchFamily="18" charset="0"/>
+                              </a:rPr>
+                              <m:t>log</m:t>
+                            </m:r>
+                          </m:fName>
+                          <m:e>
+                            <m:sSub>
+                              <m:sSubPr>
+                                <m:ctrlPr>
+                                  <a:rPr lang="da-DK" sz="2000" b="0" i="1" smtClean="0">
+                                    <a:latin typeface="Cambria Math" panose="02040503050406030204" pitchFamily="18" charset="0"/>
+                                  </a:rPr>
+                                </m:ctrlPr>
+                              </m:sSubPr>
+                              <m:e>
+                                <m:r>
+                                  <a:rPr lang="da-DK" sz="2000" b="0" i="1" smtClean="0">
+                                    <a:latin typeface="Cambria Math" panose="02040503050406030204" pitchFamily="18" charset="0"/>
+                                  </a:rPr>
+                                  <m:t>𝑦</m:t>
+                                </m:r>
+                              </m:e>
+                              <m:sub>
+                                <m:r>
+                                  <a:rPr lang="da-DK" sz="2000" b="0" i="1" smtClean="0">
+                                    <a:latin typeface="Cambria Math" panose="02040503050406030204" pitchFamily="18" charset="0"/>
+                                  </a:rPr>
+                                  <m:t>𝑖</m:t>
+                                </m:r>
+                              </m:sub>
+                            </m:sSub>
+                          </m:e>
+                        </m:func>
+                      </m:e>
+                    </m:nary>
+                  </m:oMath>
+                </a14:m>
+                <a:r>
+                  <a:rPr lang="da-DK" sz="2000" dirty="0"/>
+                  <a:t>      where target </a:t>
+                </a:r>
+                <a14:m>
+                  <m:oMath xmlns:m="http://schemas.openxmlformats.org/officeDocument/2006/math">
+                    <m:sSub>
+                      <m:sSubPr>
+                        <m:ctrlPr>
+                          <a:rPr lang="da-DK" sz="2000" i="1">
+                            <a:latin typeface="Cambria Math" panose="02040503050406030204" pitchFamily="18" charset="0"/>
+                          </a:rPr>
+                        </m:ctrlPr>
+                      </m:sSubPr>
+                      <m:e>
+                        <m:r>
+                          <a:rPr lang="da-DK" sz="2000" i="1">
+                            <a:latin typeface="Cambria Math" panose="02040503050406030204" pitchFamily="18" charset="0"/>
+                          </a:rPr>
+                          <m:t>𝑡</m:t>
+                        </m:r>
+                      </m:e>
+                      <m:sub>
+                        <m:r>
+                          <a:rPr lang="da-DK" sz="2000" i="1">
+                            <a:latin typeface="Cambria Math" panose="02040503050406030204" pitchFamily="18" charset="0"/>
+                          </a:rPr>
+                          <m:t>𝑖</m:t>
+                        </m:r>
+                      </m:sub>
+                    </m:sSub>
+                  </m:oMath>
+                </a14:m>
+                <a:r>
+                  <a:rPr lang="da-DK" sz="2000" dirty="0"/>
+                  <a:t> is 1 or 0</a:t>
+                </a:r>
+                <a:endParaRPr lang="en-DK" sz="2000" dirty="0"/>
+              </a:p>
+            </p:txBody>
+          </p:sp>
+        </mc:Choice>
+        <mc:Fallback xmlns="">
+          <p:sp>
+            <p:nvSpPr>
+              <p:cNvPr id="59" name="Content Placeholder 2">
+                <a:extLst>
+                  <a:ext uri="{FF2B5EF4-FFF2-40B4-BE49-F238E27FC236}">
+                    <a16:creationId xmlns:a16="http://schemas.microsoft.com/office/drawing/2014/main" id="{F6292937-F013-A871-2E63-1B7EE9F5E0E4}"/>
+                  </a:ext>
+                </a:extLst>
+              </p:cNvPr>
+              <p:cNvSpPr txBox="1">
+                <a:spLocks noRot="1" noChangeAspect="1" noMove="1" noResize="1" noEditPoints="1" noAdjustHandles="1" noChangeArrowheads="1" noChangeShapeType="1" noTextEdit="1"/>
+              </p:cNvSpPr>
+              <p:nvPr/>
+            </p:nvSpPr>
+            <p:spPr>
+              <a:xfrm>
+                <a:off x="6318956" y="5803900"/>
+                <a:ext cx="5695244" cy="1044039"/>
+              </a:xfrm>
+              <a:prstGeom prst="rect">
+                <a:avLst/>
+              </a:prstGeom>
+              <a:blipFill>
+                <a:blip r:embed="rId14"/>
+                <a:stretch>
+                  <a:fillRect l="-1111" t="-9524" b="-42857"/>
+                </a:stretch>
+              </a:blipFill>
+            </p:spPr>
+            <p:txBody>
+              <a:bodyPr/>
+              <a:lstStyle/>
+              <a:p>
+                <a:r>
+                  <a:rPr lang="en-DK">
+                    <a:noFill/>
+                  </a:rPr>
+                  <a:t> </a:t>
+                </a:r>
+              </a:p>
+            </p:txBody>
+          </p:sp>
+        </mc:Fallback>
+      </mc:AlternateContent>
+    </p:spTree>
+    <p:extLst>
+      <p:ext uri="{BB962C8B-B14F-4D97-AF65-F5344CB8AC3E}">
+        <p14:creationId xmlns:p14="http://schemas.microsoft.com/office/powerpoint/2010/main" val="3913043586"/>
+      </p:ext>
+    </p:extLst>
+  </p:cSld>
+  <p:clrMapOvr>
+    <a:masterClrMapping/>
+  </p:clrMapOvr>
+</p:sld>
+</file>
+
+<file path=ppt/slides/slide8.xml><?xml version="1.0" encoding="utf-8"?>
+<p:sld xmlns:a="http://schemas.openxmlformats.org/drawingml/2006/main" xmlns:r="http://schemas.openxmlformats.org/officeDocument/2006/relationships" xmlns:p="http://schemas.openxmlformats.org/presentationml/2006/main">
+  <p:cSld>
+    <p:spTree>
+      <p:nvGrpSpPr>
+        <p:cNvPr id="1" name=""/>
+        <p:cNvGrpSpPr/>
+        <p:nvPr/>
+      </p:nvGrpSpPr>
+      <p:grpSpPr>
+        <a:xfrm>
+          <a:off x="0" y="0"/>
+          <a:ext cx="0" cy="0"/>
+          <a:chOff x="0" y="0"/>
+          <a:chExt cx="0" cy="0"/>
+        </a:xfrm>
+      </p:grpSpPr>
+      <p:sp>
+        <p:nvSpPr>
+          <p:cNvPr id="2" name="Title 1">
+            <a:extLst>
+              <a:ext uri="{FF2B5EF4-FFF2-40B4-BE49-F238E27FC236}">
+                <a16:creationId xmlns:a16="http://schemas.microsoft.com/office/drawing/2014/main" id="{6B65414A-6C58-63A5-CB73-BF2FDBF0B4B5}"/>
+              </a:ext>
+            </a:extLst>
+          </p:cNvPr>
+          <p:cNvSpPr>
+            <a:spLocks noGrp="1"/>
+          </p:cNvSpPr>
+          <p:nvPr>
+            <p:ph type="title"/>
+          </p:nvPr>
+        </p:nvSpPr>
+        <p:spPr>
+          <a:xfrm>
+            <a:off x="838200" y="365125"/>
+            <a:ext cx="10515600" cy="688975"/>
+          </a:xfrm>
+        </p:spPr>
+        <p:txBody>
+          <a:bodyPr>
+            <a:normAutofit/>
+          </a:bodyPr>
+          <a:lstStyle/>
+          <a:p>
+            <a:r>
+              <a:rPr lang="en-GB" sz="4000" dirty="0"/>
+              <a:t>The optimizer</a:t>
+            </a:r>
+          </a:p>
+        </p:txBody>
+      </p:sp>
+      <p:sp>
+        <p:nvSpPr>
+          <p:cNvPr id="3" name="Content Placeholder 2">
+            <a:extLst>
+              <a:ext uri="{FF2B5EF4-FFF2-40B4-BE49-F238E27FC236}">
+                <a16:creationId xmlns:a16="http://schemas.microsoft.com/office/drawing/2014/main" id="{13AE54D5-7F11-E26A-9095-AD353CAA41B7}"/>
+              </a:ext>
+            </a:extLst>
+          </p:cNvPr>
+          <p:cNvSpPr>
+            <a:spLocks noGrp="1"/>
+          </p:cNvSpPr>
+          <p:nvPr>
+            <p:ph sz="half" idx="1"/>
+          </p:nvPr>
+        </p:nvSpPr>
+        <p:spPr>
+          <a:xfrm>
+            <a:off x="838199" y="1257300"/>
+            <a:ext cx="4923269" cy="5235575"/>
+          </a:xfrm>
+        </p:spPr>
+        <p:txBody>
+          <a:bodyPr>
+            <a:noAutofit/>
+          </a:bodyPr>
+          <a:lstStyle/>
+          <a:p>
+            <a:r>
+              <a:rPr lang="en-GB" sz="2400" dirty="0"/>
+              <a:t>In plain stochastic gradient descent (</a:t>
+            </a:r>
+            <a:r>
+              <a:rPr lang="en-GB" sz="2400" dirty="0" err="1"/>
+              <a:t>torch.optim.SGD</a:t>
+            </a:r>
+            <a:r>
+              <a:rPr lang="en-GB" sz="2400" dirty="0"/>
+              <a:t>) you need to set parameters (learning rate and momentum)</a:t>
+            </a:r>
+          </a:p>
+          <a:p>
+            <a:r>
+              <a:rPr lang="en-GB" sz="2400" dirty="0"/>
+              <a:t>The </a:t>
+            </a:r>
+            <a:r>
+              <a:rPr lang="en-GB" sz="2400" dirty="0">
+                <a:solidFill>
+                  <a:schemeClr val="accent1"/>
+                </a:solidFill>
+              </a:rPr>
+              <a:t>Adam</a:t>
+            </a:r>
+            <a:r>
+              <a:rPr lang="en-GB" sz="2400" dirty="0"/>
+              <a:t> </a:t>
+            </a:r>
+            <a:r>
+              <a:rPr lang="en-GB" sz="2400" dirty="0">
+                <a:solidFill>
+                  <a:schemeClr val="accent1"/>
+                </a:solidFill>
+              </a:rPr>
+              <a:t>optimizer</a:t>
+            </a:r>
+            <a:r>
+              <a:rPr lang="en-GB" sz="2400" dirty="0"/>
+              <a:t> is usually a better choice</a:t>
+            </a:r>
+          </a:p>
+          <a:p>
+            <a:pPr lvl="1"/>
+            <a:r>
+              <a:rPr lang="en-GB" dirty="0"/>
+              <a:t>It automatically adapts the learning rate and momentum in clever ways</a:t>
+            </a:r>
+          </a:p>
+          <a:p>
+            <a:pPr lvl="1"/>
+            <a:r>
+              <a:rPr lang="en-GB" dirty="0"/>
+              <a:t>It is based on SGD and uses mini-batches</a:t>
+            </a:r>
+          </a:p>
+          <a:p>
+            <a:pPr lvl="1"/>
+            <a:r>
+              <a:rPr lang="en-GB" dirty="0"/>
+              <a:t>you can set a weight decay</a:t>
+            </a:r>
+          </a:p>
+          <a:p>
+            <a:endParaRPr lang="en-GB" sz="2400" dirty="0"/>
+          </a:p>
+        </p:txBody>
+      </p:sp>
+      <p:sp>
+        <p:nvSpPr>
+          <p:cNvPr id="4" name="Content Placeholder 3">
+            <a:extLst>
+              <a:ext uri="{FF2B5EF4-FFF2-40B4-BE49-F238E27FC236}">
+                <a16:creationId xmlns:a16="http://schemas.microsoft.com/office/drawing/2014/main" id="{5910F5F3-AA7C-6FD5-336D-0DD482F957BA}"/>
+              </a:ext>
+            </a:extLst>
+          </p:cNvPr>
+          <p:cNvSpPr>
+            <a:spLocks noGrp="1"/>
+          </p:cNvSpPr>
+          <p:nvPr>
+            <p:ph sz="half" idx="2"/>
+          </p:nvPr>
+        </p:nvSpPr>
+        <p:spPr>
+          <a:xfrm>
+            <a:off x="6172200" y="4216400"/>
+            <a:ext cx="5181600" cy="1960562"/>
+          </a:xfrm>
+        </p:spPr>
+        <p:txBody>
+          <a:bodyPr>
+            <a:normAutofit/>
+          </a:bodyPr>
+          <a:lstStyle/>
+          <a:p>
+            <a:pPr marL="0" indent="0">
+              <a:buNone/>
+            </a:pPr>
+            <a:r>
+              <a:rPr lang="en-GB" sz="2400" dirty="0"/>
+              <a:t>You can set parameters in Adam, such as </a:t>
+            </a:r>
+          </a:p>
+          <a:p>
+            <a:r>
+              <a:rPr lang="en-GB" sz="2400" dirty="0"/>
+              <a:t>learning rate (e.g. “</a:t>
+            </a:r>
+            <a:r>
+              <a:rPr lang="en-GB" sz="2400" dirty="0" err="1"/>
+              <a:t>lr</a:t>
+            </a:r>
+            <a:r>
+              <a:rPr lang="en-GB" sz="2400" dirty="0"/>
+              <a:t>=1.e-4”)</a:t>
+            </a:r>
+          </a:p>
+          <a:p>
+            <a:r>
+              <a:rPr lang="en-GB" sz="2400" dirty="0"/>
+              <a:t>“</a:t>
+            </a:r>
+            <a:r>
+              <a:rPr lang="en-GB" sz="2400" dirty="0" err="1"/>
+              <a:t>weight_decay</a:t>
+            </a:r>
+            <a:r>
+              <a:rPr lang="en-GB" sz="2400" dirty="0"/>
+              <a:t>=1.e-5”</a:t>
+            </a:r>
+          </a:p>
+          <a:p>
+            <a:endParaRPr lang="en-DK" dirty="0"/>
+          </a:p>
+        </p:txBody>
+      </p:sp>
+      <p:sp>
+        <p:nvSpPr>
+          <p:cNvPr id="6" name="TextBox 5">
+            <a:extLst>
+              <a:ext uri="{FF2B5EF4-FFF2-40B4-BE49-F238E27FC236}">
+                <a16:creationId xmlns:a16="http://schemas.microsoft.com/office/drawing/2014/main" id="{4D8F6FC3-7E84-6835-B27F-7CE1BD200B33}"/>
+              </a:ext>
+            </a:extLst>
+          </p:cNvPr>
+          <p:cNvSpPr txBox="1"/>
+          <p:nvPr/>
+        </p:nvSpPr>
+        <p:spPr>
+          <a:xfrm>
+            <a:off x="6172200" y="990600"/>
+            <a:ext cx="4702698" cy="400110"/>
+          </a:xfrm>
+          <a:prstGeom prst="rect">
+            <a:avLst/>
+          </a:prstGeom>
+          <a:noFill/>
+        </p:spPr>
+        <p:txBody>
+          <a:bodyPr wrap="none" rtlCol="0">
+            <a:spAutoFit/>
+          </a:bodyPr>
+          <a:lstStyle/>
+          <a:p>
+            <a:r>
+              <a:rPr lang="en-DK" sz="2000" dirty="0"/>
+              <a:t>Example of code using the Adam optimizer:</a:t>
+            </a:r>
+          </a:p>
+        </p:txBody>
+      </p:sp>
+      <p:pic>
+        <p:nvPicPr>
+          <p:cNvPr id="8" name="Picture 7">
+            <a:extLst>
+              <a:ext uri="{FF2B5EF4-FFF2-40B4-BE49-F238E27FC236}">
+                <a16:creationId xmlns:a16="http://schemas.microsoft.com/office/drawing/2014/main" id="{3A5E5C47-E56D-4B68-B4E1-C6B41C38CA3E}"/>
+              </a:ext>
+            </a:extLst>
+          </p:cNvPr>
+          <p:cNvPicPr>
+            <a:picLocks noChangeAspect="1"/>
+          </p:cNvPicPr>
+          <p:nvPr/>
+        </p:nvPicPr>
+        <p:blipFill>
+          <a:blip r:embed="rId2"/>
+          <a:stretch>
+            <a:fillRect/>
+          </a:stretch>
+        </p:blipFill>
+        <p:spPr>
+          <a:xfrm>
+            <a:off x="6172200" y="1524508"/>
+            <a:ext cx="5829300" cy="2341579"/>
+          </a:xfrm>
+          <a:prstGeom prst="rect">
+            <a:avLst/>
+          </a:prstGeom>
+        </p:spPr>
+      </p:pic>
+    </p:spTree>
+    <p:extLst>
+      <p:ext uri="{BB962C8B-B14F-4D97-AF65-F5344CB8AC3E}">
+        <p14:creationId xmlns:p14="http://schemas.microsoft.com/office/powerpoint/2010/main" val="356029131"/>
+      </p:ext>
+    </p:extLst>
+  </p:cSld>
+  <p:clrMapOvr>
+    <a:masterClrMapping/>
+  </p:clrMapOvr>
+</p:sld>
+</file>
+
+<file path=ppt/slides/slide9.xml><?xml version="1.0" encoding="utf-8"?>
+<p:sld xmlns:a="http://schemas.openxmlformats.org/drawingml/2006/main" xmlns:r="http://schemas.openxmlformats.org/officeDocument/2006/relationships" xmlns:p="http://schemas.openxmlformats.org/presentationml/2006/main">
+  <p:cSld>
+    <p:spTree>
+      <p:nvGrpSpPr>
+        <p:cNvPr id="1" name=""/>
+        <p:cNvGrpSpPr/>
+        <p:nvPr/>
+      </p:nvGrpSpPr>
+      <p:grpSpPr>
+        <a:xfrm>
+          <a:off x="0" y="0"/>
+          <a:ext cx="0" cy="0"/>
+          <a:chOff x="0" y="0"/>
+          <a:chExt cx="0" cy="0"/>
+        </a:xfrm>
+      </p:grpSpPr>
+      <p:sp>
+        <p:nvSpPr>
+          <p:cNvPr id="2" name="Title 1">
+            <a:extLst>
+              <a:ext uri="{FF2B5EF4-FFF2-40B4-BE49-F238E27FC236}">
+                <a16:creationId xmlns:a16="http://schemas.microsoft.com/office/drawing/2014/main" id="{25484B26-A7DB-42E4-F868-A7796468E2CC}"/>
               </a:ext>
             </a:extLst>
           </p:cNvPr>
@@ -5712,12 +9827,14 @@
         </p:nvSpPr>
         <p:spPr/>
         <p:txBody>
-          <a:bodyPr/>
+          <a:bodyPr>
+            <a:normAutofit/>
+          </a:bodyPr>
           <a:lstStyle/>
           <a:p>
             <a:r>
-              <a:rPr lang="en-DK" dirty="0"/>
-              <a:t>Exercise with gene expression data</a:t>
+              <a:rPr lang="en-DK" sz="4000" dirty="0"/>
+              <a:t>All the choices you have to make …</a:t>
             </a:r>
           </a:p>
         </p:txBody>
@@ -5727,7 +9844,7 @@
           <p:cNvPr id="3" name="Content Placeholder 2">
             <a:extLst>
               <a:ext uri="{FF2B5EF4-FFF2-40B4-BE49-F238E27FC236}">
-                <a16:creationId xmlns:a16="http://schemas.microsoft.com/office/drawing/2014/main" id="{59DE1D73-68F8-A839-F165-A284BA323472}"/>
+                <a16:creationId xmlns:a16="http://schemas.microsoft.com/office/drawing/2014/main" id="{C59CBC92-8B72-143C-4AC6-16984CF2A741}"/>
               </a:ext>
             </a:extLst>
           </p:cNvPr>
@@ -5740,23 +9857,86 @@
         </p:nvSpPr>
         <p:spPr/>
         <p:txBody>
-          <a:bodyPr/>
+          <a:bodyPr>
+            <a:normAutofit/>
+          </a:bodyPr>
           <a:lstStyle/>
           <a:p>
             <a:r>
-              <a:rPr lang="en-DK" dirty="0"/>
-              <a:t>Explain the data a bit</a:t>
-            </a:r>
-          </a:p>
-          <a:p>
-            <a:endParaRPr lang="en-DK" dirty="0"/>
+              <a:rPr lang="en-GB" dirty="0"/>
+              <a:t>There are </a:t>
+            </a:r>
+            <a:r>
+              <a:rPr lang="en-GB" dirty="0">
+                <a:solidFill>
+                  <a:schemeClr val="accent1"/>
+                </a:solidFill>
+              </a:rPr>
+              <a:t>many parameters you can vary in a Neural Network</a:t>
+            </a:r>
+            <a:r>
+              <a:rPr lang="en-GB" dirty="0"/>
+              <a:t>.</a:t>
+            </a:r>
+          </a:p>
+          <a:p>
+            <a:r>
+              <a:rPr lang="en-GB" dirty="0"/>
+              <a:t>It is a good idea to make an initial “</a:t>
+            </a:r>
+            <a:r>
+              <a:rPr lang="en-GB" dirty="0">
+                <a:solidFill>
+                  <a:schemeClr val="accent1"/>
+                </a:solidFill>
+              </a:rPr>
+              <a:t>grid search</a:t>
+            </a:r>
+            <a:r>
+              <a:rPr lang="en-GB" dirty="0"/>
+              <a:t>” where you systematically test performance by varying</a:t>
+            </a:r>
+          </a:p>
+          <a:p>
+            <a:pPr lvl="1"/>
+            <a:r>
+              <a:rPr lang="en-GB" dirty="0"/>
+              <a:t>the number of hidden layers and their size</a:t>
+            </a:r>
+          </a:p>
+          <a:p>
+            <a:pPr lvl="1"/>
+            <a:r>
+              <a:rPr lang="en-GB" dirty="0"/>
+              <a:t>other parameters one by one</a:t>
+            </a:r>
+          </a:p>
+          <a:p>
+            <a:r>
+              <a:rPr lang="en-GB" dirty="0"/>
+              <a:t>This is sometimes done on a reduced data </a:t>
+            </a:r>
+            <a:r>
+              <a:rPr lang="en-GB"/>
+              <a:t>set and or with </a:t>
+            </a:r>
+            <a:r>
+              <a:rPr lang="en-GB" dirty="0"/>
+              <a:t>quite few iterations</a:t>
+            </a:r>
+          </a:p>
+          <a:p>
+            <a:pPr marL="0" indent="0">
+              <a:buNone/>
+            </a:pPr>
+            <a:endParaRPr lang="en-DK" sz="3200" dirty="0"/>
           </a:p>
         </p:txBody>
       </p:sp>
     </p:spTree>
     <p:extLst>
       <p:ext uri="{BB962C8B-B14F-4D97-AF65-F5344CB8AC3E}">
-        <p14:creationId xmlns:p14="http://schemas.microsoft.com/office/powerpoint/2010/main" val="3368431095"/>
+        <p14:creationId xmlns:p14="http://schemas.microsoft.com/office/powerpoint/2010/main" val="2740460272"/>
       </p:ext>
     </p:extLst>
   </p:cSld>

--- a/Day2/NNintro2.pptx
+++ b/Day2/NNintro2.pptx
@@ -14,7 +14,7 @@
     <p:sldId id="267" r:id="rId8"/>
     <p:sldId id="262" r:id="rId9"/>
     <p:sldId id="265" r:id="rId10"/>
-    <p:sldId id="264" r:id="rId11"/>
+    <p:sldId id="270" r:id="rId11"/>
   </p:sldIdLst>
   <p:sldSz cx="12192000" cy="6858000"/>
   <p:notesSz cx="6858000" cy="9144000"/>
@@ -268,7 +268,7 @@
           <a:p>
             <a:fld id="{0AFAC7B3-FB35-CC49-995E-4491EDAB2BEA}" type="datetimeFigureOut">
               <a:rPr lang="en-GB" smtClean="0"/>
-              <a:t>22/05/2022</a:t>
+              <a:t>23/05/2022</a:t>
             </a:fld>
             <a:endParaRPr lang="en-GB"/>
           </a:p>
@@ -466,7 +466,7 @@
           <a:p>
             <a:fld id="{0AFAC7B3-FB35-CC49-995E-4491EDAB2BEA}" type="datetimeFigureOut">
               <a:rPr lang="en-GB" smtClean="0"/>
-              <a:t>22/05/2022</a:t>
+              <a:t>23/05/2022</a:t>
             </a:fld>
             <a:endParaRPr lang="en-GB"/>
           </a:p>
@@ -674,7 +674,7 @@
           <a:p>
             <a:fld id="{0AFAC7B3-FB35-CC49-995E-4491EDAB2BEA}" type="datetimeFigureOut">
               <a:rPr lang="en-GB" smtClean="0"/>
-              <a:t>22/05/2022</a:t>
+              <a:t>23/05/2022</a:t>
             </a:fld>
             <a:endParaRPr lang="en-GB"/>
           </a:p>
@@ -872,7 +872,7 @@
           <a:p>
             <a:fld id="{0AFAC7B3-FB35-CC49-995E-4491EDAB2BEA}" type="datetimeFigureOut">
               <a:rPr lang="en-GB" smtClean="0"/>
-              <a:t>22/05/2022</a:t>
+              <a:t>23/05/2022</a:t>
             </a:fld>
             <a:endParaRPr lang="en-GB"/>
           </a:p>
@@ -1147,7 +1147,7 @@
           <a:p>
             <a:fld id="{0AFAC7B3-FB35-CC49-995E-4491EDAB2BEA}" type="datetimeFigureOut">
               <a:rPr lang="en-GB" smtClean="0"/>
-              <a:t>22/05/2022</a:t>
+              <a:t>23/05/2022</a:t>
             </a:fld>
             <a:endParaRPr lang="en-GB"/>
           </a:p>
@@ -1412,7 +1412,7 @@
           <a:p>
             <a:fld id="{0AFAC7B3-FB35-CC49-995E-4491EDAB2BEA}" type="datetimeFigureOut">
               <a:rPr lang="en-GB" smtClean="0"/>
-              <a:t>22/05/2022</a:t>
+              <a:t>23/05/2022</a:t>
             </a:fld>
             <a:endParaRPr lang="en-GB"/>
           </a:p>
@@ -1824,7 +1824,7 @@
           <a:p>
             <a:fld id="{0AFAC7B3-FB35-CC49-995E-4491EDAB2BEA}" type="datetimeFigureOut">
               <a:rPr lang="en-GB" smtClean="0"/>
-              <a:t>22/05/2022</a:t>
+              <a:t>23/05/2022</a:t>
             </a:fld>
             <a:endParaRPr lang="en-GB"/>
           </a:p>
@@ -1965,7 +1965,7 @@
           <a:p>
             <a:fld id="{0AFAC7B3-FB35-CC49-995E-4491EDAB2BEA}" type="datetimeFigureOut">
               <a:rPr lang="en-GB" smtClean="0"/>
-              <a:t>22/05/2022</a:t>
+              <a:t>23/05/2022</a:t>
             </a:fld>
             <a:endParaRPr lang="en-GB"/>
           </a:p>
@@ -2078,7 +2078,7 @@
           <a:p>
             <a:fld id="{0AFAC7B3-FB35-CC49-995E-4491EDAB2BEA}" type="datetimeFigureOut">
               <a:rPr lang="en-GB" smtClean="0"/>
-              <a:t>22/05/2022</a:t>
+              <a:t>23/05/2022</a:t>
             </a:fld>
             <a:endParaRPr lang="en-GB"/>
           </a:p>
@@ -2389,7 +2389,7 @@
           <a:p>
             <a:fld id="{0AFAC7B3-FB35-CC49-995E-4491EDAB2BEA}" type="datetimeFigureOut">
               <a:rPr lang="en-GB" smtClean="0"/>
-              <a:t>22/05/2022</a:t>
+              <a:t>23/05/2022</a:t>
             </a:fld>
             <a:endParaRPr lang="en-GB"/>
           </a:p>
@@ -2677,7 +2677,7 @@
           <a:p>
             <a:fld id="{0AFAC7B3-FB35-CC49-995E-4491EDAB2BEA}" type="datetimeFigureOut">
               <a:rPr lang="en-GB" smtClean="0"/>
-              <a:t>22/05/2022</a:t>
+              <a:t>23/05/2022</a:t>
             </a:fld>
             <a:endParaRPr lang="en-GB"/>
           </a:p>
@@ -2918,7 +2918,7 @@
           <a:p>
             <a:fld id="{0AFAC7B3-FB35-CC49-995E-4491EDAB2BEA}" type="datetimeFigureOut">
               <a:rPr lang="en-GB" smtClean="0"/>
-              <a:t>22/05/2022</a:t>
+              <a:t>23/05/2022</a:t>
             </a:fld>
             <a:endParaRPr lang="en-GB"/>
           </a:p>
@@ -3449,7 +3449,12 @@
             <p:ph type="title"/>
           </p:nvPr>
         </p:nvSpPr>
-        <p:spPr/>
+        <p:spPr>
+          <a:xfrm>
+            <a:off x="838200" y="15378"/>
+            <a:ext cx="10515600" cy="1325563"/>
+          </a:xfrm>
+        </p:spPr>
         <p:txBody>
           <a:bodyPr/>
           <a:lstStyle/>
@@ -3477,25 +3482,187 @@
             <p:ph idx="1"/>
           </p:nvPr>
         </p:nvSpPr>
-        <p:spPr/>
+        <p:spPr>
+          <a:xfrm>
+            <a:off x="5479619" y="1690688"/>
+            <a:ext cx="5874181" cy="4351338"/>
+          </a:xfrm>
+        </p:spPr>
         <p:txBody>
           <a:bodyPr/>
           <a:lstStyle/>
           <a:p>
             <a:r>
-              <a:rPr lang="en-DK" dirty="0"/>
-              <a:t>Explain the data a bit</a:t>
-            </a:r>
-          </a:p>
-          <a:p>
+              <a:rPr lang="en-GB" sz="2000" dirty="0"/>
+              <a:t>RNA-</a:t>
+            </a:r>
+            <a:r>
+              <a:rPr lang="en-GB" sz="2000" dirty="0" err="1"/>
+              <a:t>seq</a:t>
+            </a:r>
+            <a:r>
+              <a:rPr lang="en-GB" sz="2000" dirty="0"/>
+              <a:t> is a great use-case for Machine Learning algorithms:</a:t>
+            </a:r>
+          </a:p>
+          <a:p>
+            <a:pPr lvl="1"/>
+            <a:r>
+              <a:rPr lang="en-GB" sz="1800" dirty="0"/>
+              <a:t>High dimensional data</a:t>
+            </a:r>
+          </a:p>
+          <a:p>
+            <a:pPr lvl="1"/>
+            <a:r>
+              <a:rPr lang="en-GB" sz="1800" dirty="0"/>
+              <a:t>Many cellular pathways are highly correlated</a:t>
+            </a:r>
+          </a:p>
+          <a:p>
+            <a:pPr lvl="1"/>
+            <a:r>
+              <a:rPr lang="en-GB" sz="1800" dirty="0"/>
+              <a:t>Tissue specific</a:t>
+            </a:r>
+          </a:p>
+          <a:p>
+            <a:pPr lvl="1"/>
+            <a:r>
+              <a:rPr lang="en-DK" sz="1800" dirty="0"/>
+              <a:t>Big datasets available (GTex)</a:t>
+            </a:r>
+          </a:p>
+          <a:p>
+            <a:r>
+              <a:rPr lang="en-DK" sz="2000" dirty="0"/>
+              <a:t>The exercise:</a:t>
+            </a:r>
+          </a:p>
+          <a:p>
+            <a:pPr lvl="1"/>
+            <a:r>
+              <a:rPr lang="en-DK" sz="1600" dirty="0"/>
+              <a:t>Can a neural network capture the information encoded on gene expression and detect tissues?</a:t>
+            </a:r>
+          </a:p>
+          <a:p>
+            <a:pPr lvl="1"/>
+            <a:r>
+              <a:rPr lang="en-DK" sz="1600" dirty="0"/>
+              <a:t>In the exercise we will build a neural network that learns the gene expression profile and is able to guess the tissue of origin</a:t>
+            </a:r>
+          </a:p>
+          <a:p>
+            <a:pPr lvl="1"/>
             <a:endParaRPr lang="en-DK" dirty="0"/>
+          </a:p>
+        </p:txBody>
+      </p:sp>
+      <p:pic>
+        <p:nvPicPr>
+          <p:cNvPr id="1026" name="Picture 2">
+            <a:extLst>
+              <a:ext uri="{FF2B5EF4-FFF2-40B4-BE49-F238E27FC236}">
+                <a16:creationId xmlns:a16="http://schemas.microsoft.com/office/drawing/2014/main" id="{C7E219A3-0F42-71E4-9DE4-FFC2430263BF}"/>
+              </a:ext>
+            </a:extLst>
+          </p:cNvPr>
+          <p:cNvPicPr>
+            <a:picLocks noChangeAspect="1" noChangeArrowheads="1"/>
+          </p:cNvPicPr>
+          <p:nvPr/>
+        </p:nvPicPr>
+        <p:blipFill rotWithShape="1">
+          <a:blip r:embed="rId2">
+            <a:extLst>
+              <a:ext uri="{28A0092B-C50C-407E-A947-70E740481C1C}">
+                <a14:useLocalDpi xmlns:a14="http://schemas.microsoft.com/office/drawing/2010/main" val="0"/>
+              </a:ext>
+            </a:extLst>
+          </a:blip>
+          <a:srcRect l="-1" r="38631"/>
+          <a:stretch/>
+        </p:blipFill>
+        <p:spPr bwMode="auto">
+          <a:xfrm>
+            <a:off x="432626" y="1371601"/>
+            <a:ext cx="4155051" cy="5121274"/>
+          </a:xfrm>
+          <a:prstGeom prst="rect">
+            <a:avLst/>
+          </a:prstGeom>
+          <a:noFill/>
+          <a:extLst>
+            <a:ext uri="{909E8E84-426E-40DD-AFC4-6F175D3DCCD1}">
+              <a14:hiddenFill xmlns:a14="http://schemas.microsoft.com/office/drawing/2010/main">
+                <a:solidFill>
+                  <a:srgbClr val="FFFFFF"/>
+                </a:solidFill>
+              </a14:hiddenFill>
+            </a:ext>
+          </a:extLst>
+        </p:spPr>
+      </p:pic>
+      <p:sp>
+        <p:nvSpPr>
+          <p:cNvPr id="5" name="TextBox 4">
+            <a:extLst>
+              <a:ext uri="{FF2B5EF4-FFF2-40B4-BE49-F238E27FC236}">
+                <a16:creationId xmlns:a16="http://schemas.microsoft.com/office/drawing/2014/main" id="{27B638B3-0943-CF23-BB53-89795DA49CF1}"/>
+              </a:ext>
+            </a:extLst>
+          </p:cNvPr>
+          <p:cNvSpPr txBox="1"/>
+          <p:nvPr/>
+        </p:nvSpPr>
+        <p:spPr>
+          <a:xfrm>
+            <a:off x="432626" y="6492875"/>
+            <a:ext cx="8587408" cy="338554"/>
+          </a:xfrm>
+          <a:prstGeom prst="rect">
+            <a:avLst/>
+          </a:prstGeom>
+          <a:noFill/>
+        </p:spPr>
+        <p:txBody>
+          <a:bodyPr wrap="square">
+            <a:spAutoFit/>
+          </a:bodyPr>
+          <a:lstStyle/>
+          <a:p>
+            <a:r>
+              <a:rPr lang="en-DK" sz="1600" dirty="0"/>
+              <a:t>Figure adapted  from the G</a:t>
+            </a:r>
+            <a:r>
+              <a:rPr lang="en-GB" sz="1600" dirty="0"/>
+              <a:t>t</a:t>
+            </a:r>
+            <a:r>
+              <a:rPr lang="en-DK" sz="1600" dirty="0"/>
+              <a:t>ex Consortium (2020). </a:t>
+            </a:r>
+            <a:r>
+              <a:rPr lang="en-GB" sz="1600" dirty="0"/>
+              <a:t>https://</a:t>
+            </a:r>
+            <a:r>
+              <a:rPr lang="en-GB" sz="1600" dirty="0" err="1"/>
+              <a:t>pubmed.ncbi.nlm.nih.gov</a:t>
+            </a:r>
+            <a:r>
+              <a:rPr lang="en-GB" sz="1600" dirty="0"/>
+              <a:t>/32913098/</a:t>
+            </a:r>
           </a:p>
         </p:txBody>
       </p:sp>
     </p:spTree>
     <p:extLst>
       <p:ext uri="{BB962C8B-B14F-4D97-AF65-F5344CB8AC3E}">
-        <p14:creationId xmlns:p14="http://schemas.microsoft.com/office/powerpoint/2010/main" val="3368431095"/>
+        <p14:creationId xmlns:p14="http://schemas.microsoft.com/office/powerpoint/2010/main" val="3726939697"/>
       </p:ext>
     </p:extLst>
   </p:cSld>
